--- a/challenges/intro_to_malloc/GLibCMalloc.pptx
+++ b/challenges/intro_to_malloc/GLibCMalloc.pptx
@@ -5,7 +5,7 @@
     <p:sldMasterId id="2147483660" r:id="rId1"/>
   </p:sldMasterIdLst>
   <p:notesMasterIdLst>
-    <p:notesMasterId r:id="rId155"/>
+    <p:notesMasterId r:id="rId156"/>
   </p:notesMasterIdLst>
   <p:sldIdLst>
     <p:sldId id="327" r:id="rId2"/>
@@ -67,100 +67,101 @@
     <p:sldId id="418" r:id="rId58"/>
     <p:sldId id="376" r:id="rId59"/>
     <p:sldId id="379" r:id="rId60"/>
-    <p:sldId id="419" r:id="rId61"/>
-    <p:sldId id="378" r:id="rId62"/>
-    <p:sldId id="383" r:id="rId63"/>
-    <p:sldId id="377" r:id="rId64"/>
-    <p:sldId id="421" r:id="rId65"/>
-    <p:sldId id="422" r:id="rId66"/>
-    <p:sldId id="423" r:id="rId67"/>
-    <p:sldId id="424" r:id="rId68"/>
-    <p:sldId id="425" r:id="rId69"/>
-    <p:sldId id="370" r:id="rId70"/>
-    <p:sldId id="386" r:id="rId71"/>
-    <p:sldId id="486" r:id="rId72"/>
-    <p:sldId id="387" r:id="rId73"/>
-    <p:sldId id="389" r:id="rId74"/>
-    <p:sldId id="388" r:id="rId75"/>
-    <p:sldId id="390" r:id="rId76"/>
-    <p:sldId id="415" r:id="rId77"/>
-    <p:sldId id="406" r:id="rId78"/>
-    <p:sldId id="407" r:id="rId79"/>
-    <p:sldId id="410" r:id="rId80"/>
-    <p:sldId id="411" r:id="rId81"/>
-    <p:sldId id="416" r:id="rId82"/>
-    <p:sldId id="412" r:id="rId83"/>
-    <p:sldId id="413" r:id="rId84"/>
-    <p:sldId id="283" r:id="rId85"/>
-    <p:sldId id="442" r:id="rId86"/>
-    <p:sldId id="443" r:id="rId87"/>
-    <p:sldId id="440" r:id="rId88"/>
-    <p:sldId id="441" r:id="rId89"/>
-    <p:sldId id="384" r:id="rId90"/>
-    <p:sldId id="295" r:id="rId91"/>
-    <p:sldId id="444" r:id="rId92"/>
-    <p:sldId id="445" r:id="rId93"/>
-    <p:sldId id="446" r:id="rId94"/>
-    <p:sldId id="447" r:id="rId95"/>
-    <p:sldId id="448" r:id="rId96"/>
-    <p:sldId id="385" r:id="rId97"/>
-    <p:sldId id="395" r:id="rId98"/>
-    <p:sldId id="408" r:id="rId99"/>
-    <p:sldId id="454" r:id="rId100"/>
-    <p:sldId id="459" r:id="rId101"/>
-    <p:sldId id="455" r:id="rId102"/>
-    <p:sldId id="461" r:id="rId103"/>
-    <p:sldId id="457" r:id="rId104"/>
-    <p:sldId id="458" r:id="rId105"/>
-    <p:sldId id="450" r:id="rId106"/>
-    <p:sldId id="449" r:id="rId107"/>
-    <p:sldId id="462" r:id="rId108"/>
-    <p:sldId id="463" r:id="rId109"/>
-    <p:sldId id="464" r:id="rId110"/>
-    <p:sldId id="465" r:id="rId111"/>
-    <p:sldId id="467" r:id="rId112"/>
-    <p:sldId id="426" r:id="rId113"/>
-    <p:sldId id="430" r:id="rId114"/>
-    <p:sldId id="431" r:id="rId115"/>
-    <p:sldId id="391" r:id="rId116"/>
-    <p:sldId id="394" r:id="rId117"/>
-    <p:sldId id="393" r:id="rId118"/>
-    <p:sldId id="392" r:id="rId119"/>
-    <p:sldId id="402" r:id="rId120"/>
-    <p:sldId id="371" r:id="rId121"/>
-    <p:sldId id="396" r:id="rId122"/>
-    <p:sldId id="401" r:id="rId123"/>
-    <p:sldId id="397" r:id="rId124"/>
-    <p:sldId id="398" r:id="rId125"/>
-    <p:sldId id="428" r:id="rId126"/>
-    <p:sldId id="403" r:id="rId127"/>
-    <p:sldId id="427" r:id="rId128"/>
-    <p:sldId id="436" r:id="rId129"/>
-    <p:sldId id="468" r:id="rId130"/>
-    <p:sldId id="469" r:id="rId131"/>
-    <p:sldId id="471" r:id="rId132"/>
-    <p:sldId id="472" r:id="rId133"/>
-    <p:sldId id="485" r:id="rId134"/>
-    <p:sldId id="473" r:id="rId135"/>
-    <p:sldId id="400" r:id="rId136"/>
-    <p:sldId id="429" r:id="rId137"/>
-    <p:sldId id="451" r:id="rId138"/>
-    <p:sldId id="399" r:id="rId139"/>
-    <p:sldId id="404" r:id="rId140"/>
-    <p:sldId id="483" r:id="rId141"/>
-    <p:sldId id="474" r:id="rId142"/>
-    <p:sldId id="475" r:id="rId143"/>
-    <p:sldId id="477" r:id="rId144"/>
-    <p:sldId id="478" r:id="rId145"/>
-    <p:sldId id="480" r:id="rId146"/>
-    <p:sldId id="479" r:id="rId147"/>
-    <p:sldId id="481" r:id="rId148"/>
-    <p:sldId id="482" r:id="rId149"/>
-    <p:sldId id="484" r:id="rId150"/>
-    <p:sldId id="452" r:id="rId151"/>
-    <p:sldId id="453" r:id="rId152"/>
-    <p:sldId id="435" r:id="rId153"/>
-    <p:sldId id="348" r:id="rId154"/>
+    <p:sldId id="487" r:id="rId61"/>
+    <p:sldId id="419" r:id="rId62"/>
+    <p:sldId id="378" r:id="rId63"/>
+    <p:sldId id="383" r:id="rId64"/>
+    <p:sldId id="377" r:id="rId65"/>
+    <p:sldId id="421" r:id="rId66"/>
+    <p:sldId id="422" r:id="rId67"/>
+    <p:sldId id="423" r:id="rId68"/>
+    <p:sldId id="424" r:id="rId69"/>
+    <p:sldId id="425" r:id="rId70"/>
+    <p:sldId id="370" r:id="rId71"/>
+    <p:sldId id="386" r:id="rId72"/>
+    <p:sldId id="486" r:id="rId73"/>
+    <p:sldId id="387" r:id="rId74"/>
+    <p:sldId id="389" r:id="rId75"/>
+    <p:sldId id="388" r:id="rId76"/>
+    <p:sldId id="390" r:id="rId77"/>
+    <p:sldId id="415" r:id="rId78"/>
+    <p:sldId id="406" r:id="rId79"/>
+    <p:sldId id="407" r:id="rId80"/>
+    <p:sldId id="410" r:id="rId81"/>
+    <p:sldId id="411" r:id="rId82"/>
+    <p:sldId id="416" r:id="rId83"/>
+    <p:sldId id="412" r:id="rId84"/>
+    <p:sldId id="413" r:id="rId85"/>
+    <p:sldId id="283" r:id="rId86"/>
+    <p:sldId id="442" r:id="rId87"/>
+    <p:sldId id="443" r:id="rId88"/>
+    <p:sldId id="440" r:id="rId89"/>
+    <p:sldId id="441" r:id="rId90"/>
+    <p:sldId id="384" r:id="rId91"/>
+    <p:sldId id="295" r:id="rId92"/>
+    <p:sldId id="444" r:id="rId93"/>
+    <p:sldId id="445" r:id="rId94"/>
+    <p:sldId id="446" r:id="rId95"/>
+    <p:sldId id="447" r:id="rId96"/>
+    <p:sldId id="448" r:id="rId97"/>
+    <p:sldId id="385" r:id="rId98"/>
+    <p:sldId id="395" r:id="rId99"/>
+    <p:sldId id="408" r:id="rId100"/>
+    <p:sldId id="454" r:id="rId101"/>
+    <p:sldId id="459" r:id="rId102"/>
+    <p:sldId id="455" r:id="rId103"/>
+    <p:sldId id="461" r:id="rId104"/>
+    <p:sldId id="457" r:id="rId105"/>
+    <p:sldId id="458" r:id="rId106"/>
+    <p:sldId id="450" r:id="rId107"/>
+    <p:sldId id="449" r:id="rId108"/>
+    <p:sldId id="462" r:id="rId109"/>
+    <p:sldId id="463" r:id="rId110"/>
+    <p:sldId id="464" r:id="rId111"/>
+    <p:sldId id="465" r:id="rId112"/>
+    <p:sldId id="467" r:id="rId113"/>
+    <p:sldId id="426" r:id="rId114"/>
+    <p:sldId id="430" r:id="rId115"/>
+    <p:sldId id="431" r:id="rId116"/>
+    <p:sldId id="391" r:id="rId117"/>
+    <p:sldId id="394" r:id="rId118"/>
+    <p:sldId id="393" r:id="rId119"/>
+    <p:sldId id="392" r:id="rId120"/>
+    <p:sldId id="402" r:id="rId121"/>
+    <p:sldId id="371" r:id="rId122"/>
+    <p:sldId id="396" r:id="rId123"/>
+    <p:sldId id="401" r:id="rId124"/>
+    <p:sldId id="397" r:id="rId125"/>
+    <p:sldId id="398" r:id="rId126"/>
+    <p:sldId id="428" r:id="rId127"/>
+    <p:sldId id="403" r:id="rId128"/>
+    <p:sldId id="427" r:id="rId129"/>
+    <p:sldId id="436" r:id="rId130"/>
+    <p:sldId id="468" r:id="rId131"/>
+    <p:sldId id="469" r:id="rId132"/>
+    <p:sldId id="471" r:id="rId133"/>
+    <p:sldId id="472" r:id="rId134"/>
+    <p:sldId id="485" r:id="rId135"/>
+    <p:sldId id="473" r:id="rId136"/>
+    <p:sldId id="400" r:id="rId137"/>
+    <p:sldId id="429" r:id="rId138"/>
+    <p:sldId id="451" r:id="rId139"/>
+    <p:sldId id="399" r:id="rId140"/>
+    <p:sldId id="404" r:id="rId141"/>
+    <p:sldId id="483" r:id="rId142"/>
+    <p:sldId id="474" r:id="rId143"/>
+    <p:sldId id="475" r:id="rId144"/>
+    <p:sldId id="477" r:id="rId145"/>
+    <p:sldId id="478" r:id="rId146"/>
+    <p:sldId id="480" r:id="rId147"/>
+    <p:sldId id="479" r:id="rId148"/>
+    <p:sldId id="481" r:id="rId149"/>
+    <p:sldId id="482" r:id="rId150"/>
+    <p:sldId id="484" r:id="rId151"/>
+    <p:sldId id="452" r:id="rId152"/>
+    <p:sldId id="453" r:id="rId153"/>
+    <p:sldId id="435" r:id="rId154"/>
+    <p:sldId id="348" r:id="rId155"/>
   </p:sldIdLst>
   <p:sldSz cx="9144000" cy="5143500" type="screen16x9"/>
   <p:notesSz cx="6858000" cy="9144000"/>
@@ -10815,7 +10816,10 @@
             <a:rPr lang="en-US" dirty="0" err="1"/>
             <a:t>Fastbins</a:t>
           </a:r>
-          <a:endParaRPr lang="en-US" dirty="0"/>
+          <a:r>
+            <a:rPr lang="en-US" dirty="0"/>
+            <a:t> - TODO</a:t>
+          </a:r>
         </a:p>
       </dgm:t>
     </dgm:pt>
@@ -15219,7 +15223,10 @@
             <a:rPr lang="en-US" sz="2500" kern="1200" dirty="0" err="1"/>
             <a:t>Fastbins</a:t>
           </a:r>
-          <a:endParaRPr lang="en-US" sz="2500" kern="1200" dirty="0"/>
+          <a:r>
+            <a:rPr lang="en-US" sz="2500" kern="1200" dirty="0"/>
+            <a:t> - TODO</a:t>
+          </a:r>
         </a:p>
       </dsp:txBody>
       <dsp:txXfrm>
@@ -27779,7 +27786,7 @@
           <a:p>
             <a:fld id="{2DA23E8D-1792-1541-9147-970A8DD8A355}" type="datetimeFigureOut">
               <a:rPr lang="en-US" smtClean="0"/>
-              <a:t>11/26/20</a:t>
+              <a:t>2/15/21</a:t>
             </a:fld>
             <a:endParaRPr lang="en-US" dirty="0"/>
           </a:p>
@@ -28333,7 +28340,7 @@
                 <a:latin typeface="Calibri"/>
               </a:rPr>
               <a:pPr/>
-              <a:t>11/26/20</a:t>
+              <a:t>2/15/21</a:t>
             </a:fld>
             <a:endParaRPr lang="en-US" dirty="0">
               <a:solidFill>
@@ -28586,7 +28593,7 @@
                 <a:latin typeface="Calibri"/>
               </a:rPr>
               <a:pPr/>
-              <a:t>11/26/20</a:t>
+              <a:t>2/15/21</a:t>
             </a:fld>
             <a:endParaRPr lang="en-US" dirty="0">
               <a:solidFill>
@@ -28801,7 +28808,7 @@
                 <a:latin typeface="Calibri"/>
               </a:rPr>
               <a:pPr/>
-              <a:t>11/26/20</a:t>
+              <a:t>2/15/21</a:t>
             </a:fld>
             <a:endParaRPr lang="en-US" dirty="0">
               <a:solidFill>
@@ -29085,7 +29092,7 @@
                 <a:latin typeface="Calibri"/>
               </a:rPr>
               <a:pPr/>
-              <a:t>11/26/20</a:t>
+              <a:t>2/15/21</a:t>
             </a:fld>
             <a:endParaRPr lang="en-US" dirty="0">
               <a:solidFill>
@@ -29427,7 +29434,7 @@
                 <a:latin typeface="Calibri"/>
               </a:rPr>
               <a:pPr/>
-              <a:t>11/26/20</a:t>
+              <a:t>2/15/21</a:t>
             </a:fld>
             <a:endParaRPr lang="en-US" dirty="0">
               <a:solidFill>
@@ -29755,7 +29762,7 @@
                 <a:latin typeface="Calibri"/>
               </a:rPr>
               <a:pPr/>
-              <a:t>11/26/20</a:t>
+              <a:t>2/15/21</a:t>
             </a:fld>
             <a:endParaRPr lang="en-US" dirty="0">
               <a:solidFill>
@@ -30244,7 +30251,7 @@
                 <a:latin typeface="Calibri"/>
               </a:rPr>
               <a:pPr/>
-              <a:t>11/26/20</a:t>
+              <a:t>2/15/21</a:t>
             </a:fld>
             <a:endParaRPr lang="en-US" dirty="0">
               <a:solidFill>
@@ -30427,7 +30434,7 @@
                 <a:latin typeface="Calibri"/>
               </a:rPr>
               <a:pPr/>
-              <a:t>11/26/20</a:t>
+              <a:t>2/15/21</a:t>
             </a:fld>
             <a:endParaRPr lang="en-US" dirty="0">
               <a:solidFill>
@@ -30673,7 +30680,7 @@
                 <a:latin typeface="Calibri"/>
               </a:rPr>
               <a:pPr/>
-              <a:t>11/26/20</a:t>
+              <a:t>2/15/21</a:t>
             </a:fld>
             <a:endParaRPr lang="en-US" dirty="0">
               <a:solidFill>
@@ -31015,7 +31022,7 @@
                 <a:latin typeface="Calibri"/>
               </a:rPr>
               <a:pPr/>
-              <a:t>11/26/20</a:t>
+              <a:t>2/15/21</a:t>
             </a:fld>
             <a:endParaRPr lang="en-US" dirty="0">
               <a:solidFill>
@@ -31307,7 +31314,7 @@
                 <a:latin typeface="Calibri"/>
               </a:rPr>
               <a:pPr/>
-              <a:t>11/26/20</a:t>
+              <a:t>2/15/21</a:t>
             </a:fld>
             <a:endParaRPr lang="en-US" dirty="0">
               <a:solidFill>
@@ -31557,7 +31564,7 @@
                 <a:latin typeface="Calibri"/>
               </a:rPr>
               <a:pPr defTabSz="914400"/>
-              <a:t>11/26/20</a:t>
+              <a:t>2/15/21</a:t>
             </a:fld>
             <a:endParaRPr lang="en-US" dirty="0">
               <a:solidFill>
@@ -32278,6 +32285,137 @@
           <a:p>
             <a:r>
               <a:rPr lang="en-US" dirty="0"/>
+              <a:t>Golf 2 – Diagram 1 (FIFO) </a:t>
+            </a:r>
+          </a:p>
+        </p:txBody>
+      </p:sp>
+      <p:pic>
+        <p:nvPicPr>
+          <p:cNvPr id="7" name="Picture 6" descr="Starting point">
+            <a:extLst>
+              <a:ext uri="{FF2B5EF4-FFF2-40B4-BE49-F238E27FC236}">
+                <a16:creationId xmlns:a16="http://schemas.microsoft.com/office/drawing/2014/main" id="{FD939AF8-EA75-B14B-8568-254B79DE2784}"/>
+              </a:ext>
+            </a:extLst>
+          </p:cNvPr>
+          <p:cNvPicPr>
+            <a:picLocks noChangeAspect="1"/>
+          </p:cNvPicPr>
+          <p:nvPr/>
+        </p:nvPicPr>
+        <p:blipFill>
+          <a:blip r:embed="rId2"/>
+          <a:stretch>
+            <a:fillRect/>
+          </a:stretch>
+        </p:blipFill>
+        <p:spPr>
+          <a:xfrm>
+            <a:off x="628649" y="1127550"/>
+            <a:ext cx="7007061" cy="3560498"/>
+          </a:xfrm>
+          <a:prstGeom prst="rect">
+            <a:avLst/>
+          </a:prstGeom>
+        </p:spPr>
+      </p:pic>
+      <p:cxnSp>
+        <p:nvCxnSpPr>
+          <p:cNvPr id="8" name="Straight Connector 7">
+            <a:extLst>
+              <a:ext uri="{FF2B5EF4-FFF2-40B4-BE49-F238E27FC236}">
+                <a16:creationId xmlns:a16="http://schemas.microsoft.com/office/drawing/2014/main" id="{55DD45D6-A323-A44E-9F6A-44D05D99F738}"/>
+              </a:ext>
+            </a:extLst>
+          </p:cNvPr>
+          <p:cNvCxnSpPr>
+            <a:cxnSpLocks/>
+          </p:cNvCxnSpPr>
+          <p:nvPr/>
+        </p:nvCxnSpPr>
+        <p:spPr>
+          <a:xfrm>
+            <a:off x="1451784" y="1886427"/>
+            <a:ext cx="3421874" cy="0"/>
+          </a:xfrm>
+          <a:prstGeom prst="line">
+            <a:avLst/>
+          </a:prstGeom>
+          <a:ln w="47625">
+            <a:solidFill>
+              <a:srgbClr val="FF0000"/>
+            </a:solidFill>
+          </a:ln>
+        </p:spPr>
+        <p:style>
+          <a:lnRef idx="1">
+            <a:schemeClr val="accent1"/>
+          </a:lnRef>
+          <a:fillRef idx="0">
+            <a:schemeClr val="accent1"/>
+          </a:fillRef>
+          <a:effectRef idx="0">
+            <a:schemeClr val="accent1"/>
+          </a:effectRef>
+          <a:fontRef idx="minor">
+            <a:schemeClr val="tx1"/>
+          </a:fontRef>
+        </p:style>
+      </p:cxnSp>
+    </p:spTree>
+    <p:extLst>
+      <p:ext uri="{BB962C8B-B14F-4D97-AF65-F5344CB8AC3E}">
+        <p14:creationId xmlns:p14="http://schemas.microsoft.com/office/powerpoint/2010/main" val="3057834466"/>
+      </p:ext>
+    </p:extLst>
+  </p:cSld>
+  <p:clrMapOvr>
+    <a:masterClrMapping/>
+  </p:clrMapOvr>
+</p:sld>
+</file>
+
+<file path=ppt/slides/slide101.xml><?xml version="1.0" encoding="utf-8"?>
+<p:sld xmlns:a="http://schemas.openxmlformats.org/drawingml/2006/main" xmlns:r="http://schemas.openxmlformats.org/officeDocument/2006/relationships" xmlns:p="http://schemas.openxmlformats.org/presentationml/2006/main">
+  <p:cSld>
+    <p:spTree>
+      <p:nvGrpSpPr>
+        <p:cNvPr id="1" name=""/>
+        <p:cNvGrpSpPr/>
+        <p:nvPr/>
+      </p:nvGrpSpPr>
+      <p:grpSpPr>
+        <a:xfrm>
+          <a:off x="0" y="0"/>
+          <a:ext cx="0" cy="0"/>
+          <a:chOff x="0" y="0"/>
+          <a:chExt cx="0" cy="0"/>
+        </a:xfrm>
+      </p:grpSpPr>
+      <p:sp>
+        <p:nvSpPr>
+          <p:cNvPr id="2" name="Title 1">
+            <a:extLst>
+              <a:ext uri="{FF2B5EF4-FFF2-40B4-BE49-F238E27FC236}">
+                <a16:creationId xmlns:a16="http://schemas.microsoft.com/office/drawing/2014/main" id="{52E159E9-B416-5F44-A885-2918707F2982}"/>
+              </a:ext>
+            </a:extLst>
+          </p:cNvPr>
+          <p:cNvSpPr>
+            <a:spLocks noGrp="1"/>
+          </p:cNvSpPr>
+          <p:nvPr>
+            <p:ph type="title"/>
+          </p:nvPr>
+        </p:nvSpPr>
+        <p:spPr/>
+        <p:txBody>
+          <a:bodyPr/>
+          <a:lstStyle/>
+          <a:p>
+            <a:r>
+              <a:rPr lang="en-US" dirty="0"/>
               <a:t>Golf 2 – Diagram 2 (allocate 3)</a:t>
             </a:r>
           </a:p>
@@ -32369,7 +32507,7 @@
 </p:sld>
 </file>
 
-<file path=ppt/slides/slide101.xml><?xml version="1.0" encoding="utf-8"?>
+<file path=ppt/slides/slide102.xml><?xml version="1.0" encoding="utf-8"?>
 <p:sld xmlns:a="http://schemas.openxmlformats.org/drawingml/2006/main" xmlns:r="http://schemas.openxmlformats.org/officeDocument/2006/relationships" xmlns:p="http://schemas.openxmlformats.org/presentationml/2006/main">
   <p:cSld>
     <p:spTree>
@@ -32500,7 +32638,7 @@
 </p:sld>
 </file>
 
-<file path=ppt/slides/slide102.xml><?xml version="1.0" encoding="utf-8"?>
+<file path=ppt/slides/slide103.xml><?xml version="1.0" encoding="utf-8"?>
 <p:sld xmlns:a="http://schemas.openxmlformats.org/drawingml/2006/main" xmlns:r="http://schemas.openxmlformats.org/officeDocument/2006/relationships" xmlns:p="http://schemas.openxmlformats.org/presentationml/2006/main">
   <p:cSld>
     <p:spTree>
@@ -32631,7 +32769,7 @@
 </p:sld>
 </file>
 
-<file path=ppt/slides/slide103.xml><?xml version="1.0" encoding="utf-8"?>
+<file path=ppt/slides/slide104.xml><?xml version="1.0" encoding="utf-8"?>
 <p:sld xmlns:a="http://schemas.openxmlformats.org/drawingml/2006/main" xmlns:r="http://schemas.openxmlformats.org/officeDocument/2006/relationships" xmlns:p="http://schemas.openxmlformats.org/presentationml/2006/main">
   <p:cSld>
     <p:spTree>
@@ -32847,7 +32985,7 @@
 </p:sld>
 </file>
 
-<file path=ppt/slides/slide104.xml><?xml version="1.0" encoding="utf-8"?>
+<file path=ppt/slides/slide105.xml><?xml version="1.0" encoding="utf-8"?>
 <p:sld xmlns:a="http://schemas.openxmlformats.org/drawingml/2006/main" xmlns:r="http://schemas.openxmlformats.org/officeDocument/2006/relationships" xmlns:p="http://schemas.openxmlformats.org/presentationml/2006/main">
   <p:cSld>
     <p:spTree>
@@ -33071,7 +33209,7 @@
 </p:sld>
 </file>
 
-<file path=ppt/slides/slide105.xml><?xml version="1.0" encoding="utf-8"?>
+<file path=ppt/slides/slide106.xml><?xml version="1.0" encoding="utf-8"?>
 <p:sld xmlns:a="http://schemas.openxmlformats.org/drawingml/2006/main" xmlns:r="http://schemas.openxmlformats.org/officeDocument/2006/relationships" xmlns:p="http://schemas.openxmlformats.org/presentationml/2006/main">
   <p:cSld>
     <p:spTree>
@@ -33193,7 +33331,7 @@
 </p:sld>
 </file>
 
-<file path=ppt/slides/slide106.xml><?xml version="1.0" encoding="utf-8"?>
+<file path=ppt/slides/slide107.xml><?xml version="1.0" encoding="utf-8"?>
 <p:sld xmlns:a="http://schemas.openxmlformats.org/drawingml/2006/main" xmlns:r="http://schemas.openxmlformats.org/officeDocument/2006/relationships" xmlns:p="http://schemas.openxmlformats.org/presentationml/2006/main">
   <p:cSld>
     <p:spTree>
@@ -33330,7 +33468,7 @@
 </p:sld>
 </file>
 
-<file path=ppt/slides/slide107.xml><?xml version="1.0" encoding="utf-8"?>
+<file path=ppt/slides/slide108.xml><?xml version="1.0" encoding="utf-8"?>
 <p:sld xmlns:a="http://schemas.openxmlformats.org/drawingml/2006/main" xmlns:r="http://schemas.openxmlformats.org/officeDocument/2006/relationships" xmlns:p="http://schemas.openxmlformats.org/presentationml/2006/main">
   <p:cSld>
     <p:spTree>
@@ -33461,7 +33599,7 @@
 </p:sld>
 </file>
 
-<file path=ppt/slides/slide108.xml><?xml version="1.0" encoding="utf-8"?>
+<file path=ppt/slides/slide109.xml><?xml version="1.0" encoding="utf-8"?>
 <p:sld xmlns:a="http://schemas.openxmlformats.org/drawingml/2006/main" xmlns:r="http://schemas.openxmlformats.org/officeDocument/2006/relationships" xmlns:p="http://schemas.openxmlformats.org/presentationml/2006/main">
   <p:cSld>
     <p:spTree>
@@ -33592,7 +33730,264 @@
 </p:sld>
 </file>
 
-<file path=ppt/slides/slide109.xml><?xml version="1.0" encoding="utf-8"?>
+<file path=ppt/slides/slide11.xml><?xml version="1.0" encoding="utf-8"?>
+<p:sld xmlns:a="http://schemas.openxmlformats.org/drawingml/2006/main" xmlns:r="http://schemas.openxmlformats.org/officeDocument/2006/relationships" xmlns:p="http://schemas.openxmlformats.org/presentationml/2006/main">
+  <p:cSld>
+    <p:spTree>
+      <p:nvGrpSpPr>
+        <p:cNvPr id="1" name=""/>
+        <p:cNvGrpSpPr/>
+        <p:nvPr/>
+      </p:nvGrpSpPr>
+      <p:grpSpPr>
+        <a:xfrm>
+          <a:off x="0" y="0"/>
+          <a:ext cx="0" cy="0"/>
+          <a:chOff x="0" y="0"/>
+          <a:chExt cx="0" cy="0"/>
+        </a:xfrm>
+      </p:grpSpPr>
+      <p:sp>
+        <p:nvSpPr>
+          <p:cNvPr id="2" name="Title 1">
+            <a:extLst>
+              <a:ext uri="{FF2B5EF4-FFF2-40B4-BE49-F238E27FC236}">
+                <a16:creationId xmlns:a16="http://schemas.microsoft.com/office/drawing/2014/main" id="{759B5CDF-FCB5-E140-95D9-86B24B415D20}"/>
+              </a:ext>
+            </a:extLst>
+          </p:cNvPr>
+          <p:cNvSpPr>
+            <a:spLocks noGrp="1"/>
+          </p:cNvSpPr>
+          <p:nvPr>
+            <p:ph type="title"/>
+          </p:nvPr>
+        </p:nvSpPr>
+        <p:spPr>
+          <a:xfrm>
+            <a:off x="629841" y="273847"/>
+            <a:ext cx="7886700" cy="994172"/>
+          </a:xfrm>
+        </p:spPr>
+        <p:txBody>
+          <a:bodyPr anchor="ctr">
+            <a:normAutofit/>
+          </a:bodyPr>
+          <a:lstStyle/>
+          <a:p>
+            <a:r>
+              <a:rPr lang="en-US" dirty="0"/>
+              <a:t>Lots of Allocators…</a:t>
+            </a:r>
+          </a:p>
+        </p:txBody>
+      </p:sp>
+      <p:sp>
+        <p:nvSpPr>
+          <p:cNvPr id="71" name="Text Placeholder 2">
+            <a:extLst>
+              <a:ext uri="{FF2B5EF4-FFF2-40B4-BE49-F238E27FC236}">
+                <a16:creationId xmlns:a16="http://schemas.microsoft.com/office/drawing/2014/main" id="{D63E595A-B515-4CE1-B91C-642BEE62B8EF}"/>
+              </a:ext>
+            </a:extLst>
+          </p:cNvPr>
+          <p:cNvSpPr>
+            <a:spLocks noGrp="1"/>
+          </p:cNvSpPr>
+          <p:nvPr>
+            <p:ph type="body" idx="1"/>
+          </p:nvPr>
+        </p:nvSpPr>
+        <p:spPr>
+          <a:xfrm>
+            <a:off x="629842" y="1260872"/>
+            <a:ext cx="3868340" cy="617934"/>
+          </a:xfrm>
+        </p:spPr>
+        <p:txBody>
+          <a:bodyPr/>
+          <a:lstStyle/>
+          <a:p>
+            <a:endParaRPr lang="en-US"/>
+          </a:p>
+        </p:txBody>
+      </p:sp>
+      <p:sp>
+        <p:nvSpPr>
+          <p:cNvPr id="3" name="Content Placeholder 2">
+            <a:extLst>
+              <a:ext uri="{FF2B5EF4-FFF2-40B4-BE49-F238E27FC236}">
+                <a16:creationId xmlns:a16="http://schemas.microsoft.com/office/drawing/2014/main" id="{DC9BDDFD-DE6C-3B42-9136-E9110DB12F4D}"/>
+              </a:ext>
+            </a:extLst>
+          </p:cNvPr>
+          <p:cNvSpPr>
+            <a:spLocks noGrp="1"/>
+          </p:cNvSpPr>
+          <p:nvPr>
+            <p:ph sz="half" idx="2"/>
+          </p:nvPr>
+        </p:nvSpPr>
+        <p:spPr>
+          <a:xfrm>
+            <a:off x="629842" y="1878809"/>
+            <a:ext cx="3868340" cy="2763441"/>
+          </a:xfrm>
+        </p:spPr>
+        <p:txBody>
+          <a:bodyPr>
+            <a:normAutofit/>
+          </a:bodyPr>
+          <a:lstStyle/>
+          <a:p>
+            <a:r>
+              <a:rPr lang="en-US" dirty="0" err="1"/>
+              <a:t>dlmalloc</a:t>
+            </a:r>
+            <a:r>
+              <a:rPr lang="en-US" dirty="0"/>
+              <a:t> -&gt; </a:t>
+            </a:r>
+            <a:r>
+              <a:rPr lang="en-US" dirty="0" err="1"/>
+              <a:t>ptmalloc</a:t>
+            </a:r>
+            <a:r>
+              <a:rPr lang="en-US" dirty="0"/>
+              <a:t> (</a:t>
+            </a:r>
+            <a:r>
+              <a:rPr lang="en-US" dirty="0" err="1"/>
+              <a:t>GLibC</a:t>
+            </a:r>
+            <a:r>
+              <a:rPr lang="en-US" dirty="0"/>
+              <a:t>) </a:t>
+            </a:r>
+          </a:p>
+          <a:p>
+            <a:r>
+              <a:rPr lang="en-US" dirty="0" err="1"/>
+              <a:t>JEmalloc</a:t>
+            </a:r>
+            <a:r>
+              <a:rPr lang="en-US" dirty="0"/>
+              <a:t> (Rust &amp; Mozilla) </a:t>
+            </a:r>
+          </a:p>
+          <a:p>
+            <a:r>
+              <a:rPr lang="en-US" dirty="0" err="1"/>
+              <a:t>TCMalloc</a:t>
+            </a:r>
+            <a:r>
+              <a:rPr lang="en-US" dirty="0"/>
+              <a:t> (Google) </a:t>
+            </a:r>
+          </a:p>
+          <a:p>
+            <a:r>
+              <a:rPr lang="en-US" dirty="0" err="1"/>
+              <a:t>PartitionAlloc</a:t>
+            </a:r>
+            <a:r>
+              <a:rPr lang="en-US" dirty="0"/>
+              <a:t> (Chrome) </a:t>
+            </a:r>
+          </a:p>
+          <a:p>
+            <a:r>
+              <a:rPr lang="en-US" dirty="0"/>
+              <a:t>Many others…</a:t>
+            </a:r>
+          </a:p>
+          <a:p>
+            <a:endParaRPr lang="en-US" dirty="0"/>
+          </a:p>
+        </p:txBody>
+      </p:sp>
+      <p:sp>
+        <p:nvSpPr>
+          <p:cNvPr id="73" name="Text Placeholder 4">
+            <a:extLst>
+              <a:ext uri="{FF2B5EF4-FFF2-40B4-BE49-F238E27FC236}">
+                <a16:creationId xmlns:a16="http://schemas.microsoft.com/office/drawing/2014/main" id="{39929FAE-C8B5-449F-AFCB-0E287F92828E}"/>
+              </a:ext>
+            </a:extLst>
+          </p:cNvPr>
+          <p:cNvSpPr>
+            <a:spLocks noGrp="1"/>
+          </p:cNvSpPr>
+          <p:nvPr>
+            <p:ph type="body" sz="quarter" idx="3"/>
+          </p:nvPr>
+        </p:nvSpPr>
+        <p:spPr>
+          <a:xfrm>
+            <a:off x="4629156" y="1260872"/>
+            <a:ext cx="3887391" cy="617934"/>
+          </a:xfrm>
+        </p:spPr>
+        <p:txBody>
+          <a:bodyPr/>
+          <a:lstStyle/>
+          <a:p>
+            <a:endParaRPr lang="en-US"/>
+          </a:p>
+        </p:txBody>
+      </p:sp>
+      <p:pic>
+        <p:nvPicPr>
+          <p:cNvPr id="4098" name="Picture 2" descr="Free photo: Sand In Hand - Activity, Beach, Hand - Free Download - Jooinn">
+            <a:extLst>
+              <a:ext uri="{FF2B5EF4-FFF2-40B4-BE49-F238E27FC236}">
+                <a16:creationId xmlns:a16="http://schemas.microsoft.com/office/drawing/2014/main" id="{DEE76B62-7169-074C-9FC4-A1B39D085A42}"/>
+              </a:ext>
+            </a:extLst>
+          </p:cNvPr>
+          <p:cNvPicPr>
+            <a:picLocks noChangeAspect="1" noChangeArrowheads="1"/>
+          </p:cNvPicPr>
+          <p:nvPr/>
+        </p:nvPicPr>
+        <p:blipFill rotWithShape="1">
+          <a:blip r:embed="rId2">
+            <a:extLst>
+              <a:ext uri="{28A0092B-C50C-407E-A947-70E740481C1C}">
+                <a14:useLocalDpi xmlns:a14="http://schemas.microsoft.com/office/drawing/2010/main" val="0"/>
+              </a:ext>
+            </a:extLst>
+          </a:blip>
+          <a:srcRect l="15708" r="5515"/>
+          <a:stretch/>
+        </p:blipFill>
+        <p:spPr bwMode="auto">
+          <a:xfrm>
+            <a:off x="4629156" y="1878809"/>
+            <a:ext cx="3887391" cy="2763441"/>
+          </a:xfrm>
+          <a:prstGeom prst="rect">
+            <a:avLst/>
+          </a:prstGeom>
+          <a:solidFill>
+            <a:srgbClr val="FFFFFF"/>
+          </a:solidFill>
+        </p:spPr>
+      </p:pic>
+    </p:spTree>
+    <p:extLst>
+      <p:ext uri="{BB962C8B-B14F-4D97-AF65-F5344CB8AC3E}">
+        <p14:creationId xmlns:p14="http://schemas.microsoft.com/office/powerpoint/2010/main" val="1335603693"/>
+      </p:ext>
+    </p:extLst>
+  </p:cSld>
+  <p:clrMapOvr>
+    <a:masterClrMapping/>
+  </p:clrMapOvr>
+</p:sld>
+</file>
+
+<file path=ppt/slides/slide110.xml><?xml version="1.0" encoding="utf-8"?>
 <p:sld xmlns:a="http://schemas.openxmlformats.org/drawingml/2006/main" xmlns:r="http://schemas.openxmlformats.org/officeDocument/2006/relationships" xmlns:p="http://schemas.openxmlformats.org/presentationml/2006/main">
   <p:cSld>
     <p:spTree>
@@ -33723,264 +34118,7 @@
 </p:sld>
 </file>
 
-<file path=ppt/slides/slide11.xml><?xml version="1.0" encoding="utf-8"?>
-<p:sld xmlns:a="http://schemas.openxmlformats.org/drawingml/2006/main" xmlns:r="http://schemas.openxmlformats.org/officeDocument/2006/relationships" xmlns:p="http://schemas.openxmlformats.org/presentationml/2006/main">
-  <p:cSld>
-    <p:spTree>
-      <p:nvGrpSpPr>
-        <p:cNvPr id="1" name=""/>
-        <p:cNvGrpSpPr/>
-        <p:nvPr/>
-      </p:nvGrpSpPr>
-      <p:grpSpPr>
-        <a:xfrm>
-          <a:off x="0" y="0"/>
-          <a:ext cx="0" cy="0"/>
-          <a:chOff x="0" y="0"/>
-          <a:chExt cx="0" cy="0"/>
-        </a:xfrm>
-      </p:grpSpPr>
-      <p:sp>
-        <p:nvSpPr>
-          <p:cNvPr id="2" name="Title 1">
-            <a:extLst>
-              <a:ext uri="{FF2B5EF4-FFF2-40B4-BE49-F238E27FC236}">
-                <a16:creationId xmlns:a16="http://schemas.microsoft.com/office/drawing/2014/main" id="{759B5CDF-FCB5-E140-95D9-86B24B415D20}"/>
-              </a:ext>
-            </a:extLst>
-          </p:cNvPr>
-          <p:cNvSpPr>
-            <a:spLocks noGrp="1"/>
-          </p:cNvSpPr>
-          <p:nvPr>
-            <p:ph type="title"/>
-          </p:nvPr>
-        </p:nvSpPr>
-        <p:spPr>
-          <a:xfrm>
-            <a:off x="629841" y="273847"/>
-            <a:ext cx="7886700" cy="994172"/>
-          </a:xfrm>
-        </p:spPr>
-        <p:txBody>
-          <a:bodyPr anchor="ctr">
-            <a:normAutofit/>
-          </a:bodyPr>
-          <a:lstStyle/>
-          <a:p>
-            <a:r>
-              <a:rPr lang="en-US" dirty="0"/>
-              <a:t>Lots of Allocators…</a:t>
-            </a:r>
-          </a:p>
-        </p:txBody>
-      </p:sp>
-      <p:sp>
-        <p:nvSpPr>
-          <p:cNvPr id="71" name="Text Placeholder 2">
-            <a:extLst>
-              <a:ext uri="{FF2B5EF4-FFF2-40B4-BE49-F238E27FC236}">
-                <a16:creationId xmlns:a16="http://schemas.microsoft.com/office/drawing/2014/main" id="{D63E595A-B515-4CE1-B91C-642BEE62B8EF}"/>
-              </a:ext>
-            </a:extLst>
-          </p:cNvPr>
-          <p:cNvSpPr>
-            <a:spLocks noGrp="1"/>
-          </p:cNvSpPr>
-          <p:nvPr>
-            <p:ph type="body" idx="1"/>
-          </p:nvPr>
-        </p:nvSpPr>
-        <p:spPr>
-          <a:xfrm>
-            <a:off x="629842" y="1260872"/>
-            <a:ext cx="3868340" cy="617934"/>
-          </a:xfrm>
-        </p:spPr>
-        <p:txBody>
-          <a:bodyPr/>
-          <a:lstStyle/>
-          <a:p>
-            <a:endParaRPr lang="en-US"/>
-          </a:p>
-        </p:txBody>
-      </p:sp>
-      <p:sp>
-        <p:nvSpPr>
-          <p:cNvPr id="3" name="Content Placeholder 2">
-            <a:extLst>
-              <a:ext uri="{FF2B5EF4-FFF2-40B4-BE49-F238E27FC236}">
-                <a16:creationId xmlns:a16="http://schemas.microsoft.com/office/drawing/2014/main" id="{DC9BDDFD-DE6C-3B42-9136-E9110DB12F4D}"/>
-              </a:ext>
-            </a:extLst>
-          </p:cNvPr>
-          <p:cNvSpPr>
-            <a:spLocks noGrp="1"/>
-          </p:cNvSpPr>
-          <p:nvPr>
-            <p:ph sz="half" idx="2"/>
-          </p:nvPr>
-        </p:nvSpPr>
-        <p:spPr>
-          <a:xfrm>
-            <a:off x="629842" y="1878809"/>
-            <a:ext cx="3868340" cy="2763441"/>
-          </a:xfrm>
-        </p:spPr>
-        <p:txBody>
-          <a:bodyPr>
-            <a:normAutofit/>
-          </a:bodyPr>
-          <a:lstStyle/>
-          <a:p>
-            <a:r>
-              <a:rPr lang="en-US" dirty="0" err="1"/>
-              <a:t>dlmalloc</a:t>
-            </a:r>
-            <a:r>
-              <a:rPr lang="en-US" dirty="0"/>
-              <a:t> -&gt; </a:t>
-            </a:r>
-            <a:r>
-              <a:rPr lang="en-US" dirty="0" err="1"/>
-              <a:t>ptmalloc</a:t>
-            </a:r>
-            <a:r>
-              <a:rPr lang="en-US" dirty="0"/>
-              <a:t> (</a:t>
-            </a:r>
-            <a:r>
-              <a:rPr lang="en-US" dirty="0" err="1"/>
-              <a:t>GLibC</a:t>
-            </a:r>
-            <a:r>
-              <a:rPr lang="en-US" dirty="0"/>
-              <a:t>) </a:t>
-            </a:r>
-          </a:p>
-          <a:p>
-            <a:r>
-              <a:rPr lang="en-US" dirty="0" err="1"/>
-              <a:t>JEmalloc</a:t>
-            </a:r>
-            <a:r>
-              <a:rPr lang="en-US" dirty="0"/>
-              <a:t> (Rust &amp; Mozilla) </a:t>
-            </a:r>
-          </a:p>
-          <a:p>
-            <a:r>
-              <a:rPr lang="en-US" dirty="0" err="1"/>
-              <a:t>TCMalloc</a:t>
-            </a:r>
-            <a:r>
-              <a:rPr lang="en-US" dirty="0"/>
-              <a:t> (Google) </a:t>
-            </a:r>
-          </a:p>
-          <a:p>
-            <a:r>
-              <a:rPr lang="en-US" dirty="0" err="1"/>
-              <a:t>PartitionAlloc</a:t>
-            </a:r>
-            <a:r>
-              <a:rPr lang="en-US" dirty="0"/>
-              <a:t> (Chrome) </a:t>
-            </a:r>
-          </a:p>
-          <a:p>
-            <a:r>
-              <a:rPr lang="en-US" dirty="0"/>
-              <a:t>Many others…</a:t>
-            </a:r>
-          </a:p>
-          <a:p>
-            <a:endParaRPr lang="en-US" dirty="0"/>
-          </a:p>
-        </p:txBody>
-      </p:sp>
-      <p:sp>
-        <p:nvSpPr>
-          <p:cNvPr id="73" name="Text Placeholder 4">
-            <a:extLst>
-              <a:ext uri="{FF2B5EF4-FFF2-40B4-BE49-F238E27FC236}">
-                <a16:creationId xmlns:a16="http://schemas.microsoft.com/office/drawing/2014/main" id="{39929FAE-C8B5-449F-AFCB-0E287F92828E}"/>
-              </a:ext>
-            </a:extLst>
-          </p:cNvPr>
-          <p:cNvSpPr>
-            <a:spLocks noGrp="1"/>
-          </p:cNvSpPr>
-          <p:nvPr>
-            <p:ph type="body" sz="quarter" idx="3"/>
-          </p:nvPr>
-        </p:nvSpPr>
-        <p:spPr>
-          <a:xfrm>
-            <a:off x="4629156" y="1260872"/>
-            <a:ext cx="3887391" cy="617934"/>
-          </a:xfrm>
-        </p:spPr>
-        <p:txBody>
-          <a:bodyPr/>
-          <a:lstStyle/>
-          <a:p>
-            <a:endParaRPr lang="en-US"/>
-          </a:p>
-        </p:txBody>
-      </p:sp>
-      <p:pic>
-        <p:nvPicPr>
-          <p:cNvPr id="4098" name="Picture 2" descr="Free photo: Sand In Hand - Activity, Beach, Hand - Free Download - Jooinn">
-            <a:extLst>
-              <a:ext uri="{FF2B5EF4-FFF2-40B4-BE49-F238E27FC236}">
-                <a16:creationId xmlns:a16="http://schemas.microsoft.com/office/drawing/2014/main" id="{DEE76B62-7169-074C-9FC4-A1B39D085A42}"/>
-              </a:ext>
-            </a:extLst>
-          </p:cNvPr>
-          <p:cNvPicPr>
-            <a:picLocks noChangeAspect="1" noChangeArrowheads="1"/>
-          </p:cNvPicPr>
-          <p:nvPr/>
-        </p:nvPicPr>
-        <p:blipFill rotWithShape="1">
-          <a:blip r:embed="rId2">
-            <a:extLst>
-              <a:ext uri="{28A0092B-C50C-407E-A947-70E740481C1C}">
-                <a14:useLocalDpi xmlns:a14="http://schemas.microsoft.com/office/drawing/2010/main" val="0"/>
-              </a:ext>
-            </a:extLst>
-          </a:blip>
-          <a:srcRect l="15708" r="5515"/>
-          <a:stretch/>
-        </p:blipFill>
-        <p:spPr bwMode="auto">
-          <a:xfrm>
-            <a:off x="4629156" y="1878809"/>
-            <a:ext cx="3887391" cy="2763441"/>
-          </a:xfrm>
-          <a:prstGeom prst="rect">
-            <a:avLst/>
-          </a:prstGeom>
-          <a:solidFill>
-            <a:srgbClr val="FFFFFF"/>
-          </a:solidFill>
-        </p:spPr>
-      </p:pic>
-    </p:spTree>
-    <p:extLst>
-      <p:ext uri="{BB962C8B-B14F-4D97-AF65-F5344CB8AC3E}">
-        <p14:creationId xmlns:p14="http://schemas.microsoft.com/office/powerpoint/2010/main" val="1335603693"/>
-      </p:ext>
-    </p:extLst>
-  </p:cSld>
-  <p:clrMapOvr>
-    <a:masterClrMapping/>
-  </p:clrMapOvr>
-</p:sld>
-</file>
-
-<file path=ppt/slides/slide110.xml><?xml version="1.0" encoding="utf-8"?>
+<file path=ppt/slides/slide111.xml><?xml version="1.0" encoding="utf-8"?>
 <p:sld xmlns:a="http://schemas.openxmlformats.org/drawingml/2006/main" xmlns:r="http://schemas.openxmlformats.org/officeDocument/2006/relationships" xmlns:p="http://schemas.openxmlformats.org/presentationml/2006/main">
   <p:cSld>
     <p:spTree>
@@ -34146,7 +34284,7 @@
 </p:sld>
 </file>
 
-<file path=ppt/slides/slide111.xml><?xml version="1.0" encoding="utf-8"?>
+<file path=ppt/slides/slide112.xml><?xml version="1.0" encoding="utf-8"?>
 <p:sld xmlns:a="http://schemas.openxmlformats.org/drawingml/2006/main" xmlns:r="http://schemas.openxmlformats.org/officeDocument/2006/relationships" xmlns:p="http://schemas.openxmlformats.org/presentationml/2006/main">
   <p:cSld>
     <p:spTree>
@@ -34370,7 +34508,7 @@
 </p:sld>
 </file>
 
-<file path=ppt/slides/slide112.xml><?xml version="1.0" encoding="utf-8"?>
+<file path=ppt/slides/slide113.xml><?xml version="1.0" encoding="utf-8"?>
 <p:sld xmlns:a="http://schemas.openxmlformats.org/drawingml/2006/main" xmlns:r="http://schemas.openxmlformats.org/officeDocument/2006/relationships" xmlns:p="http://schemas.openxmlformats.org/presentationml/2006/main">
   <p:cSld>
     <p:spTree>
@@ -34483,146 +34621,6 @@
     <p:extLst>
       <p:ext uri="{BB962C8B-B14F-4D97-AF65-F5344CB8AC3E}">
         <p14:creationId xmlns:p14="http://schemas.microsoft.com/office/powerpoint/2010/main" val="1481177422"/>
-      </p:ext>
-    </p:extLst>
-  </p:cSld>
-  <p:clrMapOvr>
-    <a:masterClrMapping/>
-  </p:clrMapOvr>
-</p:sld>
-</file>
-
-<file path=ppt/slides/slide113.xml><?xml version="1.0" encoding="utf-8"?>
-<p:sld xmlns:a="http://schemas.openxmlformats.org/drawingml/2006/main" xmlns:r="http://schemas.openxmlformats.org/officeDocument/2006/relationships" xmlns:p="http://schemas.openxmlformats.org/presentationml/2006/main">
-  <p:cSld>
-    <p:spTree>
-      <p:nvGrpSpPr>
-        <p:cNvPr id="1" name=""/>
-        <p:cNvGrpSpPr/>
-        <p:nvPr/>
-      </p:nvGrpSpPr>
-      <p:grpSpPr>
-        <a:xfrm>
-          <a:off x="0" y="0"/>
-          <a:ext cx="0" cy="0"/>
-          <a:chOff x="0" y="0"/>
-          <a:chExt cx="0" cy="0"/>
-        </a:xfrm>
-      </p:grpSpPr>
-      <p:sp>
-        <p:nvSpPr>
-          <p:cNvPr id="2" name="Title 1">
-            <a:extLst>
-              <a:ext uri="{FF2B5EF4-FFF2-40B4-BE49-F238E27FC236}">
-                <a16:creationId xmlns:a16="http://schemas.microsoft.com/office/drawing/2014/main" id="{6D83348E-0350-7645-B751-0354EC0BF5A0}"/>
-              </a:ext>
-            </a:extLst>
-          </p:cNvPr>
-          <p:cNvSpPr>
-            <a:spLocks noGrp="1"/>
-          </p:cNvSpPr>
-          <p:nvPr>
-            <p:ph type="title"/>
-          </p:nvPr>
-        </p:nvSpPr>
-        <p:spPr/>
-        <p:txBody>
-          <a:bodyPr/>
-          <a:lstStyle/>
-          <a:p>
-            <a:r>
-              <a:rPr lang="en-US" dirty="0"/>
-              <a:t>Sizing in Malloc</a:t>
-            </a:r>
-          </a:p>
-        </p:txBody>
-      </p:sp>
-      <p:sp>
-        <p:nvSpPr>
-          <p:cNvPr id="3" name="Content Placeholder 2">
-            <a:extLst>
-              <a:ext uri="{FF2B5EF4-FFF2-40B4-BE49-F238E27FC236}">
-                <a16:creationId xmlns:a16="http://schemas.microsoft.com/office/drawing/2014/main" id="{39AFD9E7-EFE2-4D4D-A321-3393B567D6DF}"/>
-              </a:ext>
-            </a:extLst>
-          </p:cNvPr>
-          <p:cNvSpPr>
-            <a:spLocks noGrp="1"/>
-          </p:cNvSpPr>
-          <p:nvPr>
-            <p:ph idx="1"/>
-          </p:nvPr>
-        </p:nvSpPr>
-        <p:spPr/>
-        <p:txBody>
-          <a:bodyPr/>
-          <a:lstStyle/>
-          <a:p>
-            <a:r>
-              <a:rPr lang="en-US" dirty="0"/>
-              <a:t>0x8 extra bytes is ALWAYS needed for metadata</a:t>
-            </a:r>
-          </a:p>
-          <a:p>
-            <a:r>
-              <a:rPr lang="en-US" dirty="0"/>
-              <a:t>On x86_64, sizes are in groups of 0x10</a:t>
-            </a:r>
-          </a:p>
-          <a:p>
-            <a:r>
-              <a:rPr lang="en-US" dirty="0"/>
-              <a:t>On x86, sizes are in groups of 0x8</a:t>
-            </a:r>
-          </a:p>
-          <a:p>
-            <a:r>
-              <a:rPr lang="en-US" dirty="0"/>
-              <a:t>Smallest chunk is 0x20 (64-bit): </a:t>
-            </a:r>
-          </a:p>
-          <a:p>
-            <a:pPr lvl="1"/>
-            <a:r>
-              <a:rPr lang="en-US" dirty="0"/>
-              <a:t>Room for </a:t>
-            </a:r>
-            <a:r>
-              <a:rPr lang="en-US" i="1" dirty="0"/>
-              <a:t>prev_size</a:t>
-            </a:r>
-            <a:r>
-              <a:rPr lang="en-US" dirty="0"/>
-              <a:t>, </a:t>
-            </a:r>
-            <a:r>
-              <a:rPr lang="en-US" i="1" dirty="0"/>
-              <a:t>size</a:t>
-            </a:r>
-            <a:r>
-              <a:rPr lang="en-US" dirty="0"/>
-              <a:t>, </a:t>
-            </a:r>
-            <a:r>
-              <a:rPr lang="en-US" i="1" dirty="0"/>
-              <a:t>fd </a:t>
-            </a:r>
-            <a:r>
-              <a:rPr lang="en-US" dirty="0"/>
-              <a:t>&amp;</a:t>
-            </a:r>
-            <a:r>
-              <a:rPr lang="en-US" i="1" dirty="0"/>
-              <a:t> bk</a:t>
-            </a:r>
-            <a:endParaRPr lang="en-US" dirty="0"/>
-          </a:p>
-        </p:txBody>
-      </p:sp>
-    </p:spTree>
-    <p:extLst>
-      <p:ext uri="{BB962C8B-B14F-4D97-AF65-F5344CB8AC3E}">
-        <p14:creationId xmlns:p14="http://schemas.microsoft.com/office/powerpoint/2010/main" val="496133024"/>
       </p:ext>
     </p:extLst>
   </p:cSld>
@@ -34672,7 +34670,7 @@
           <a:p>
             <a:r>
               <a:rPr lang="en-US" dirty="0"/>
-              <a:t>Sizing - Examples</a:t>
+              <a:t>Sizing in Malloc</a:t>
             </a:r>
           </a:p>
         </p:txBody>
@@ -34700,6 +34698,146 @@
           <a:p>
             <a:r>
               <a:rPr lang="en-US" dirty="0"/>
+              <a:t>0x8 extra bytes is ALWAYS needed for metadata</a:t>
+            </a:r>
+          </a:p>
+          <a:p>
+            <a:r>
+              <a:rPr lang="en-US" dirty="0"/>
+              <a:t>On x86_64, sizes are in groups of 0x10</a:t>
+            </a:r>
+          </a:p>
+          <a:p>
+            <a:r>
+              <a:rPr lang="en-US" dirty="0"/>
+              <a:t>On x86, sizes are in groups of 0x8</a:t>
+            </a:r>
+          </a:p>
+          <a:p>
+            <a:r>
+              <a:rPr lang="en-US" dirty="0"/>
+              <a:t>Smallest chunk is 0x20 (64-bit): </a:t>
+            </a:r>
+          </a:p>
+          <a:p>
+            <a:pPr lvl="1"/>
+            <a:r>
+              <a:rPr lang="en-US" dirty="0"/>
+              <a:t>Room for </a:t>
+            </a:r>
+            <a:r>
+              <a:rPr lang="en-US" i="1" dirty="0"/>
+              <a:t>prev_size</a:t>
+            </a:r>
+            <a:r>
+              <a:rPr lang="en-US" dirty="0"/>
+              <a:t>, </a:t>
+            </a:r>
+            <a:r>
+              <a:rPr lang="en-US" i="1" dirty="0"/>
+              <a:t>size</a:t>
+            </a:r>
+            <a:r>
+              <a:rPr lang="en-US" dirty="0"/>
+              <a:t>, </a:t>
+            </a:r>
+            <a:r>
+              <a:rPr lang="en-US" i="1" dirty="0"/>
+              <a:t>fd </a:t>
+            </a:r>
+            <a:r>
+              <a:rPr lang="en-US" dirty="0"/>
+              <a:t>&amp;</a:t>
+            </a:r>
+            <a:r>
+              <a:rPr lang="en-US" i="1" dirty="0"/>
+              <a:t> bk</a:t>
+            </a:r>
+            <a:endParaRPr lang="en-US" dirty="0"/>
+          </a:p>
+        </p:txBody>
+      </p:sp>
+    </p:spTree>
+    <p:extLst>
+      <p:ext uri="{BB962C8B-B14F-4D97-AF65-F5344CB8AC3E}">
+        <p14:creationId xmlns:p14="http://schemas.microsoft.com/office/powerpoint/2010/main" val="496133024"/>
+      </p:ext>
+    </p:extLst>
+  </p:cSld>
+  <p:clrMapOvr>
+    <a:masterClrMapping/>
+  </p:clrMapOvr>
+</p:sld>
+</file>
+
+<file path=ppt/slides/slide115.xml><?xml version="1.0" encoding="utf-8"?>
+<p:sld xmlns:a="http://schemas.openxmlformats.org/drawingml/2006/main" xmlns:r="http://schemas.openxmlformats.org/officeDocument/2006/relationships" xmlns:p="http://schemas.openxmlformats.org/presentationml/2006/main">
+  <p:cSld>
+    <p:spTree>
+      <p:nvGrpSpPr>
+        <p:cNvPr id="1" name=""/>
+        <p:cNvGrpSpPr/>
+        <p:nvPr/>
+      </p:nvGrpSpPr>
+      <p:grpSpPr>
+        <a:xfrm>
+          <a:off x="0" y="0"/>
+          <a:ext cx="0" cy="0"/>
+          <a:chOff x="0" y="0"/>
+          <a:chExt cx="0" cy="0"/>
+        </a:xfrm>
+      </p:grpSpPr>
+      <p:sp>
+        <p:nvSpPr>
+          <p:cNvPr id="2" name="Title 1">
+            <a:extLst>
+              <a:ext uri="{FF2B5EF4-FFF2-40B4-BE49-F238E27FC236}">
+                <a16:creationId xmlns:a16="http://schemas.microsoft.com/office/drawing/2014/main" id="{6D83348E-0350-7645-B751-0354EC0BF5A0}"/>
+              </a:ext>
+            </a:extLst>
+          </p:cNvPr>
+          <p:cNvSpPr>
+            <a:spLocks noGrp="1"/>
+          </p:cNvSpPr>
+          <p:nvPr>
+            <p:ph type="title"/>
+          </p:nvPr>
+        </p:nvSpPr>
+        <p:spPr/>
+        <p:txBody>
+          <a:bodyPr/>
+          <a:lstStyle/>
+          <a:p>
+            <a:r>
+              <a:rPr lang="en-US" dirty="0"/>
+              <a:t>Sizing - Examples</a:t>
+            </a:r>
+          </a:p>
+        </p:txBody>
+      </p:sp>
+      <p:sp>
+        <p:nvSpPr>
+          <p:cNvPr id="3" name="Content Placeholder 2">
+            <a:extLst>
+              <a:ext uri="{FF2B5EF4-FFF2-40B4-BE49-F238E27FC236}">
+                <a16:creationId xmlns:a16="http://schemas.microsoft.com/office/drawing/2014/main" id="{39AFD9E7-EFE2-4D4D-A321-3393B567D6DF}"/>
+              </a:ext>
+            </a:extLst>
+          </p:cNvPr>
+          <p:cNvSpPr>
+            <a:spLocks noGrp="1"/>
+          </p:cNvSpPr>
+          <p:nvPr>
+            <p:ph idx="1"/>
+          </p:nvPr>
+        </p:nvSpPr>
+        <p:spPr/>
+        <p:txBody>
+          <a:bodyPr/>
+          <a:lstStyle/>
+          <a:p>
+            <a:r>
+              <a:rPr lang="en-US" dirty="0"/>
               <a:t>malloc(0x20) = 0x30 chunk</a:t>
             </a:r>
           </a:p>
@@ -34730,7 +34868,7 @@
 </p:sld>
 </file>
 
-<file path=ppt/slides/slide115.xml><?xml version="1.0" encoding="utf-8"?>
+<file path=ppt/slides/slide116.xml><?xml version="1.0" encoding="utf-8"?>
 <p:sld xmlns:a="http://schemas.openxmlformats.org/drawingml/2006/main" xmlns:r="http://schemas.openxmlformats.org/officeDocument/2006/relationships" xmlns:p="http://schemas.openxmlformats.org/presentationml/2006/main">
   <p:cSld>
     <p:spTree>
@@ -34860,7 +34998,7 @@
 </p:sld>
 </file>
 
-<file path=ppt/slides/slide116.xml><?xml version="1.0" encoding="utf-8"?>
+<file path=ppt/slides/slide117.xml><?xml version="1.0" encoding="utf-8"?>
 <p:sld xmlns:a="http://schemas.openxmlformats.org/drawingml/2006/main" xmlns:r="http://schemas.openxmlformats.org/officeDocument/2006/relationships" xmlns:p="http://schemas.openxmlformats.org/presentationml/2006/main">
   <p:cSld>
     <p:spTree>
@@ -34990,193 +35128,6 @@
 </p:sld>
 </file>
 
-<file path=ppt/slides/slide117.xml><?xml version="1.0" encoding="utf-8"?>
-<p:sld xmlns:a="http://schemas.openxmlformats.org/drawingml/2006/main" xmlns:r="http://schemas.openxmlformats.org/officeDocument/2006/relationships" xmlns:p="http://schemas.openxmlformats.org/presentationml/2006/main">
-  <p:cSld>
-    <p:spTree>
-      <p:nvGrpSpPr>
-        <p:cNvPr id="1" name=""/>
-        <p:cNvGrpSpPr/>
-        <p:nvPr/>
-      </p:nvGrpSpPr>
-      <p:grpSpPr>
-        <a:xfrm>
-          <a:off x="0" y="0"/>
-          <a:ext cx="0" cy="0"/>
-          <a:chOff x="0" y="0"/>
-          <a:chExt cx="0" cy="0"/>
-        </a:xfrm>
-      </p:grpSpPr>
-      <p:sp>
-        <p:nvSpPr>
-          <p:cNvPr id="2" name="Title 1">
-            <a:extLst>
-              <a:ext uri="{FF2B5EF4-FFF2-40B4-BE49-F238E27FC236}">
-                <a16:creationId xmlns:a16="http://schemas.microsoft.com/office/drawing/2014/main" id="{B607C57A-7D2F-0642-A770-65C4EDC8BF7A}"/>
-              </a:ext>
-            </a:extLst>
-          </p:cNvPr>
-          <p:cNvSpPr>
-            <a:spLocks noGrp="1"/>
-          </p:cNvSpPr>
-          <p:nvPr>
-            <p:ph type="title"/>
-          </p:nvPr>
-        </p:nvSpPr>
-        <p:spPr/>
-        <p:txBody>
-          <a:bodyPr/>
-          <a:lstStyle/>
-          <a:p>
-            <a:r>
-              <a:rPr lang="en-US" dirty="0"/>
-              <a:t>Importance…</a:t>
-            </a:r>
-          </a:p>
-        </p:txBody>
-      </p:sp>
-      <p:sp>
-        <p:nvSpPr>
-          <p:cNvPr id="3" name="Content Placeholder 2">
-            <a:extLst>
-              <a:ext uri="{FF2B5EF4-FFF2-40B4-BE49-F238E27FC236}">
-                <a16:creationId xmlns:a16="http://schemas.microsoft.com/office/drawing/2014/main" id="{704689F2-D32F-AB45-B87F-4B1C0FB0914C}"/>
-              </a:ext>
-            </a:extLst>
-          </p:cNvPr>
-          <p:cNvSpPr>
-            <a:spLocks noGrp="1"/>
-          </p:cNvSpPr>
-          <p:nvPr>
-            <p:ph idx="1"/>
-          </p:nvPr>
-        </p:nvSpPr>
-        <p:spPr/>
-        <p:txBody>
-          <a:bodyPr>
-            <a:normAutofit/>
-          </a:bodyPr>
-          <a:lstStyle/>
-          <a:p>
-            <a:r>
-              <a:rPr lang="en-US" dirty="0"/>
-              <a:t>Chunks:</a:t>
-            </a:r>
-          </a:p>
-          <a:p>
-            <a:pPr lvl="1"/>
-            <a:r>
-              <a:rPr lang="en-US" dirty="0"/>
-              <a:t>prev_size</a:t>
-            </a:r>
-          </a:p>
-          <a:p>
-            <a:pPr lvl="1"/>
-            <a:r>
-              <a:rPr lang="en-US" dirty="0"/>
-              <a:t>Size (metadata – </a:t>
-            </a:r>
-            <a:r>
-              <a:rPr lang="en-US" i="1" dirty="0" err="1"/>
-              <a:t>prev_inuse</a:t>
-            </a:r>
-            <a:r>
-              <a:rPr lang="en-US" i="1" dirty="0"/>
-              <a:t> </a:t>
-            </a:r>
-            <a:r>
-              <a:rPr lang="en-US" dirty="0"/>
-              <a:t>bit) </a:t>
-            </a:r>
-          </a:p>
-          <a:p>
-            <a:pPr lvl="1"/>
-            <a:r>
-              <a:rPr lang="en-US" dirty="0"/>
-              <a:t>Fd</a:t>
-            </a:r>
-          </a:p>
-          <a:p>
-            <a:pPr lvl="1"/>
-            <a:r>
-              <a:rPr lang="en-US" dirty="0"/>
-              <a:t>Bk or key</a:t>
-            </a:r>
-          </a:p>
-          <a:p>
-            <a:r>
-              <a:rPr lang="en-US" dirty="0"/>
-              <a:t>Bin Data structures:</a:t>
-            </a:r>
-          </a:p>
-          <a:p>
-            <a:pPr lvl="1"/>
-            <a:r>
-              <a:rPr lang="en-US" dirty="0"/>
-              <a:t>Unsorted, small and large are </a:t>
-            </a:r>
-            <a:r>
-              <a:rPr lang="en-US" i="1" dirty="0"/>
-              <a:t>doubly</a:t>
-            </a:r>
-            <a:r>
-              <a:rPr lang="en-US" dirty="0"/>
-              <a:t> linked lists</a:t>
-            </a:r>
-          </a:p>
-          <a:p>
-            <a:pPr lvl="1"/>
-            <a:r>
-              <a:rPr lang="en-US" dirty="0" err="1"/>
-              <a:t>Fastbin</a:t>
-            </a:r>
-            <a:r>
-              <a:rPr lang="en-US" dirty="0"/>
-              <a:t> and TCache are </a:t>
-            </a:r>
-            <a:r>
-              <a:rPr lang="en-US" i="1" dirty="0"/>
-              <a:t>singly</a:t>
-            </a:r>
-            <a:r>
-              <a:rPr lang="en-US" dirty="0"/>
-              <a:t> linked lists</a:t>
-            </a:r>
-          </a:p>
-          <a:p>
-            <a:pPr lvl="1"/>
-            <a:r>
-              <a:rPr lang="en-US" dirty="0" err="1"/>
-              <a:t>Tcache</a:t>
-            </a:r>
-            <a:r>
-              <a:rPr lang="en-US" dirty="0"/>
-              <a:t> has </a:t>
-            </a:r>
-            <a:r>
-              <a:rPr lang="en-US" i="1" dirty="0"/>
-              <a:t>key </a:t>
-            </a:r>
-            <a:r>
-              <a:rPr lang="en-US" dirty="0"/>
-              <a:t>(2.28+)</a:t>
-            </a:r>
-          </a:p>
-        </p:txBody>
-      </p:sp>
-    </p:spTree>
-    <p:extLst>
-      <p:ext uri="{BB962C8B-B14F-4D97-AF65-F5344CB8AC3E}">
-        <p14:creationId xmlns:p14="http://schemas.microsoft.com/office/powerpoint/2010/main" val="4149624489"/>
-      </p:ext>
-    </p:extLst>
-  </p:cSld>
-  <p:clrMapOvr>
-    <a:masterClrMapping/>
-  </p:clrMapOvr>
-</p:sld>
-</file>
-
 <file path=ppt/slides/slide118.xml><?xml version="1.0" encoding="utf-8"?>
 <p:sld xmlns:a="http://schemas.openxmlformats.org/drawingml/2006/main" xmlns:r="http://schemas.openxmlformats.org/officeDocument/2006/relationships" xmlns:p="http://schemas.openxmlformats.org/presentationml/2006/main">
   <p:cSld>
@@ -35217,7 +35168,7 @@
           <a:p>
             <a:r>
               <a:rPr lang="en-US" dirty="0"/>
-              <a:t>Importance… (cont.)</a:t>
+              <a:t>Importance…</a:t>
             </a:r>
           </a:p>
         </p:txBody>
@@ -35240,71 +35191,75 @@
         </p:nvSpPr>
         <p:spPr/>
         <p:txBody>
-          <a:bodyPr/>
+          <a:bodyPr>
+            <a:normAutofit/>
+          </a:bodyPr>
           <a:lstStyle/>
           <a:p>
             <a:r>
               <a:rPr lang="en-US" dirty="0"/>
-              <a:t>Bins:</a:t>
+              <a:t>Chunks:</a:t>
             </a:r>
           </a:p>
           <a:p>
             <a:pPr lvl="1"/>
             <a:r>
               <a:rPr lang="en-US" dirty="0"/>
-              <a:t>Small and large are not that important, for </a:t>
-            </a:r>
-            <a:r>
-              <a:rPr lang="en-US" dirty="0" err="1"/>
-              <a:t>pwn</a:t>
-            </a:r>
-            <a:r>
-              <a:rPr lang="en-US" dirty="0"/>
-              <a:t> purposes</a:t>
+              <a:t>prev_size</a:t>
             </a:r>
           </a:p>
           <a:p>
             <a:pPr lvl="1"/>
             <a:r>
               <a:rPr lang="en-US" dirty="0"/>
-              <a:t>Unsorted, </a:t>
-            </a:r>
-            <a:r>
-              <a:rPr lang="en-US" dirty="0" err="1"/>
-              <a:t>fastbin</a:t>
-            </a:r>
-            <a:r>
-              <a:rPr lang="en-US" dirty="0"/>
-              <a:t> and </a:t>
-            </a:r>
-            <a:r>
-              <a:rPr lang="en-US" dirty="0" err="1"/>
-              <a:t>tcache</a:t>
-            </a:r>
-            <a:r>
-              <a:rPr lang="en-US" dirty="0"/>
+              <a:t>Size (metadata – </a:t>
+            </a:r>
+            <a:r>
+              <a:rPr lang="en-US" i="1" dirty="0" err="1"/>
+              <a:t>prev_inuse</a:t>
+            </a:r>
+            <a:r>
+              <a:rPr lang="en-US" i="1" dirty="0"/>
               <a:t> </a:t>
             </a:r>
             <a:r>
-              <a:rPr lang="en-US" b="1" i="1" dirty="0"/>
-              <a:t>are</a:t>
-            </a:r>
-            <a:r>
-              <a:rPr lang="en-US" dirty="0"/>
-              <a:t> important though</a:t>
-            </a:r>
-          </a:p>
-          <a:p>
-            <a:r>
-              <a:rPr lang="en-US" dirty="0"/>
-              <a:t>Ordering (LIFO vs. FIFO) for bins:</a:t>
+              <a:rPr lang="en-US" dirty="0"/>
+              <a:t>bit) </a:t>
             </a:r>
           </a:p>
           <a:p>
             <a:pPr lvl="1"/>
             <a:r>
               <a:rPr lang="en-US" dirty="0"/>
-              <a:t>Unsorted is FIFO</a:t>
+              <a:t>Fd</a:t>
+            </a:r>
+          </a:p>
+          <a:p>
+            <a:pPr lvl="1"/>
+            <a:r>
+              <a:rPr lang="en-US" dirty="0"/>
+              <a:t>Bk or key</a:t>
+            </a:r>
+          </a:p>
+          <a:p>
+            <a:r>
+              <a:rPr lang="en-US" dirty="0"/>
+              <a:t>Bin Data structures:</a:t>
+            </a:r>
+          </a:p>
+          <a:p>
+            <a:pPr lvl="1"/>
+            <a:r>
+              <a:rPr lang="en-US" dirty="0"/>
+              <a:t>Unsorted, small and large are </a:t>
+            </a:r>
+            <a:r>
+              <a:rPr lang="en-US" i="1" dirty="0"/>
+              <a:t>doubly</a:t>
+            </a:r>
+            <a:r>
+              <a:rPr lang="en-US" dirty="0"/>
+              <a:t> linked lists</a:t>
             </a:r>
           </a:p>
           <a:p>
@@ -35315,13 +35270,34 @@
             </a:r>
             <a:r>
               <a:rPr lang="en-US" dirty="0"/>
-              <a:t> and TCache are LIFO</a:t>
-            </a:r>
-          </a:p>
-          <a:p>
-            <a:r>
-              <a:rPr lang="en-US" dirty="0"/>
-              <a:t>Ordering of Malloc and Free</a:t>
+              <a:t> and TCache are </a:t>
+            </a:r>
+            <a:r>
+              <a:rPr lang="en-US" i="1" dirty="0"/>
+              <a:t>singly</a:t>
+            </a:r>
+            <a:r>
+              <a:rPr lang="en-US" dirty="0"/>
+              <a:t> linked lists</a:t>
+            </a:r>
+          </a:p>
+          <a:p>
+            <a:pPr lvl="1"/>
+            <a:r>
+              <a:rPr lang="en-US" dirty="0" err="1"/>
+              <a:t>Tcache</a:t>
+            </a:r>
+            <a:r>
+              <a:rPr lang="en-US" dirty="0"/>
+              <a:t> has </a:t>
+            </a:r>
+            <a:r>
+              <a:rPr lang="en-US" i="1" dirty="0"/>
+              <a:t>key </a:t>
+            </a:r>
+            <a:r>
+              <a:rPr lang="en-US" dirty="0"/>
+              <a:t>(2.28+)</a:t>
             </a:r>
           </a:p>
         </p:txBody>
@@ -35329,7 +35305,7 @@
     </p:spTree>
     <p:extLst>
       <p:ext uri="{BB962C8B-B14F-4D97-AF65-F5344CB8AC3E}">
-        <p14:creationId xmlns:p14="http://schemas.microsoft.com/office/powerpoint/2010/main" val="980776295"/>
+        <p14:creationId xmlns:p14="http://schemas.microsoft.com/office/powerpoint/2010/main" val="4149624489"/>
       </p:ext>
     </p:extLst>
   </p:cSld>
@@ -35361,7 +35337,7 @@
           <p:cNvPr id="2" name="Title 1">
             <a:extLst>
               <a:ext uri="{FF2B5EF4-FFF2-40B4-BE49-F238E27FC236}">
-                <a16:creationId xmlns:a16="http://schemas.microsoft.com/office/drawing/2014/main" id="{3DFC37D1-0A29-7347-99B3-DE112F07A739}"/>
+                <a16:creationId xmlns:a16="http://schemas.microsoft.com/office/drawing/2014/main" id="{B607C57A-7D2F-0642-A770-65C4EDC8BF7A}"/>
               </a:ext>
             </a:extLst>
           </p:cNvPr>
@@ -35378,12 +35354,8 @@
           <a:lstStyle/>
           <a:p>
             <a:r>
-              <a:rPr lang="en-US" dirty="0" err="1"/>
-              <a:t>Cheatsheet</a:t>
-            </a:r>
-            <a:r>
-              <a:rPr lang="en-US" dirty="0"/>
-              <a:t> for important things!</a:t>
+              <a:rPr lang="en-US" dirty="0"/>
+              <a:t>Importance… (cont.)</a:t>
             </a:r>
           </a:p>
         </p:txBody>
@@ -35393,7 +35365,7 @@
           <p:cNvPr id="3" name="Content Placeholder 2">
             <a:extLst>
               <a:ext uri="{FF2B5EF4-FFF2-40B4-BE49-F238E27FC236}">
-                <a16:creationId xmlns:a16="http://schemas.microsoft.com/office/drawing/2014/main" id="{FF893491-1E5D-4141-9305-6D2471B251C6}"/>
+                <a16:creationId xmlns:a16="http://schemas.microsoft.com/office/drawing/2014/main" id="{704689F2-D32F-AB45-B87F-4B1C0FB0914C}"/>
               </a:ext>
             </a:extLst>
           </p:cNvPr>
@@ -35411,7 +35383,83 @@
           <a:p>
             <a:r>
               <a:rPr lang="en-US" dirty="0"/>
-              <a:t>TODO…. In progress</a:t>
+              <a:t>Bins:</a:t>
+            </a:r>
+          </a:p>
+          <a:p>
+            <a:pPr lvl="1"/>
+            <a:r>
+              <a:rPr lang="en-US" dirty="0"/>
+              <a:t>Small and large are not that important, for </a:t>
+            </a:r>
+            <a:r>
+              <a:rPr lang="en-US" dirty="0" err="1"/>
+              <a:t>pwn</a:t>
+            </a:r>
+            <a:r>
+              <a:rPr lang="en-US" dirty="0"/>
+              <a:t> purposes</a:t>
+            </a:r>
+          </a:p>
+          <a:p>
+            <a:pPr lvl="1"/>
+            <a:r>
+              <a:rPr lang="en-US" dirty="0"/>
+              <a:t>Unsorted, </a:t>
+            </a:r>
+            <a:r>
+              <a:rPr lang="en-US" dirty="0" err="1"/>
+              <a:t>fastbin</a:t>
+            </a:r>
+            <a:r>
+              <a:rPr lang="en-US" dirty="0"/>
+              <a:t> and </a:t>
+            </a:r>
+            <a:r>
+              <a:rPr lang="en-US" dirty="0" err="1"/>
+              <a:t>tcache</a:t>
+            </a:r>
+            <a:r>
+              <a:rPr lang="en-US" dirty="0"/>
+              <a:t> </a:t>
+            </a:r>
+            <a:r>
+              <a:rPr lang="en-US" b="1" i="1" dirty="0"/>
+              <a:t>are</a:t>
+            </a:r>
+            <a:r>
+              <a:rPr lang="en-US" dirty="0"/>
+              <a:t> important though</a:t>
+            </a:r>
+          </a:p>
+          <a:p>
+            <a:r>
+              <a:rPr lang="en-US" dirty="0"/>
+              <a:t>Ordering (LIFO vs. FIFO) for bins:</a:t>
+            </a:r>
+          </a:p>
+          <a:p>
+            <a:pPr lvl="1"/>
+            <a:r>
+              <a:rPr lang="en-US" dirty="0"/>
+              <a:t>Unsorted is FIFO</a:t>
+            </a:r>
+          </a:p>
+          <a:p>
+            <a:pPr lvl="1"/>
+            <a:r>
+              <a:rPr lang="en-US" dirty="0" err="1"/>
+              <a:t>Fastbin</a:t>
+            </a:r>
+            <a:r>
+              <a:rPr lang="en-US" dirty="0"/>
+              <a:t> and TCache are LIFO</a:t>
+            </a:r>
+          </a:p>
+          <a:p>
+            <a:r>
+              <a:rPr lang="en-US" dirty="0"/>
+              <a:t>Ordering of Malloc and Free</a:t>
             </a:r>
           </a:p>
         </p:txBody>
@@ -35419,7 +35467,7 @@
     </p:spTree>
     <p:extLst>
       <p:ext uri="{BB962C8B-B14F-4D97-AF65-F5344CB8AC3E}">
-        <p14:creationId xmlns:p14="http://schemas.microsoft.com/office/powerpoint/2010/main" val="1575285657"/>
+        <p14:creationId xmlns:p14="http://schemas.microsoft.com/office/powerpoint/2010/main" val="980776295"/>
       </p:ext>
     </p:extLst>
   </p:cSld>
@@ -35620,6 +35668,96 @@
           <p:cNvPr id="2" name="Title 1">
             <a:extLst>
               <a:ext uri="{FF2B5EF4-FFF2-40B4-BE49-F238E27FC236}">
+                <a16:creationId xmlns:a16="http://schemas.microsoft.com/office/drawing/2014/main" id="{3DFC37D1-0A29-7347-99B3-DE112F07A739}"/>
+              </a:ext>
+            </a:extLst>
+          </p:cNvPr>
+          <p:cNvSpPr>
+            <a:spLocks noGrp="1"/>
+          </p:cNvSpPr>
+          <p:nvPr>
+            <p:ph type="title"/>
+          </p:nvPr>
+        </p:nvSpPr>
+        <p:spPr/>
+        <p:txBody>
+          <a:bodyPr/>
+          <a:lstStyle/>
+          <a:p>
+            <a:r>
+              <a:rPr lang="en-US" dirty="0" err="1"/>
+              <a:t>Cheatsheet</a:t>
+            </a:r>
+            <a:r>
+              <a:rPr lang="en-US" dirty="0"/>
+              <a:t> for important things!</a:t>
+            </a:r>
+          </a:p>
+        </p:txBody>
+      </p:sp>
+      <p:sp>
+        <p:nvSpPr>
+          <p:cNvPr id="3" name="Content Placeholder 2">
+            <a:extLst>
+              <a:ext uri="{FF2B5EF4-FFF2-40B4-BE49-F238E27FC236}">
+                <a16:creationId xmlns:a16="http://schemas.microsoft.com/office/drawing/2014/main" id="{FF893491-1E5D-4141-9305-6D2471B251C6}"/>
+              </a:ext>
+            </a:extLst>
+          </p:cNvPr>
+          <p:cNvSpPr>
+            <a:spLocks noGrp="1"/>
+          </p:cNvSpPr>
+          <p:nvPr>
+            <p:ph idx="1"/>
+          </p:nvPr>
+        </p:nvSpPr>
+        <p:spPr/>
+        <p:txBody>
+          <a:bodyPr/>
+          <a:lstStyle/>
+          <a:p>
+            <a:r>
+              <a:rPr lang="en-US" dirty="0"/>
+              <a:t>TODO…. In progress</a:t>
+            </a:r>
+          </a:p>
+        </p:txBody>
+      </p:sp>
+    </p:spTree>
+    <p:extLst>
+      <p:ext uri="{BB962C8B-B14F-4D97-AF65-F5344CB8AC3E}">
+        <p14:creationId xmlns:p14="http://schemas.microsoft.com/office/powerpoint/2010/main" val="1575285657"/>
+      </p:ext>
+    </p:extLst>
+  </p:cSld>
+  <p:clrMapOvr>
+    <a:masterClrMapping/>
+  </p:clrMapOvr>
+</p:sld>
+</file>
+
+<file path=ppt/slides/slide121.xml><?xml version="1.0" encoding="utf-8"?>
+<p:sld xmlns:a="http://schemas.openxmlformats.org/drawingml/2006/main" xmlns:r="http://schemas.openxmlformats.org/officeDocument/2006/relationships" xmlns:p="http://schemas.openxmlformats.org/presentationml/2006/main">
+  <p:cSld>
+    <p:spTree>
+      <p:nvGrpSpPr>
+        <p:cNvPr id="1" name=""/>
+        <p:cNvGrpSpPr/>
+        <p:nvPr/>
+      </p:nvGrpSpPr>
+      <p:grpSpPr>
+        <a:xfrm>
+          <a:off x="0" y="0"/>
+          <a:ext cx="0" cy="0"/>
+          <a:chOff x="0" y="0"/>
+          <a:chExt cx="0" cy="0"/>
+        </a:xfrm>
+      </p:grpSpPr>
+      <p:sp>
+        <p:nvSpPr>
+          <p:cNvPr id="2" name="Title 1">
+            <a:extLst>
+              <a:ext uri="{FF2B5EF4-FFF2-40B4-BE49-F238E27FC236}">
                 <a16:creationId xmlns:a16="http://schemas.microsoft.com/office/drawing/2014/main" id="{FBA7EF0B-CEA3-F141-A6F0-C561AC202523}"/>
               </a:ext>
             </a:extLst>
@@ -35730,7 +35868,7 @@
 </p:sld>
 </file>
 
-<file path=ppt/slides/slide121.xml><?xml version="1.0" encoding="utf-8"?>
+<file path=ppt/slides/slide122.xml><?xml version="1.0" encoding="utf-8"?>
 <p:sld xmlns:a="http://schemas.openxmlformats.org/drawingml/2006/main" xmlns:r="http://schemas.openxmlformats.org/officeDocument/2006/relationships" xmlns:p="http://schemas.openxmlformats.org/presentationml/2006/main">
   <p:cSld>
     <p:spTree>
@@ -35845,7 +35983,7 @@
 </p:sld>
 </file>
 
-<file path=ppt/slides/slide122.xml><?xml version="1.0" encoding="utf-8"?>
+<file path=ppt/slides/slide123.xml><?xml version="1.0" encoding="utf-8"?>
 <p:sld xmlns:a="http://schemas.openxmlformats.org/drawingml/2006/main" xmlns:r="http://schemas.openxmlformats.org/officeDocument/2006/relationships" xmlns:p="http://schemas.openxmlformats.org/presentationml/2006/main">
   <p:cSld>
     <p:spTree>
@@ -36002,7 +36140,7 @@
 </p:sld>
 </file>
 
-<file path=ppt/slides/slide123.xml><?xml version="1.0" encoding="utf-8"?>
+<file path=ppt/slides/slide124.xml><?xml version="1.0" encoding="utf-8"?>
 <p:sld xmlns:a="http://schemas.openxmlformats.org/drawingml/2006/main" xmlns:r="http://schemas.openxmlformats.org/officeDocument/2006/relationships" xmlns:p="http://schemas.openxmlformats.org/presentationml/2006/main">
   <p:cSld>
     <p:spTree>
@@ -36098,7 +36236,7 @@
 </p:sld>
 </file>
 
-<file path=ppt/slides/slide124.xml><?xml version="1.0" encoding="utf-8"?>
+<file path=ppt/slides/slide125.xml><?xml version="1.0" encoding="utf-8"?>
 <p:sld xmlns:a="http://schemas.openxmlformats.org/drawingml/2006/main" xmlns:r="http://schemas.openxmlformats.org/officeDocument/2006/relationships" xmlns:p="http://schemas.openxmlformats.org/presentationml/2006/main">
   <p:cSld>
     <p:spTree>
@@ -36329,7 +36467,7 @@
 </p:sld>
 </file>
 
-<file path=ppt/slides/slide125.xml><?xml version="1.0" encoding="utf-8"?>
+<file path=ppt/slides/slide126.xml><?xml version="1.0" encoding="utf-8"?>
 <p:sld xmlns:a="http://schemas.openxmlformats.org/drawingml/2006/main" xmlns:r="http://schemas.openxmlformats.org/officeDocument/2006/relationships" xmlns:p="http://schemas.openxmlformats.org/presentationml/2006/main">
   <p:cSld>
     <p:spTree>
@@ -36470,189 +36608,6 @@
 </p:sld>
 </file>
 
-<file path=ppt/slides/slide126.xml><?xml version="1.0" encoding="utf-8"?>
-<p:sld xmlns:a="http://schemas.openxmlformats.org/drawingml/2006/main" xmlns:r="http://schemas.openxmlformats.org/officeDocument/2006/relationships" xmlns:p="http://schemas.openxmlformats.org/presentationml/2006/main">
-  <p:cSld>
-    <p:spTree>
-      <p:nvGrpSpPr>
-        <p:cNvPr id="1" name=""/>
-        <p:cNvGrpSpPr/>
-        <p:nvPr/>
-      </p:nvGrpSpPr>
-      <p:grpSpPr>
-        <a:xfrm>
-          <a:off x="0" y="0"/>
-          <a:ext cx="0" cy="0"/>
-          <a:chOff x="0" y="0"/>
-          <a:chExt cx="0" cy="0"/>
-        </a:xfrm>
-      </p:grpSpPr>
-      <p:sp>
-        <p:nvSpPr>
-          <p:cNvPr id="2" name="Title 1">
-            <a:extLst>
-              <a:ext uri="{FF2B5EF4-FFF2-40B4-BE49-F238E27FC236}">
-                <a16:creationId xmlns:a16="http://schemas.microsoft.com/office/drawing/2014/main" id="{142B44C5-7D46-424A-BA3F-8EC5059074A8}"/>
-              </a:ext>
-            </a:extLst>
-          </p:cNvPr>
-          <p:cNvSpPr>
-            <a:spLocks noGrp="1"/>
-          </p:cNvSpPr>
-          <p:nvPr>
-            <p:ph type="title"/>
-          </p:nvPr>
-        </p:nvSpPr>
-        <p:spPr/>
-        <p:txBody>
-          <a:bodyPr/>
-          <a:lstStyle/>
-          <a:p>
-            <a:r>
-              <a:rPr lang="en-US" dirty="0"/>
-              <a:t>UAF - Challenge</a:t>
-            </a:r>
-          </a:p>
-        </p:txBody>
-      </p:sp>
-      <p:sp>
-        <p:nvSpPr>
-          <p:cNvPr id="3" name="Content Placeholder 2">
-            <a:extLst>
-              <a:ext uri="{FF2B5EF4-FFF2-40B4-BE49-F238E27FC236}">
-                <a16:creationId xmlns:a16="http://schemas.microsoft.com/office/drawing/2014/main" id="{122781D7-B5DC-7342-A22F-35FBC8C8DC13}"/>
-              </a:ext>
-            </a:extLst>
-          </p:cNvPr>
-          <p:cNvSpPr>
-            <a:spLocks noGrp="1"/>
-          </p:cNvSpPr>
-          <p:nvPr>
-            <p:ph idx="1"/>
-          </p:nvPr>
-        </p:nvSpPr>
-        <p:spPr/>
-        <p:txBody>
-          <a:bodyPr>
-            <a:normAutofit/>
-          </a:bodyPr>
-          <a:lstStyle/>
-          <a:p>
-            <a:r>
-              <a:rPr lang="en-US" dirty="0"/>
-              <a:t>Use After Free (UAF) challenge</a:t>
-            </a:r>
-          </a:p>
-          <a:p>
-            <a:r>
-              <a:rPr lang="en-US" dirty="0"/>
-              <a:t>Options: </a:t>
-            </a:r>
-          </a:p>
-          <a:p>
-            <a:pPr lvl="1"/>
-            <a:r>
-              <a:rPr lang="en-US" i="1" dirty="0"/>
-              <a:t>malloc</a:t>
-            </a:r>
-            <a:r>
-              <a:rPr lang="en-US" dirty="0"/>
-              <a:t>: Make a new player</a:t>
-            </a:r>
-            <a:endParaRPr lang="en-US" i="1" dirty="0"/>
-          </a:p>
-          <a:p>
-            <a:pPr lvl="1"/>
-            <a:r>
-              <a:rPr lang="en-US" i="1" dirty="0"/>
-              <a:t>free</a:t>
-            </a:r>
-            <a:r>
-              <a:rPr lang="en-US" dirty="0"/>
-              <a:t>:</a:t>
-            </a:r>
-            <a:r>
-              <a:rPr lang="en-US" i="1" dirty="0"/>
-              <a:t> </a:t>
-            </a:r>
-            <a:r>
-              <a:rPr lang="en-US" dirty="0"/>
-              <a:t>Reset the player</a:t>
-            </a:r>
-          </a:p>
-          <a:p>
-            <a:pPr lvl="1"/>
-            <a:r>
-              <a:rPr lang="en-US" i="1" dirty="0"/>
-              <a:t>play</a:t>
-            </a:r>
-            <a:r>
-              <a:rPr lang="en-US" dirty="0"/>
-              <a:t>: Play the game!</a:t>
-            </a:r>
-          </a:p>
-          <a:p>
-            <a:pPr lvl="1"/>
-            <a:r>
-              <a:rPr lang="en-US" i="1" dirty="0"/>
-              <a:t>won</a:t>
-            </a:r>
-            <a:r>
-              <a:rPr lang="en-US" dirty="0"/>
-              <a:t>: Check to see if you have the high score</a:t>
-            </a:r>
-          </a:p>
-          <a:p>
-            <a:r>
-              <a:rPr lang="en-US" dirty="0"/>
-              <a:t>Hint: Look at </a:t>
-            </a:r>
-            <a:r>
-              <a:rPr lang="en-US" i="1" dirty="0"/>
-              <a:t>malloc</a:t>
-            </a:r>
-            <a:r>
-              <a:rPr lang="en-US" dirty="0"/>
-              <a:t> &amp; </a:t>
-            </a:r>
-            <a:r>
-              <a:rPr lang="en-US" i="1" dirty="0"/>
-              <a:t>free </a:t>
-            </a:r>
-            <a:r>
-              <a:rPr lang="en-US" dirty="0"/>
-              <a:t>(heap operations) </a:t>
-            </a:r>
-          </a:p>
-          <a:p>
-            <a:r>
-              <a:rPr lang="en-US" dirty="0"/>
-              <a:t>Hint: Look at the </a:t>
-            </a:r>
-            <a:r>
-              <a:rPr lang="en-US" i="1" dirty="0"/>
-              <a:t>player</a:t>
-            </a:r>
-            <a:r>
-              <a:rPr lang="en-US" dirty="0"/>
-              <a:t> struct</a:t>
-            </a:r>
-          </a:p>
-        </p:txBody>
-      </p:sp>
-    </p:spTree>
-    <p:extLst>
-      <p:ext uri="{BB962C8B-B14F-4D97-AF65-F5344CB8AC3E}">
-        <p14:creationId xmlns:p14="http://schemas.microsoft.com/office/powerpoint/2010/main" val="611776562"/>
-      </p:ext>
-    </p:extLst>
-  </p:cSld>
-  <p:clrMapOvr>
-    <a:masterClrMapping/>
-  </p:clrMapOvr>
-</p:sld>
-</file>
-
 <file path=ppt/slides/slide127.xml><?xml version="1.0" encoding="utf-8"?>
 <p:sld xmlns:a="http://schemas.openxmlformats.org/drawingml/2006/main" xmlns:r="http://schemas.openxmlformats.org/officeDocument/2006/relationships" xmlns:p="http://schemas.openxmlformats.org/presentationml/2006/main">
   <p:cSld>
@@ -36693,7 +36648,7 @@
           <a:p>
             <a:r>
               <a:rPr lang="en-US" dirty="0"/>
-              <a:t>UAF - Solution</a:t>
+              <a:t>UAF - Challenge</a:t>
             </a:r>
           </a:p>
         </p:txBody>
@@ -36716,87 +36671,117 @@
         </p:nvSpPr>
         <p:spPr/>
         <p:txBody>
-          <a:bodyPr/>
+          <a:bodyPr>
+            <a:normAutofit/>
+          </a:bodyPr>
           <a:lstStyle/>
           <a:p>
             <a:r>
               <a:rPr lang="en-US" dirty="0"/>
-              <a:t>Create User </a:t>
-            </a:r>
-            <a:r>
-              <a:rPr lang="en-US" dirty="0">
-                <a:sym typeface="Wingdings" pitchFamily="2" charset="2"/>
-              </a:rPr>
-              <a:t> Allocates a malloc chunk</a:t>
-            </a:r>
-            <a:endParaRPr lang="en-US" dirty="0"/>
-          </a:p>
-          <a:p>
-            <a:r>
-              <a:rPr lang="en-US" dirty="0"/>
-              <a:t>Reset User </a:t>
-            </a:r>
-            <a:r>
-              <a:rPr lang="en-US" dirty="0">
-                <a:sym typeface="Wingdings" pitchFamily="2" charset="2"/>
-              </a:rPr>
-              <a:t> Frees a malloc chunk</a:t>
-            </a:r>
-            <a:endParaRPr lang="en-US" dirty="0"/>
-          </a:p>
-          <a:p>
-            <a:r>
-              <a:rPr lang="en-US" dirty="0"/>
-              <a:t>Play </a:t>
-            </a:r>
-            <a:r>
-              <a:rPr lang="en-US" dirty="0">
-                <a:sym typeface="Wingdings" pitchFamily="2" charset="2"/>
-              </a:rPr>
-              <a:t> Allocates a malloc chunk (reuses previous chunk) </a:t>
-            </a:r>
-          </a:p>
-          <a:p>
-            <a:r>
-              <a:rPr lang="en-US" dirty="0"/>
-              <a:t>Win </a:t>
-            </a:r>
-            <a:r>
-              <a:rPr lang="en-US" dirty="0">
-                <a:sym typeface="Wingdings" pitchFamily="2" charset="2"/>
-              </a:rPr>
-              <a:t> Score is at </a:t>
-            </a:r>
-            <a:r>
-              <a:rPr lang="en-US" b="1" i="1" dirty="0">
-                <a:sym typeface="Wingdings" pitchFamily="2" charset="2"/>
-              </a:rPr>
-              <a:t>103</a:t>
-            </a:r>
-            <a:r>
-              <a:rPr lang="en-US" b="1" dirty="0">
-                <a:sym typeface="Wingdings" pitchFamily="2" charset="2"/>
-              </a:rPr>
+              <a:t>Use After Free (UAF) challenge</a:t>
+            </a:r>
+          </a:p>
+          <a:p>
+            <a:r>
+              <a:rPr lang="en-US" dirty="0"/>
+              <a:t>Options: </a:t>
+            </a:r>
+          </a:p>
+          <a:p>
+            <a:pPr lvl="1"/>
+            <a:r>
+              <a:rPr lang="en-US" i="1" dirty="0"/>
+              <a:t>malloc</a:t>
+            </a:r>
+            <a:r>
+              <a:rPr lang="en-US" dirty="0"/>
+              <a:t>: Make a new player</a:t>
+            </a:r>
+            <a:endParaRPr lang="en-US" i="1" dirty="0"/>
+          </a:p>
+          <a:p>
+            <a:pPr lvl="1"/>
+            <a:r>
+              <a:rPr lang="en-US" i="1" dirty="0"/>
+              <a:t>free</a:t>
+            </a:r>
+            <a:r>
+              <a:rPr lang="en-US" dirty="0"/>
+              <a:t>:</a:t>
+            </a:r>
+            <a:r>
+              <a:rPr lang="en-US" i="1" dirty="0"/>
               <a:t> </a:t>
             </a:r>
             <a:r>
-              <a:rPr lang="en-US" dirty="0">
-                <a:sym typeface="Wingdings" pitchFamily="2" charset="2"/>
-              </a:rPr>
-              <a:t>from the ‘play’ calculations</a:t>
-            </a:r>
-            <a:endParaRPr lang="en-US" dirty="0"/>
+              <a:rPr lang="en-US" dirty="0"/>
+              <a:t>Reset the player</a:t>
+            </a:r>
           </a:p>
           <a:p>
             <a:pPr lvl="1"/>
-            <a:endParaRPr lang="en-US" dirty="0"/>
+            <a:r>
+              <a:rPr lang="en-US" i="1" dirty="0"/>
+              <a:t>play</a:t>
+            </a:r>
+            <a:r>
+              <a:rPr lang="en-US" dirty="0"/>
+              <a:t>: Play the game!</a:t>
+            </a:r>
+          </a:p>
+          <a:p>
+            <a:pPr lvl="1"/>
+            <a:r>
+              <a:rPr lang="en-US" i="1" dirty="0"/>
+              <a:t>won</a:t>
+            </a:r>
+            <a:r>
+              <a:rPr lang="en-US" dirty="0"/>
+              <a:t>: Check to see if you have the high score</a:t>
+            </a:r>
+          </a:p>
+          <a:p>
+            <a:r>
+              <a:rPr lang="en-US" dirty="0"/>
+              <a:t>Hint: Look at </a:t>
+            </a:r>
+            <a:r>
+              <a:rPr lang="en-US" i="1" dirty="0"/>
+              <a:t>malloc</a:t>
+            </a:r>
+            <a:r>
+              <a:rPr lang="en-US" dirty="0"/>
+              <a:t> &amp; </a:t>
+            </a:r>
+            <a:r>
+              <a:rPr lang="en-US" i="1" dirty="0"/>
+              <a:t>free </a:t>
+            </a:r>
+            <a:r>
+              <a:rPr lang="en-US" dirty="0"/>
+              <a:t>(heap operations) </a:t>
+            </a:r>
+          </a:p>
+          <a:p>
+            <a:r>
+              <a:rPr lang="en-US" dirty="0"/>
+              <a:t>Hint: Look at the </a:t>
+            </a:r>
+            <a:r>
+              <a:rPr lang="en-US" i="1" dirty="0"/>
+              <a:t>player</a:t>
+            </a:r>
+            <a:r>
+              <a:rPr lang="en-US" dirty="0"/>
+              <a:t> struct</a:t>
+            </a:r>
           </a:p>
         </p:txBody>
       </p:sp>
     </p:spTree>
     <p:extLst>
       <p:ext uri="{BB962C8B-B14F-4D97-AF65-F5344CB8AC3E}">
-        <p14:creationId xmlns:p14="http://schemas.microsoft.com/office/powerpoint/2010/main" val="3864343798"/>
+        <p14:creationId xmlns:p14="http://schemas.microsoft.com/office/powerpoint/2010/main" val="611776562"/>
       </p:ext>
     </p:extLst>
   </p:cSld>
@@ -36828,7 +36813,7 @@
           <p:cNvPr id="2" name="Title 1">
             <a:extLst>
               <a:ext uri="{FF2B5EF4-FFF2-40B4-BE49-F238E27FC236}">
-                <a16:creationId xmlns:a16="http://schemas.microsoft.com/office/drawing/2014/main" id="{08506B2A-1853-DC4C-8F91-DA7FFFFD7CD8}"/>
+                <a16:creationId xmlns:a16="http://schemas.microsoft.com/office/drawing/2014/main" id="{142B44C5-7D46-424A-BA3F-8EC5059074A8}"/>
               </a:ext>
             </a:extLst>
           </p:cNvPr>
@@ -36839,21 +36824,14 @@
             <p:ph type="title"/>
           </p:nvPr>
         </p:nvSpPr>
-        <p:spPr>
-          <a:xfrm>
-            <a:off x="628650" y="273847"/>
-            <a:ext cx="7886700" cy="994172"/>
-          </a:xfrm>
-        </p:spPr>
+        <p:spPr/>
         <p:txBody>
-          <a:bodyPr anchor="ctr">
-            <a:normAutofit/>
-          </a:bodyPr>
+          <a:bodyPr/>
           <a:lstStyle/>
           <a:p>
             <a:r>
               <a:rPr lang="en-US" dirty="0"/>
-              <a:t>UAF – Solution Diagram 1</a:t>
+              <a:t>UAF - Solution</a:t>
             </a:r>
           </a:p>
         </p:txBody>
@@ -36863,7 +36841,7 @@
           <p:cNvPr id="3" name="Content Placeholder 2">
             <a:extLst>
               <a:ext uri="{FF2B5EF4-FFF2-40B4-BE49-F238E27FC236}">
-                <a16:creationId xmlns:a16="http://schemas.microsoft.com/office/drawing/2014/main" id="{7F271F73-3DDC-104B-BA9C-1D75C1191326}"/>
+                <a16:creationId xmlns:a16="http://schemas.microsoft.com/office/drawing/2014/main" id="{122781D7-B5DC-7342-A22F-35FBC8C8DC13}"/>
               </a:ext>
             </a:extLst>
           </p:cNvPr>
@@ -36871,63 +36849,92 @@
             <a:spLocks noGrp="1"/>
           </p:cNvSpPr>
           <p:nvPr>
-            <p:ph sz="half" idx="1"/>
+            <p:ph idx="1"/>
           </p:nvPr>
         </p:nvSpPr>
-        <p:spPr>
-          <a:xfrm>
-            <a:off x="628650" y="1369219"/>
-            <a:ext cx="3886200" cy="3263504"/>
-          </a:xfrm>
-        </p:spPr>
+        <p:spPr/>
         <p:txBody>
-          <a:bodyPr>
-            <a:normAutofit/>
-          </a:bodyPr>
+          <a:bodyPr/>
           <a:lstStyle/>
           <a:p>
             <a:r>
               <a:rPr lang="en-US" dirty="0"/>
-              <a:t>Allocate a player</a:t>
-            </a:r>
+              <a:t>Create User </a:t>
+            </a:r>
+            <a:r>
+              <a:rPr lang="en-US" dirty="0">
+                <a:sym typeface="Wingdings" pitchFamily="2" charset="2"/>
+              </a:rPr>
+              <a:t> Allocates a malloc chunk</a:t>
+            </a:r>
+            <a:endParaRPr lang="en-US" dirty="0"/>
+          </a:p>
+          <a:p>
+            <a:r>
+              <a:rPr lang="en-US" dirty="0"/>
+              <a:t>Reset User </a:t>
+            </a:r>
+            <a:r>
+              <a:rPr lang="en-US" dirty="0">
+                <a:sym typeface="Wingdings" pitchFamily="2" charset="2"/>
+              </a:rPr>
+              <a:t> Frees a malloc chunk</a:t>
+            </a:r>
+            <a:endParaRPr lang="en-US" dirty="0"/>
+          </a:p>
+          <a:p>
+            <a:r>
+              <a:rPr lang="en-US" dirty="0"/>
+              <a:t>Play </a:t>
+            </a:r>
+            <a:r>
+              <a:rPr lang="en-US" dirty="0">
+                <a:sym typeface="Wingdings" pitchFamily="2" charset="2"/>
+              </a:rPr>
+              <a:t> Allocates a malloc chunk (reuses previous chunk) </a:t>
+            </a:r>
+          </a:p>
+          <a:p>
+            <a:r>
+              <a:rPr lang="en-US" dirty="0"/>
+              <a:t>Win </a:t>
+            </a:r>
+            <a:r>
+              <a:rPr lang="en-US" dirty="0">
+                <a:sym typeface="Wingdings" pitchFamily="2" charset="2"/>
+              </a:rPr>
+              <a:t> Score is at </a:t>
+            </a:r>
+            <a:r>
+              <a:rPr lang="en-US" b="1" i="1" dirty="0">
+                <a:sym typeface="Wingdings" pitchFamily="2" charset="2"/>
+              </a:rPr>
+              <a:t>103</a:t>
+            </a:r>
+            <a:r>
+              <a:rPr lang="en-US" b="1" dirty="0">
+                <a:sym typeface="Wingdings" pitchFamily="2" charset="2"/>
+              </a:rPr>
+              <a:t> </a:t>
+            </a:r>
+            <a:r>
+              <a:rPr lang="en-US" dirty="0">
+                <a:sym typeface="Wingdings" pitchFamily="2" charset="2"/>
+              </a:rPr>
+              <a:t>from the ‘play’ calculations</a:t>
+            </a:r>
+            <a:endParaRPr lang="en-US" dirty="0"/>
+          </a:p>
+          <a:p>
+            <a:pPr lvl="1"/>
+            <a:endParaRPr lang="en-US" dirty="0"/>
           </a:p>
         </p:txBody>
       </p:sp>
-      <p:pic>
-        <p:nvPicPr>
-          <p:cNvPr id="5" name="Picture 4" descr="Diagram&#10;&#10;Description automatically generated">
-            <a:extLst>
-              <a:ext uri="{FF2B5EF4-FFF2-40B4-BE49-F238E27FC236}">
-                <a16:creationId xmlns:a16="http://schemas.microsoft.com/office/drawing/2014/main" id="{74FCBF0C-D21E-6A4B-BAFE-2A17B6B17FE6}"/>
-              </a:ext>
-            </a:extLst>
-          </p:cNvPr>
-          <p:cNvPicPr>
-            <a:picLocks noChangeAspect="1"/>
-          </p:cNvPicPr>
-          <p:nvPr/>
-        </p:nvPicPr>
-        <p:blipFill>
-          <a:blip r:embed="rId2"/>
-          <a:stretch>
-            <a:fillRect/>
-          </a:stretch>
-        </p:blipFill>
-        <p:spPr>
-          <a:xfrm>
-            <a:off x="4629150" y="1438395"/>
-            <a:ext cx="3886200" cy="3125152"/>
-          </a:xfrm>
-          <a:prstGeom prst="rect">
-            <a:avLst/>
-          </a:prstGeom>
-          <a:noFill/>
-        </p:spPr>
-      </p:pic>
     </p:spTree>
     <p:extLst>
       <p:ext uri="{BB962C8B-B14F-4D97-AF65-F5344CB8AC3E}">
-        <p14:creationId xmlns:p14="http://schemas.microsoft.com/office/powerpoint/2010/main" val="1653033134"/>
+        <p14:creationId xmlns:p14="http://schemas.microsoft.com/office/powerpoint/2010/main" val="3864343798"/>
       </p:ext>
     </p:extLst>
   </p:cSld>
@@ -36984,7 +36991,7 @@
           <a:p>
             <a:r>
               <a:rPr lang="en-US" dirty="0"/>
-              <a:t>UAF – Solution Diagram 2</a:t>
+              <a:t>UAF – Solution Diagram 1</a:t>
             </a:r>
           </a:p>
         </p:txBody>
@@ -37019,50 +37026,17 @@
           <a:p>
             <a:r>
               <a:rPr lang="en-US" dirty="0"/>
-              <a:t>Free (reset) a player</a:t>
-            </a:r>
-          </a:p>
-          <a:p>
-            <a:r>
-              <a:rPr lang="en-US" dirty="0"/>
-              <a:t>Puts a </a:t>
-            </a:r>
-            <a:r>
-              <a:rPr lang="en-US" i="1" dirty="0"/>
-              <a:t>chunk</a:t>
-            </a:r>
-            <a:r>
-              <a:rPr lang="en-US" dirty="0"/>
-              <a:t> into the </a:t>
-            </a:r>
-            <a:r>
-              <a:rPr lang="en-US" dirty="0" err="1"/>
-              <a:t>fastbin</a:t>
-            </a:r>
-            <a:endParaRPr lang="en-US" dirty="0"/>
-          </a:p>
-          <a:p>
-            <a:r>
-              <a:rPr lang="en-US" dirty="0"/>
-              <a:t>Creates a UAF on the </a:t>
-            </a:r>
-            <a:r>
-              <a:rPr lang="en-US" i="1" dirty="0"/>
-              <a:t>player </a:t>
-            </a:r>
-            <a:r>
-              <a:rPr lang="en-US" dirty="0"/>
-              <a:t>struct</a:t>
+              <a:t>Allocate a player</a:t>
             </a:r>
           </a:p>
         </p:txBody>
       </p:sp>
       <p:pic>
         <p:nvPicPr>
-          <p:cNvPr id="8" name="Picture 7" descr="Free the player struct">
+          <p:cNvPr id="5" name="Picture 4" descr="Diagram&#10;&#10;Description automatically generated">
             <a:extLst>
               <a:ext uri="{FF2B5EF4-FFF2-40B4-BE49-F238E27FC236}">
-                <a16:creationId xmlns:a16="http://schemas.microsoft.com/office/drawing/2014/main" id="{545C6C7E-195D-2B41-A6B9-D3470285E14F}"/>
+                <a16:creationId xmlns:a16="http://schemas.microsoft.com/office/drawing/2014/main" id="{74FCBF0C-D21E-6A4B-BAFE-2A17B6B17FE6}"/>
               </a:ext>
             </a:extLst>
           </p:cNvPr>
@@ -37079,18 +37053,19 @@
         </p:blipFill>
         <p:spPr>
           <a:xfrm>
-            <a:off x="4413314" y="1369218"/>
-            <a:ext cx="3886199" cy="3108959"/>
+            <a:off x="4629150" y="1438395"/>
+            <a:ext cx="3886200" cy="3125152"/>
           </a:xfrm>
           <a:prstGeom prst="rect">
             <a:avLst/>
           </a:prstGeom>
+          <a:noFill/>
         </p:spPr>
       </p:pic>
     </p:spTree>
     <p:extLst>
       <p:ext uri="{BB962C8B-B14F-4D97-AF65-F5344CB8AC3E}">
-        <p14:creationId xmlns:p14="http://schemas.microsoft.com/office/powerpoint/2010/main" val="3826566874"/>
+        <p14:creationId xmlns:p14="http://schemas.microsoft.com/office/powerpoint/2010/main" val="1653033134"/>
       </p:ext>
     </p:extLst>
   </p:cSld>
@@ -37339,6 +37314,169 @@
           <a:p>
             <a:r>
               <a:rPr lang="en-US" dirty="0"/>
+              <a:t>UAF – Solution Diagram 2</a:t>
+            </a:r>
+          </a:p>
+        </p:txBody>
+      </p:sp>
+      <p:sp>
+        <p:nvSpPr>
+          <p:cNvPr id="3" name="Content Placeholder 2">
+            <a:extLst>
+              <a:ext uri="{FF2B5EF4-FFF2-40B4-BE49-F238E27FC236}">
+                <a16:creationId xmlns:a16="http://schemas.microsoft.com/office/drawing/2014/main" id="{7F271F73-3DDC-104B-BA9C-1D75C1191326}"/>
+              </a:ext>
+            </a:extLst>
+          </p:cNvPr>
+          <p:cNvSpPr>
+            <a:spLocks noGrp="1"/>
+          </p:cNvSpPr>
+          <p:nvPr>
+            <p:ph sz="half" idx="1"/>
+          </p:nvPr>
+        </p:nvSpPr>
+        <p:spPr>
+          <a:xfrm>
+            <a:off x="628650" y="1369219"/>
+            <a:ext cx="3886200" cy="3263504"/>
+          </a:xfrm>
+        </p:spPr>
+        <p:txBody>
+          <a:bodyPr>
+            <a:normAutofit/>
+          </a:bodyPr>
+          <a:lstStyle/>
+          <a:p>
+            <a:r>
+              <a:rPr lang="en-US" dirty="0"/>
+              <a:t>Free (reset) a player</a:t>
+            </a:r>
+          </a:p>
+          <a:p>
+            <a:r>
+              <a:rPr lang="en-US" dirty="0"/>
+              <a:t>Puts a </a:t>
+            </a:r>
+            <a:r>
+              <a:rPr lang="en-US" i="1" dirty="0"/>
+              <a:t>chunk</a:t>
+            </a:r>
+            <a:r>
+              <a:rPr lang="en-US" dirty="0"/>
+              <a:t> into the </a:t>
+            </a:r>
+            <a:r>
+              <a:rPr lang="en-US" dirty="0" err="1"/>
+              <a:t>fastbin</a:t>
+            </a:r>
+            <a:endParaRPr lang="en-US" dirty="0"/>
+          </a:p>
+          <a:p>
+            <a:r>
+              <a:rPr lang="en-US" dirty="0"/>
+              <a:t>Creates a UAF on the </a:t>
+            </a:r>
+            <a:r>
+              <a:rPr lang="en-US" i="1" dirty="0"/>
+              <a:t>player </a:t>
+            </a:r>
+            <a:r>
+              <a:rPr lang="en-US" dirty="0"/>
+              <a:t>struct</a:t>
+            </a:r>
+          </a:p>
+        </p:txBody>
+      </p:sp>
+      <p:pic>
+        <p:nvPicPr>
+          <p:cNvPr id="8" name="Picture 7" descr="Free the player struct">
+            <a:extLst>
+              <a:ext uri="{FF2B5EF4-FFF2-40B4-BE49-F238E27FC236}">
+                <a16:creationId xmlns:a16="http://schemas.microsoft.com/office/drawing/2014/main" id="{545C6C7E-195D-2B41-A6B9-D3470285E14F}"/>
+              </a:ext>
+            </a:extLst>
+          </p:cNvPr>
+          <p:cNvPicPr>
+            <a:picLocks noChangeAspect="1"/>
+          </p:cNvPicPr>
+          <p:nvPr/>
+        </p:nvPicPr>
+        <p:blipFill>
+          <a:blip r:embed="rId2"/>
+          <a:stretch>
+            <a:fillRect/>
+          </a:stretch>
+        </p:blipFill>
+        <p:spPr>
+          <a:xfrm>
+            <a:off x="4413314" y="1369218"/>
+            <a:ext cx="3886199" cy="3108959"/>
+          </a:xfrm>
+          <a:prstGeom prst="rect">
+            <a:avLst/>
+          </a:prstGeom>
+        </p:spPr>
+      </p:pic>
+    </p:spTree>
+    <p:extLst>
+      <p:ext uri="{BB962C8B-B14F-4D97-AF65-F5344CB8AC3E}">
+        <p14:creationId xmlns:p14="http://schemas.microsoft.com/office/powerpoint/2010/main" val="3826566874"/>
+      </p:ext>
+    </p:extLst>
+  </p:cSld>
+  <p:clrMapOvr>
+    <a:masterClrMapping/>
+  </p:clrMapOvr>
+</p:sld>
+</file>
+
+<file path=ppt/slides/slide131.xml><?xml version="1.0" encoding="utf-8"?>
+<p:sld xmlns:a="http://schemas.openxmlformats.org/drawingml/2006/main" xmlns:r="http://schemas.openxmlformats.org/officeDocument/2006/relationships" xmlns:p="http://schemas.openxmlformats.org/presentationml/2006/main">
+  <p:cSld>
+    <p:spTree>
+      <p:nvGrpSpPr>
+        <p:cNvPr id="1" name=""/>
+        <p:cNvGrpSpPr/>
+        <p:nvPr/>
+      </p:nvGrpSpPr>
+      <p:grpSpPr>
+        <a:xfrm>
+          <a:off x="0" y="0"/>
+          <a:ext cx="0" cy="0"/>
+          <a:chOff x="0" y="0"/>
+          <a:chExt cx="0" cy="0"/>
+        </a:xfrm>
+      </p:grpSpPr>
+      <p:sp>
+        <p:nvSpPr>
+          <p:cNvPr id="2" name="Title 1">
+            <a:extLst>
+              <a:ext uri="{FF2B5EF4-FFF2-40B4-BE49-F238E27FC236}">
+                <a16:creationId xmlns:a16="http://schemas.microsoft.com/office/drawing/2014/main" id="{08506B2A-1853-DC4C-8F91-DA7FFFFD7CD8}"/>
+              </a:ext>
+            </a:extLst>
+          </p:cNvPr>
+          <p:cNvSpPr>
+            <a:spLocks noGrp="1"/>
+          </p:cNvSpPr>
+          <p:nvPr>
+            <p:ph type="title"/>
+          </p:nvPr>
+        </p:nvSpPr>
+        <p:spPr>
+          <a:xfrm>
+            <a:off x="628650" y="273847"/>
+            <a:ext cx="7886700" cy="994172"/>
+          </a:xfrm>
+        </p:spPr>
+        <p:txBody>
+          <a:bodyPr anchor="ctr">
+            <a:normAutofit/>
+          </a:bodyPr>
+          <a:lstStyle/>
+          <a:p>
+            <a:r>
+              <a:rPr lang="en-US" dirty="0"/>
               <a:t>UAF – Solution Diagram 3</a:t>
             </a:r>
           </a:p>
@@ -37428,7 +37566,7 @@
 </p:sld>
 </file>
 
-<file path=ppt/slides/slide131.xml><?xml version="1.0" encoding="utf-8"?>
+<file path=ppt/slides/slide132.xml><?xml version="1.0" encoding="utf-8"?>
 <p:sld xmlns:a="http://schemas.openxmlformats.org/drawingml/2006/main" xmlns:r="http://schemas.openxmlformats.org/officeDocument/2006/relationships" xmlns:p="http://schemas.openxmlformats.org/presentationml/2006/main">
   <p:cSld>
     <p:spTree>
@@ -37599,7 +37737,7 @@
 </p:sld>
 </file>
 
-<file path=ppt/slides/slide132.xml><?xml version="1.0" encoding="utf-8"?>
+<file path=ppt/slides/slide133.xml><?xml version="1.0" encoding="utf-8"?>
 <p:sld xmlns:a="http://schemas.openxmlformats.org/drawingml/2006/main" xmlns:r="http://schemas.openxmlformats.org/officeDocument/2006/relationships" xmlns:p="http://schemas.openxmlformats.org/presentationml/2006/main">
   <p:cSld>
     <p:spTree>
@@ -37759,7 +37897,7 @@
 </p:sld>
 </file>
 
-<file path=ppt/slides/slide133.xml><?xml version="1.0" encoding="utf-8"?>
+<file path=ppt/slides/slide134.xml><?xml version="1.0" encoding="utf-8"?>
 <p:sld xmlns:a="http://schemas.openxmlformats.org/drawingml/2006/main" xmlns:r="http://schemas.openxmlformats.org/officeDocument/2006/relationships" xmlns:p="http://schemas.openxmlformats.org/presentationml/2006/main">
   <p:cSld>
     <p:spTree>
@@ -37912,7 +38050,7 @@
 </p:sld>
 </file>
 
-<file path=ppt/slides/slide134.xml><?xml version="1.0" encoding="utf-8"?>
+<file path=ppt/slides/slide135.xml><?xml version="1.0" encoding="utf-8"?>
 <p:sld xmlns:a="http://schemas.openxmlformats.org/drawingml/2006/main" xmlns:r="http://schemas.openxmlformats.org/officeDocument/2006/relationships" xmlns:p="http://schemas.openxmlformats.org/presentationml/2006/main">
   <p:cSld>
     <p:spTree>
@@ -38017,7 +38155,7 @@
 </p:sld>
 </file>
 
-<file path=ppt/slides/slide135.xml><?xml version="1.0" encoding="utf-8"?>
+<file path=ppt/slides/slide136.xml><?xml version="1.0" encoding="utf-8"?>
 <p:sld xmlns:a="http://schemas.openxmlformats.org/drawingml/2006/main" xmlns:r="http://schemas.openxmlformats.org/officeDocument/2006/relationships" xmlns:p="http://schemas.openxmlformats.org/presentationml/2006/main">
   <p:cSld>
     <p:spTree>
@@ -38094,36 +38232,36 @@
           <a:lstStyle/>
           <a:p>
             <a:r>
-              <a:rPr lang="en-US" sz="2400"/>
+              <a:rPr lang="en-US" sz="2400" dirty="0"/>
               <a:t>Freed the same memory </a:t>
             </a:r>
             <a:r>
-              <a:rPr lang="en-US" sz="2400" b="1"/>
+              <a:rPr lang="en-US" sz="2400" b="1" dirty="0"/>
               <a:t>twice</a:t>
             </a:r>
-            <a:endParaRPr lang="en-US" sz="2400"/>
-          </a:p>
-          <a:p>
-            <a:r>
-              <a:rPr lang="en-US" sz="2400" b="1"/>
+            <a:endParaRPr lang="en-US" sz="2400" dirty="0"/>
+          </a:p>
+          <a:p>
+            <a:r>
+              <a:rPr lang="en-US" sz="2400" b="1" dirty="0"/>
               <a:t>Two</a:t>
             </a:r>
             <a:r>
-              <a:rPr lang="en-US" sz="2400"/>
+              <a:rPr lang="en-US" sz="2400" dirty="0"/>
               <a:t> chunks are now waiting to be reallocated in the bin</a:t>
             </a:r>
           </a:p>
           <a:p>
             <a:r>
-              <a:rPr lang="en-US" sz="2400"/>
+              <a:rPr lang="en-US" sz="2400" dirty="0"/>
               <a:t>Possible to get two pointers (in a bin) to the </a:t>
             </a:r>
             <a:r>
-              <a:rPr lang="en-US" sz="2400" b="1"/>
+              <a:rPr lang="en-US" sz="2400" b="1" dirty="0"/>
               <a:t>same</a:t>
             </a:r>
             <a:r>
-              <a:rPr lang="en-US" sz="2400"/>
+              <a:rPr lang="en-US" sz="2400" dirty="0"/>
               <a:t> location in memory </a:t>
             </a:r>
           </a:p>
@@ -38148,7 +38286,7 @@
 </p:sld>
 </file>
 
-<file path=ppt/slides/slide136.xml><?xml version="1.0" encoding="utf-8"?>
+<file path=ppt/slides/slide137.xml><?xml version="1.0" encoding="utf-8"?>
 <p:sld xmlns:a="http://schemas.openxmlformats.org/drawingml/2006/main" xmlns:r="http://schemas.openxmlformats.org/officeDocument/2006/relationships" xmlns:p="http://schemas.openxmlformats.org/presentationml/2006/main">
   <p:cSld>
     <p:spTree>
@@ -38296,7 +38434,7 @@
 </p:sld>
 </file>
 
-<file path=ppt/slides/slide137.xml><?xml version="1.0" encoding="utf-8"?>
+<file path=ppt/slides/slide138.xml><?xml version="1.0" encoding="utf-8"?>
 <p:sld xmlns:a="http://schemas.openxmlformats.org/drawingml/2006/main" xmlns:r="http://schemas.openxmlformats.org/officeDocument/2006/relationships" xmlns:p="http://schemas.openxmlformats.org/presentationml/2006/main">
   <p:cSld>
     <p:spTree>
@@ -38439,7 +38577,7 @@
 </p:sld>
 </file>
 
-<file path=ppt/slides/slide138.xml><?xml version="1.0" encoding="utf-8"?>
+<file path=ppt/slides/slide139.xml><?xml version="1.0" encoding="utf-8"?>
 <p:sld xmlns:a="http://schemas.openxmlformats.org/drawingml/2006/main" xmlns:r="http://schemas.openxmlformats.org/officeDocument/2006/relationships" xmlns:p="http://schemas.openxmlformats.org/presentationml/2006/main">
   <p:cSld>
     <p:spTree>
@@ -38680,201 +38818,6 @@
 </p:sld>
 </file>
 
-<file path=ppt/slides/slide139.xml><?xml version="1.0" encoding="utf-8"?>
-<p:sld xmlns:a="http://schemas.openxmlformats.org/drawingml/2006/main" xmlns:r="http://schemas.openxmlformats.org/officeDocument/2006/relationships" xmlns:p="http://schemas.openxmlformats.org/presentationml/2006/main">
-  <p:cSld>
-    <p:spTree>
-      <p:nvGrpSpPr>
-        <p:cNvPr id="1" name=""/>
-        <p:cNvGrpSpPr/>
-        <p:nvPr/>
-      </p:nvGrpSpPr>
-      <p:grpSpPr>
-        <a:xfrm>
-          <a:off x="0" y="0"/>
-          <a:ext cx="0" cy="0"/>
-          <a:chOff x="0" y="0"/>
-          <a:chExt cx="0" cy="0"/>
-        </a:xfrm>
-      </p:grpSpPr>
-      <p:sp>
-        <p:nvSpPr>
-          <p:cNvPr id="2" name="Title 1">
-            <a:extLst>
-              <a:ext uri="{FF2B5EF4-FFF2-40B4-BE49-F238E27FC236}">
-                <a16:creationId xmlns:a16="http://schemas.microsoft.com/office/drawing/2014/main" id="{1428FE6B-A844-4B4E-9A09-DCC5558672AA}"/>
-              </a:ext>
-            </a:extLst>
-          </p:cNvPr>
-          <p:cNvSpPr>
-            <a:spLocks noGrp="1"/>
-          </p:cNvSpPr>
-          <p:nvPr>
-            <p:ph type="title"/>
-          </p:nvPr>
-        </p:nvSpPr>
-        <p:spPr/>
-        <p:txBody>
-          <a:bodyPr/>
-          <a:lstStyle/>
-          <a:p>
-            <a:r>
-              <a:rPr lang="en-US" dirty="0"/>
-              <a:t>Double Free - Challenges</a:t>
-            </a:r>
-          </a:p>
-        </p:txBody>
-      </p:sp>
-      <p:sp>
-        <p:nvSpPr>
-          <p:cNvPr id="4" name="Content Placeholder 2">
-            <a:extLst>
-              <a:ext uri="{FF2B5EF4-FFF2-40B4-BE49-F238E27FC236}">
-                <a16:creationId xmlns:a16="http://schemas.microsoft.com/office/drawing/2014/main" id="{3B238808-171A-7646-A4D3-46EDF4528CAE}"/>
-              </a:ext>
-            </a:extLst>
-          </p:cNvPr>
-          <p:cNvSpPr>
-            <a:spLocks noGrp="1"/>
-          </p:cNvSpPr>
-          <p:nvPr>
-            <p:ph idx="1"/>
-          </p:nvPr>
-        </p:nvSpPr>
-        <p:spPr/>
-        <p:txBody>
-          <a:bodyPr>
-            <a:normAutofit lnSpcReduction="10000"/>
-          </a:bodyPr>
-          <a:lstStyle/>
-          <a:p>
-            <a:r>
-              <a:rPr lang="en-US" dirty="0"/>
-              <a:t>Use After Free (UAF) challenge</a:t>
-            </a:r>
-          </a:p>
-          <a:p>
-            <a:r>
-              <a:rPr lang="en-US" dirty="0"/>
-              <a:t>Options: </a:t>
-            </a:r>
-          </a:p>
-          <a:p>
-            <a:pPr lvl="1"/>
-            <a:r>
-              <a:rPr lang="en-US" i="1" dirty="0"/>
-              <a:t>malloc</a:t>
-            </a:r>
-            <a:r>
-              <a:rPr lang="en-US" dirty="0"/>
-              <a:t>: Make a new player</a:t>
-            </a:r>
-            <a:endParaRPr lang="en-US" i="1" dirty="0"/>
-          </a:p>
-          <a:p>
-            <a:pPr lvl="1"/>
-            <a:r>
-              <a:rPr lang="en-US" i="1" dirty="0"/>
-              <a:t>free</a:t>
-            </a:r>
-            <a:r>
-              <a:rPr lang="en-US" dirty="0"/>
-              <a:t>:</a:t>
-            </a:r>
-            <a:r>
-              <a:rPr lang="en-US" i="1" dirty="0"/>
-              <a:t> </a:t>
-            </a:r>
-            <a:r>
-              <a:rPr lang="en-US" dirty="0"/>
-              <a:t>Reset the player</a:t>
-            </a:r>
-          </a:p>
-          <a:p>
-            <a:pPr lvl="1"/>
-            <a:r>
-              <a:rPr lang="en-US" i="1" dirty="0"/>
-              <a:t>play</a:t>
-            </a:r>
-            <a:r>
-              <a:rPr lang="en-US" dirty="0"/>
-              <a:t>: Play the game!</a:t>
-            </a:r>
-          </a:p>
-          <a:p>
-            <a:pPr lvl="1"/>
-            <a:r>
-              <a:rPr lang="en-US" i="1" dirty="0"/>
-              <a:t>won</a:t>
-            </a:r>
-            <a:r>
-              <a:rPr lang="en-US" dirty="0"/>
-              <a:t>: Check to see if you have the high score</a:t>
-            </a:r>
-          </a:p>
-          <a:p>
-            <a:pPr lvl="1"/>
-            <a:r>
-              <a:rPr lang="en-US" dirty="0"/>
-              <a:t>set: The </a:t>
-            </a:r>
-            <a:r>
-              <a:rPr lang="en-US" i="1" dirty="0"/>
-              <a:t>new</a:t>
-            </a:r>
-            <a:r>
-              <a:rPr lang="en-US" dirty="0"/>
-              <a:t> high score to be set</a:t>
-            </a:r>
-          </a:p>
-          <a:p>
-            <a:r>
-              <a:rPr lang="en-US" dirty="0"/>
-              <a:t>Hint: Look at </a:t>
-            </a:r>
-            <a:r>
-              <a:rPr lang="en-US" i="1" dirty="0"/>
-              <a:t>malloc</a:t>
-            </a:r>
-            <a:r>
-              <a:rPr lang="en-US" dirty="0"/>
-              <a:t> &amp; </a:t>
-            </a:r>
-            <a:r>
-              <a:rPr lang="en-US" i="1" dirty="0"/>
-              <a:t>free</a:t>
-            </a:r>
-            <a:endParaRPr lang="en-US" dirty="0"/>
-          </a:p>
-          <a:p>
-            <a:r>
-              <a:rPr lang="en-US" dirty="0"/>
-              <a:t>Hint: Look at the </a:t>
-            </a:r>
-            <a:r>
-              <a:rPr lang="en-US" i="1" dirty="0"/>
-              <a:t>player</a:t>
-            </a:r>
-            <a:r>
-              <a:rPr lang="en-US" dirty="0"/>
-              <a:t> struct</a:t>
-            </a:r>
-          </a:p>
-        </p:txBody>
-      </p:sp>
-    </p:spTree>
-    <p:extLst>
-      <p:ext uri="{BB962C8B-B14F-4D97-AF65-F5344CB8AC3E}">
-        <p14:creationId xmlns:p14="http://schemas.microsoft.com/office/powerpoint/2010/main" val="2951838982"/>
-      </p:ext>
-    </p:extLst>
-  </p:cSld>
-  <p:clrMapOvr>
-    <a:masterClrMapping/>
-  </p:clrMapOvr>
-</p:sld>
-</file>
-
 <file path=ppt/slides/slide14.xml><?xml version="1.0" encoding="utf-8"?>
 <p:sld xmlns:a="http://schemas.openxmlformats.org/drawingml/2006/main" xmlns:r="http://schemas.openxmlformats.org/officeDocument/2006/relationships" xmlns:p="http://schemas.openxmlformats.org/presentationml/2006/main">
   <p:cSld>
@@ -39087,6 +39030,201 @@
           <a:p>
             <a:r>
               <a:rPr lang="en-US" dirty="0"/>
+              <a:t>Double Free - Challenges</a:t>
+            </a:r>
+          </a:p>
+        </p:txBody>
+      </p:sp>
+      <p:sp>
+        <p:nvSpPr>
+          <p:cNvPr id="4" name="Content Placeholder 2">
+            <a:extLst>
+              <a:ext uri="{FF2B5EF4-FFF2-40B4-BE49-F238E27FC236}">
+                <a16:creationId xmlns:a16="http://schemas.microsoft.com/office/drawing/2014/main" id="{3B238808-171A-7646-A4D3-46EDF4528CAE}"/>
+              </a:ext>
+            </a:extLst>
+          </p:cNvPr>
+          <p:cNvSpPr>
+            <a:spLocks noGrp="1"/>
+          </p:cNvSpPr>
+          <p:nvPr>
+            <p:ph idx="1"/>
+          </p:nvPr>
+        </p:nvSpPr>
+        <p:spPr/>
+        <p:txBody>
+          <a:bodyPr>
+            <a:normAutofit lnSpcReduction="10000"/>
+          </a:bodyPr>
+          <a:lstStyle/>
+          <a:p>
+            <a:r>
+              <a:rPr lang="en-US" dirty="0"/>
+              <a:t>Use After Free (UAF) challenge</a:t>
+            </a:r>
+          </a:p>
+          <a:p>
+            <a:r>
+              <a:rPr lang="en-US" dirty="0"/>
+              <a:t>Options: </a:t>
+            </a:r>
+          </a:p>
+          <a:p>
+            <a:pPr lvl="1"/>
+            <a:r>
+              <a:rPr lang="en-US" i="1" dirty="0"/>
+              <a:t>malloc</a:t>
+            </a:r>
+            <a:r>
+              <a:rPr lang="en-US" dirty="0"/>
+              <a:t>: Make a new player</a:t>
+            </a:r>
+            <a:endParaRPr lang="en-US" i="1" dirty="0"/>
+          </a:p>
+          <a:p>
+            <a:pPr lvl="1"/>
+            <a:r>
+              <a:rPr lang="en-US" i="1" dirty="0"/>
+              <a:t>free</a:t>
+            </a:r>
+            <a:r>
+              <a:rPr lang="en-US" dirty="0"/>
+              <a:t>:</a:t>
+            </a:r>
+            <a:r>
+              <a:rPr lang="en-US" i="1" dirty="0"/>
+              <a:t> </a:t>
+            </a:r>
+            <a:r>
+              <a:rPr lang="en-US" dirty="0"/>
+              <a:t>Reset the player</a:t>
+            </a:r>
+          </a:p>
+          <a:p>
+            <a:pPr lvl="1"/>
+            <a:r>
+              <a:rPr lang="en-US" i="1" dirty="0"/>
+              <a:t>play</a:t>
+            </a:r>
+            <a:r>
+              <a:rPr lang="en-US" dirty="0"/>
+              <a:t>: Play the game!</a:t>
+            </a:r>
+          </a:p>
+          <a:p>
+            <a:pPr lvl="1"/>
+            <a:r>
+              <a:rPr lang="en-US" i="1" dirty="0"/>
+              <a:t>won</a:t>
+            </a:r>
+            <a:r>
+              <a:rPr lang="en-US" dirty="0"/>
+              <a:t>: Check to see if you have the high score</a:t>
+            </a:r>
+          </a:p>
+          <a:p>
+            <a:pPr lvl="1"/>
+            <a:r>
+              <a:rPr lang="en-US" dirty="0"/>
+              <a:t>set: The </a:t>
+            </a:r>
+            <a:r>
+              <a:rPr lang="en-US" i="1" dirty="0"/>
+              <a:t>new</a:t>
+            </a:r>
+            <a:r>
+              <a:rPr lang="en-US" dirty="0"/>
+              <a:t> high score to be set</a:t>
+            </a:r>
+          </a:p>
+          <a:p>
+            <a:r>
+              <a:rPr lang="en-US" dirty="0"/>
+              <a:t>Hint: Look at </a:t>
+            </a:r>
+            <a:r>
+              <a:rPr lang="en-US" i="1" dirty="0"/>
+              <a:t>malloc</a:t>
+            </a:r>
+            <a:r>
+              <a:rPr lang="en-US" dirty="0"/>
+              <a:t> &amp; </a:t>
+            </a:r>
+            <a:r>
+              <a:rPr lang="en-US" i="1" dirty="0"/>
+              <a:t>free</a:t>
+            </a:r>
+            <a:endParaRPr lang="en-US" dirty="0"/>
+          </a:p>
+          <a:p>
+            <a:r>
+              <a:rPr lang="en-US" dirty="0"/>
+              <a:t>Hint: Look at the </a:t>
+            </a:r>
+            <a:r>
+              <a:rPr lang="en-US" i="1" dirty="0"/>
+              <a:t>player</a:t>
+            </a:r>
+            <a:r>
+              <a:rPr lang="en-US" dirty="0"/>
+              <a:t> struct</a:t>
+            </a:r>
+          </a:p>
+        </p:txBody>
+      </p:sp>
+    </p:spTree>
+    <p:extLst>
+      <p:ext uri="{BB962C8B-B14F-4D97-AF65-F5344CB8AC3E}">
+        <p14:creationId xmlns:p14="http://schemas.microsoft.com/office/powerpoint/2010/main" val="2951838982"/>
+      </p:ext>
+    </p:extLst>
+  </p:cSld>
+  <p:clrMapOvr>
+    <a:masterClrMapping/>
+  </p:clrMapOvr>
+</p:sld>
+</file>
+
+<file path=ppt/slides/slide141.xml><?xml version="1.0" encoding="utf-8"?>
+<p:sld xmlns:a="http://schemas.openxmlformats.org/drawingml/2006/main" xmlns:r="http://schemas.openxmlformats.org/officeDocument/2006/relationships" xmlns:p="http://schemas.openxmlformats.org/presentationml/2006/main">
+  <p:cSld>
+    <p:spTree>
+      <p:nvGrpSpPr>
+        <p:cNvPr id="1" name=""/>
+        <p:cNvGrpSpPr/>
+        <p:nvPr/>
+      </p:nvGrpSpPr>
+      <p:grpSpPr>
+        <a:xfrm>
+          <a:off x="0" y="0"/>
+          <a:ext cx="0" cy="0"/>
+          <a:chOff x="0" y="0"/>
+          <a:chExt cx="0" cy="0"/>
+        </a:xfrm>
+      </p:grpSpPr>
+      <p:sp>
+        <p:nvSpPr>
+          <p:cNvPr id="2" name="Title 1">
+            <a:extLst>
+              <a:ext uri="{FF2B5EF4-FFF2-40B4-BE49-F238E27FC236}">
+                <a16:creationId xmlns:a16="http://schemas.microsoft.com/office/drawing/2014/main" id="{1428FE6B-A844-4B4E-9A09-DCC5558672AA}"/>
+              </a:ext>
+            </a:extLst>
+          </p:cNvPr>
+          <p:cNvSpPr>
+            <a:spLocks noGrp="1"/>
+          </p:cNvSpPr>
+          <p:nvPr>
+            <p:ph type="title"/>
+          </p:nvPr>
+        </p:nvSpPr>
+        <p:spPr/>
+        <p:txBody>
+          <a:bodyPr/>
+          <a:lstStyle/>
+          <a:p>
+            <a:r>
+              <a:rPr lang="en-US" dirty="0"/>
               <a:t>Double Free - Solution</a:t>
             </a:r>
           </a:p>
@@ -39231,7 +39369,7 @@
 </p:sld>
 </file>
 
-<file path=ppt/slides/slide141.xml><?xml version="1.0" encoding="utf-8"?>
+<file path=ppt/slides/slide142.xml><?xml version="1.0" encoding="utf-8"?>
 <p:sld xmlns:a="http://schemas.openxmlformats.org/drawingml/2006/main" xmlns:r="http://schemas.openxmlformats.org/officeDocument/2006/relationships" xmlns:p="http://schemas.openxmlformats.org/presentationml/2006/main">
   <p:cSld>
     <p:spTree>
@@ -39362,7 +39500,7 @@
 </p:sld>
 </file>
 
-<file path=ppt/slides/slide142.xml><?xml version="1.0" encoding="utf-8"?>
+<file path=ppt/slides/slide143.xml><?xml version="1.0" encoding="utf-8"?>
 <p:sld xmlns:a="http://schemas.openxmlformats.org/drawingml/2006/main" xmlns:r="http://schemas.openxmlformats.org/officeDocument/2006/relationships" xmlns:p="http://schemas.openxmlformats.org/presentationml/2006/main">
   <p:cSld>
     <p:spTree>
@@ -39506,7 +39644,7 @@
 </p:sld>
 </file>
 
-<file path=ppt/slides/slide143.xml><?xml version="1.0" encoding="utf-8"?>
+<file path=ppt/slides/slide144.xml><?xml version="1.0" encoding="utf-8"?>
 <p:sld xmlns:a="http://schemas.openxmlformats.org/drawingml/2006/main" xmlns:r="http://schemas.openxmlformats.org/officeDocument/2006/relationships" xmlns:p="http://schemas.openxmlformats.org/presentationml/2006/main">
   <p:cSld>
     <p:spTree>
@@ -39650,7 +39788,7 @@
 </p:sld>
 </file>
 
-<file path=ppt/slides/slide144.xml><?xml version="1.0" encoding="utf-8"?>
+<file path=ppt/slides/slide145.xml><?xml version="1.0" encoding="utf-8"?>
 <p:sld xmlns:a="http://schemas.openxmlformats.org/drawingml/2006/main" xmlns:r="http://schemas.openxmlformats.org/officeDocument/2006/relationships" xmlns:p="http://schemas.openxmlformats.org/presentationml/2006/main">
   <p:cSld>
     <p:spTree>
@@ -39806,7 +39944,7 @@
 </p:sld>
 </file>
 
-<file path=ppt/slides/slide145.xml><?xml version="1.0" encoding="utf-8"?>
+<file path=ppt/slides/slide146.xml><?xml version="1.0" encoding="utf-8"?>
 <p:sld xmlns:a="http://schemas.openxmlformats.org/drawingml/2006/main" xmlns:r="http://schemas.openxmlformats.org/officeDocument/2006/relationships" xmlns:p="http://schemas.openxmlformats.org/presentationml/2006/main">
   <p:cSld>
     <p:spTree>
@@ -39943,7 +40081,7 @@
 </p:sld>
 </file>
 
-<file path=ppt/slides/slide146.xml><?xml version="1.0" encoding="utf-8"?>
+<file path=ppt/slides/slide147.xml><?xml version="1.0" encoding="utf-8"?>
 <p:sld xmlns:a="http://schemas.openxmlformats.org/drawingml/2006/main" xmlns:r="http://schemas.openxmlformats.org/officeDocument/2006/relationships" xmlns:p="http://schemas.openxmlformats.org/presentationml/2006/main">
   <p:cSld>
     <p:spTree>
@@ -40085,7 +40223,7 @@
 </p:sld>
 </file>
 
-<file path=ppt/slides/slide147.xml><?xml version="1.0" encoding="utf-8"?>
+<file path=ppt/slides/slide148.xml><?xml version="1.0" encoding="utf-8"?>
 <p:sld xmlns:a="http://schemas.openxmlformats.org/drawingml/2006/main" xmlns:r="http://schemas.openxmlformats.org/officeDocument/2006/relationships" xmlns:p="http://schemas.openxmlformats.org/presentationml/2006/main">
   <p:cSld>
     <p:spTree>
@@ -40226,7 +40364,7 @@
 </p:sld>
 </file>
 
-<file path=ppt/slides/slide148.xml><?xml version="1.0" encoding="utf-8"?>
+<file path=ppt/slides/slide149.xml><?xml version="1.0" encoding="utf-8"?>
 <p:sld xmlns:a="http://schemas.openxmlformats.org/drawingml/2006/main" xmlns:r="http://schemas.openxmlformats.org/officeDocument/2006/relationships" xmlns:p="http://schemas.openxmlformats.org/presentationml/2006/main">
   <p:cSld>
     <p:spTree>
@@ -40386,190 +40524,6 @@
 </p:sld>
 </file>
 
-<file path=ppt/slides/slide149.xml><?xml version="1.0" encoding="utf-8"?>
-<p:sld xmlns:a="http://schemas.openxmlformats.org/drawingml/2006/main" xmlns:r="http://schemas.openxmlformats.org/officeDocument/2006/relationships" xmlns:p="http://schemas.openxmlformats.org/presentationml/2006/main">
-  <p:cSld>
-    <p:spTree>
-      <p:nvGrpSpPr>
-        <p:cNvPr id="1" name=""/>
-        <p:cNvGrpSpPr/>
-        <p:nvPr/>
-      </p:nvGrpSpPr>
-      <p:grpSpPr>
-        <a:xfrm>
-          <a:off x="0" y="0"/>
-          <a:ext cx="0" cy="0"/>
-          <a:chOff x="0" y="0"/>
-          <a:chExt cx="0" cy="0"/>
-        </a:xfrm>
-      </p:grpSpPr>
-      <p:sp>
-        <p:nvSpPr>
-          <p:cNvPr id="2" name="Title 1">
-            <a:extLst>
-              <a:ext uri="{FF2B5EF4-FFF2-40B4-BE49-F238E27FC236}">
-                <a16:creationId xmlns:a16="http://schemas.microsoft.com/office/drawing/2014/main" id="{1428FE6B-A844-4B4E-9A09-DCC5558672AA}"/>
-              </a:ext>
-            </a:extLst>
-          </p:cNvPr>
-          <p:cNvSpPr>
-            <a:spLocks noGrp="1"/>
-          </p:cNvSpPr>
-          <p:nvPr>
-            <p:ph type="title"/>
-          </p:nvPr>
-        </p:nvSpPr>
-        <p:spPr/>
-        <p:txBody>
-          <a:bodyPr/>
-          <a:lstStyle/>
-          <a:p>
-            <a:r>
-              <a:rPr lang="en-US" dirty="0"/>
-              <a:t>Double Free – Solution (again)</a:t>
-            </a:r>
-          </a:p>
-        </p:txBody>
-      </p:sp>
-      <p:sp>
-        <p:nvSpPr>
-          <p:cNvPr id="4" name="Content Placeholder 2">
-            <a:extLst>
-              <a:ext uri="{FF2B5EF4-FFF2-40B4-BE49-F238E27FC236}">
-                <a16:creationId xmlns:a16="http://schemas.microsoft.com/office/drawing/2014/main" id="{3B238808-171A-7646-A4D3-46EDF4528CAE}"/>
-              </a:ext>
-            </a:extLst>
-          </p:cNvPr>
-          <p:cNvSpPr>
-            <a:spLocks noGrp="1"/>
-          </p:cNvSpPr>
-          <p:nvPr>
-            <p:ph idx="1"/>
-          </p:nvPr>
-        </p:nvSpPr>
-        <p:spPr>
-          <a:xfrm>
-            <a:off x="628650" y="1236541"/>
-            <a:ext cx="8355094" cy="3263504"/>
-          </a:xfrm>
-        </p:spPr>
-        <p:txBody>
-          <a:bodyPr>
-            <a:normAutofit/>
-          </a:bodyPr>
-          <a:lstStyle/>
-          <a:p>
-            <a:r>
-              <a:rPr lang="en-US" dirty="0"/>
-              <a:t>Create User </a:t>
-            </a:r>
-            <a:r>
-              <a:rPr lang="en-US" dirty="0">
-                <a:sym typeface="Wingdings" pitchFamily="2" charset="2"/>
-              </a:rPr>
-              <a:t> Allocates a malloc chunk</a:t>
-            </a:r>
-            <a:endParaRPr lang="en-US" dirty="0"/>
-          </a:p>
-          <a:p>
-            <a:r>
-              <a:rPr lang="en-US" dirty="0"/>
-              <a:t>Reset User </a:t>
-            </a:r>
-            <a:r>
-              <a:rPr lang="en-US" dirty="0">
-                <a:sym typeface="Wingdings" pitchFamily="2" charset="2"/>
-              </a:rPr>
-              <a:t> Frees a malloc chunk</a:t>
-            </a:r>
-          </a:p>
-          <a:p>
-            <a:r>
-              <a:rPr lang="en-US" dirty="0"/>
-              <a:t>Reset User </a:t>
-            </a:r>
-            <a:r>
-              <a:rPr lang="en-US" dirty="0">
-                <a:sym typeface="Wingdings" pitchFamily="2" charset="2"/>
-              </a:rPr>
-              <a:t> Frees a malloc chunk</a:t>
-            </a:r>
-          </a:p>
-          <a:p>
-            <a:r>
-              <a:rPr lang="en-US" dirty="0"/>
-              <a:t>Create User </a:t>
-            </a:r>
-            <a:r>
-              <a:rPr lang="en-US" dirty="0">
-                <a:sym typeface="Wingdings" pitchFamily="2" charset="2"/>
-              </a:rPr>
-              <a:t> Allocates a malloc chunk (1 still in bin)</a:t>
-            </a:r>
-            <a:endParaRPr lang="en-US" dirty="0"/>
-          </a:p>
-          <a:p>
-            <a:r>
-              <a:rPr lang="en-US" dirty="0"/>
-              <a:t>Play </a:t>
-            </a:r>
-            <a:r>
-              <a:rPr lang="en-US" dirty="0">
-                <a:sym typeface="Wingdings" pitchFamily="2" charset="2"/>
-              </a:rPr>
-              <a:t> Allocates a malloc chunk (uses same chunk as previous allocation) </a:t>
-            </a:r>
-          </a:p>
-          <a:p>
-            <a:r>
-              <a:rPr lang="en-US" dirty="0"/>
-              <a:t>Win </a:t>
-            </a:r>
-            <a:r>
-              <a:rPr lang="en-US" dirty="0">
-                <a:sym typeface="Wingdings" pitchFamily="2" charset="2"/>
-              </a:rPr>
-              <a:t> Score is at </a:t>
-            </a:r>
-            <a:r>
-              <a:rPr lang="en-US" b="1" i="1" dirty="0">
-                <a:sym typeface="Wingdings" pitchFamily="2" charset="2"/>
-              </a:rPr>
-              <a:t>103</a:t>
-            </a:r>
-            <a:r>
-              <a:rPr lang="en-US" b="1" dirty="0">
-                <a:sym typeface="Wingdings" pitchFamily="2" charset="2"/>
-              </a:rPr>
-              <a:t> </a:t>
-            </a:r>
-            <a:r>
-              <a:rPr lang="en-US" dirty="0">
-                <a:sym typeface="Wingdings" pitchFamily="2" charset="2"/>
-              </a:rPr>
-              <a:t>from the ‘play’ calculations</a:t>
-            </a:r>
-            <a:endParaRPr lang="en-US" dirty="0"/>
-          </a:p>
-          <a:p>
-            <a:pPr lvl="1"/>
-            <a:endParaRPr lang="en-US" dirty="0"/>
-          </a:p>
-        </p:txBody>
-      </p:sp>
-    </p:spTree>
-    <p:extLst>
-      <p:ext uri="{BB962C8B-B14F-4D97-AF65-F5344CB8AC3E}">
-        <p14:creationId xmlns:p14="http://schemas.microsoft.com/office/powerpoint/2010/main" val="3921223547"/>
-      </p:ext>
-    </p:extLst>
-  </p:cSld>
-  <p:clrMapOvr>
-    <a:masterClrMapping/>
-  </p:clrMapOvr>
-</p:sld>
-</file>
-
 <file path=ppt/slides/slide15.xml><?xml version="1.0" encoding="utf-8"?>
 <p:sld xmlns:a="http://schemas.openxmlformats.org/drawingml/2006/main" xmlns:r="http://schemas.openxmlformats.org/officeDocument/2006/relationships" xmlns:p="http://schemas.openxmlformats.org/presentationml/2006/main" show="0">
   <p:cSld>
@@ -40732,7 +40686,7 @@
           <p:cNvPr id="2" name="Title 1">
             <a:extLst>
               <a:ext uri="{FF2B5EF4-FFF2-40B4-BE49-F238E27FC236}">
-                <a16:creationId xmlns:a16="http://schemas.microsoft.com/office/drawing/2014/main" id="{DEA2737F-EFA2-CC46-BEF5-D2B3628E914F}"/>
+                <a16:creationId xmlns:a16="http://schemas.microsoft.com/office/drawing/2014/main" id="{1428FE6B-A844-4B4E-9A09-DCC5558672AA}"/>
               </a:ext>
             </a:extLst>
           </p:cNvPr>
@@ -40750,17 +40704,17 @@
           <a:p>
             <a:r>
               <a:rPr lang="en-US" dirty="0"/>
-              <a:t>Double Free - Troubles</a:t>
+              <a:t>Double Free – Solution (again)</a:t>
             </a:r>
           </a:p>
         </p:txBody>
       </p:sp>
       <p:sp>
         <p:nvSpPr>
-          <p:cNvPr id="3" name="Content Placeholder 2">
+          <p:cNvPr id="4" name="Content Placeholder 2">
             <a:extLst>
               <a:ext uri="{FF2B5EF4-FFF2-40B4-BE49-F238E27FC236}">
-                <a16:creationId xmlns:a16="http://schemas.microsoft.com/office/drawing/2014/main" id="{A4F5349A-E78F-8A49-BD45-94CAB9C85215}"/>
+                <a16:creationId xmlns:a16="http://schemas.microsoft.com/office/drawing/2014/main" id="{3B238808-171A-7646-A4D3-46EDF4528CAE}"/>
               </a:ext>
             </a:extLst>
           </p:cNvPr>
@@ -40771,54 +40725,120 @@
             <p:ph idx="1"/>
           </p:nvPr>
         </p:nvSpPr>
-        <p:spPr/>
+        <p:spPr>
+          <a:xfrm>
+            <a:off x="628650" y="1236541"/>
+            <a:ext cx="8355094" cy="3263504"/>
+          </a:xfrm>
+        </p:spPr>
         <p:txBody>
-          <a:bodyPr/>
+          <a:bodyPr>
+            <a:normAutofit/>
+          </a:bodyPr>
           <a:lstStyle/>
           <a:p>
             <a:r>
-              <a:rPr lang="en-US" dirty="0" err="1"/>
-              <a:t>GLibC</a:t>
-            </a:r>
-            <a:r>
-              <a:rPr lang="en-US" dirty="0"/>
-              <a:t> Malloc has hardened protections against Double Free bugs</a:t>
-            </a:r>
-          </a:p>
-          <a:p>
-            <a:r>
-              <a:rPr lang="en-US" dirty="0"/>
-              <a:t>All bins (besides </a:t>
-            </a:r>
-            <a:r>
-              <a:rPr lang="en-US" dirty="0" err="1"/>
-              <a:t>Tcache</a:t>
-            </a:r>
-            <a:r>
-              <a:rPr lang="en-US" dirty="0"/>
-              <a:t> 2.26-2.28) have double free protections</a:t>
-            </a:r>
+              <a:rPr lang="en-US" dirty="0"/>
+              <a:t>Create User </a:t>
+            </a:r>
+            <a:r>
+              <a:rPr lang="en-US" dirty="0">
+                <a:sym typeface="Wingdings" pitchFamily="2" charset="2"/>
+              </a:rPr>
+              <a:t> Allocates a malloc chunk</a:t>
+            </a:r>
+            <a:endParaRPr lang="en-US" dirty="0"/>
+          </a:p>
+          <a:p>
+            <a:r>
+              <a:rPr lang="en-US" dirty="0"/>
+              <a:t>Reset User </a:t>
+            </a:r>
+            <a:r>
+              <a:rPr lang="en-US" dirty="0">
+                <a:sym typeface="Wingdings" pitchFamily="2" charset="2"/>
+              </a:rPr>
+              <a:t> Frees a malloc chunk</a:t>
+            </a:r>
+          </a:p>
+          <a:p>
+            <a:r>
+              <a:rPr lang="en-US" dirty="0"/>
+              <a:t>Reset User </a:t>
+            </a:r>
+            <a:r>
+              <a:rPr lang="en-US" dirty="0">
+                <a:sym typeface="Wingdings" pitchFamily="2" charset="2"/>
+              </a:rPr>
+              <a:t> Frees a malloc chunk</a:t>
+            </a:r>
+          </a:p>
+          <a:p>
+            <a:r>
+              <a:rPr lang="en-US" dirty="0"/>
+              <a:t>Create User </a:t>
+            </a:r>
+            <a:r>
+              <a:rPr lang="en-US" dirty="0">
+                <a:sym typeface="Wingdings" pitchFamily="2" charset="2"/>
+              </a:rPr>
+              <a:t> Allocates a malloc chunk (1 still in bin)</a:t>
+            </a:r>
+            <a:endParaRPr lang="en-US" dirty="0"/>
+          </a:p>
+          <a:p>
+            <a:r>
+              <a:rPr lang="en-US" dirty="0"/>
+              <a:t>Play </a:t>
+            </a:r>
+            <a:r>
+              <a:rPr lang="en-US" dirty="0">
+                <a:sym typeface="Wingdings" pitchFamily="2" charset="2"/>
+              </a:rPr>
+              <a:t> Allocates a malloc chunk (uses same chunk as previous allocation) </a:t>
+            </a:r>
+          </a:p>
+          <a:p>
+            <a:r>
+              <a:rPr lang="en-US" dirty="0"/>
+              <a:t>Win </a:t>
+            </a:r>
+            <a:r>
+              <a:rPr lang="en-US" dirty="0">
+                <a:sym typeface="Wingdings" pitchFamily="2" charset="2"/>
+              </a:rPr>
+              <a:t> Score is at </a:t>
+            </a:r>
+            <a:r>
+              <a:rPr lang="en-US" b="1" i="1" dirty="0">
+                <a:sym typeface="Wingdings" pitchFamily="2" charset="2"/>
+              </a:rPr>
+              <a:t>103</a:t>
+            </a:r>
+            <a:r>
+              <a:rPr lang="en-US" b="1" dirty="0">
+                <a:sym typeface="Wingdings" pitchFamily="2" charset="2"/>
+              </a:rPr>
+              <a:t> </a:t>
+            </a:r>
+            <a:r>
+              <a:rPr lang="en-US" dirty="0">
+                <a:sym typeface="Wingdings" pitchFamily="2" charset="2"/>
+              </a:rPr>
+              <a:t>from the ‘play’ calculations</a:t>
+            </a:r>
+            <a:endParaRPr lang="en-US" dirty="0"/>
           </a:p>
           <a:p>
             <a:pPr lvl="1"/>
-            <a:r>
-              <a:rPr lang="en-US" dirty="0"/>
-              <a:t>Only protect against two chunks in a bin at the same time</a:t>
-            </a:r>
-          </a:p>
-          <a:p>
-            <a:pPr lvl="1"/>
-            <a:r>
-              <a:rPr lang="en-US" dirty="0"/>
-              <a:t>But, there are some bypasses!</a:t>
-            </a:r>
+            <a:endParaRPr lang="en-US" dirty="0"/>
           </a:p>
         </p:txBody>
       </p:sp>
     </p:spTree>
     <p:extLst>
       <p:ext uri="{BB962C8B-B14F-4D97-AF65-F5344CB8AC3E}">
-        <p14:creationId xmlns:p14="http://schemas.microsoft.com/office/powerpoint/2010/main" val="206295773"/>
+        <p14:creationId xmlns:p14="http://schemas.microsoft.com/office/powerpoint/2010/main" val="3921223547"/>
       </p:ext>
     </p:extLst>
   </p:cSld>
@@ -40868,7 +40888,7 @@
           <a:p>
             <a:r>
               <a:rPr lang="en-US" dirty="0"/>
-              <a:t>Double Free – Attack #2 </a:t>
+              <a:t>Double Free - Troubles</a:t>
             </a:r>
           </a:p>
         </p:txBody>
@@ -40895,6 +40915,124 @@
           <a:lstStyle/>
           <a:p>
             <a:r>
+              <a:rPr lang="en-US" dirty="0" err="1"/>
+              <a:t>GLibC</a:t>
+            </a:r>
+            <a:r>
+              <a:rPr lang="en-US" dirty="0"/>
+              <a:t> Malloc has hardened protections against Double Free bugs</a:t>
+            </a:r>
+          </a:p>
+          <a:p>
+            <a:r>
+              <a:rPr lang="en-US" dirty="0"/>
+              <a:t>All bins (besides </a:t>
+            </a:r>
+            <a:r>
+              <a:rPr lang="en-US" dirty="0" err="1"/>
+              <a:t>Tcache</a:t>
+            </a:r>
+            <a:r>
+              <a:rPr lang="en-US" dirty="0"/>
+              <a:t> 2.26-2.28) have double free protections</a:t>
+            </a:r>
+          </a:p>
+          <a:p>
+            <a:pPr lvl="1"/>
+            <a:r>
+              <a:rPr lang="en-US" dirty="0"/>
+              <a:t>Only protect against two chunks in a bin at the same time</a:t>
+            </a:r>
+          </a:p>
+          <a:p>
+            <a:pPr lvl="1"/>
+            <a:r>
+              <a:rPr lang="en-US" dirty="0"/>
+              <a:t>But, there are some bypasses!</a:t>
+            </a:r>
+          </a:p>
+        </p:txBody>
+      </p:sp>
+    </p:spTree>
+    <p:extLst>
+      <p:ext uri="{BB962C8B-B14F-4D97-AF65-F5344CB8AC3E}">
+        <p14:creationId xmlns:p14="http://schemas.microsoft.com/office/powerpoint/2010/main" val="206295773"/>
+      </p:ext>
+    </p:extLst>
+  </p:cSld>
+  <p:clrMapOvr>
+    <a:masterClrMapping/>
+  </p:clrMapOvr>
+</p:sld>
+</file>
+
+<file path=ppt/slides/slide152.xml><?xml version="1.0" encoding="utf-8"?>
+<p:sld xmlns:a="http://schemas.openxmlformats.org/drawingml/2006/main" xmlns:r="http://schemas.openxmlformats.org/officeDocument/2006/relationships" xmlns:p="http://schemas.openxmlformats.org/presentationml/2006/main">
+  <p:cSld>
+    <p:spTree>
+      <p:nvGrpSpPr>
+        <p:cNvPr id="1" name=""/>
+        <p:cNvGrpSpPr/>
+        <p:nvPr/>
+      </p:nvGrpSpPr>
+      <p:grpSpPr>
+        <a:xfrm>
+          <a:off x="0" y="0"/>
+          <a:ext cx="0" cy="0"/>
+          <a:chOff x="0" y="0"/>
+          <a:chExt cx="0" cy="0"/>
+        </a:xfrm>
+      </p:grpSpPr>
+      <p:sp>
+        <p:nvSpPr>
+          <p:cNvPr id="2" name="Title 1">
+            <a:extLst>
+              <a:ext uri="{FF2B5EF4-FFF2-40B4-BE49-F238E27FC236}">
+                <a16:creationId xmlns:a16="http://schemas.microsoft.com/office/drawing/2014/main" id="{DEA2737F-EFA2-CC46-BEF5-D2B3628E914F}"/>
+              </a:ext>
+            </a:extLst>
+          </p:cNvPr>
+          <p:cNvSpPr>
+            <a:spLocks noGrp="1"/>
+          </p:cNvSpPr>
+          <p:nvPr>
+            <p:ph type="title"/>
+          </p:nvPr>
+        </p:nvSpPr>
+        <p:spPr/>
+        <p:txBody>
+          <a:bodyPr/>
+          <a:lstStyle/>
+          <a:p>
+            <a:r>
+              <a:rPr lang="en-US" dirty="0"/>
+              <a:t>Double Free – Attack #2 </a:t>
+            </a:r>
+          </a:p>
+        </p:txBody>
+      </p:sp>
+      <p:sp>
+        <p:nvSpPr>
+          <p:cNvPr id="3" name="Content Placeholder 2">
+            <a:extLst>
+              <a:ext uri="{FF2B5EF4-FFF2-40B4-BE49-F238E27FC236}">
+                <a16:creationId xmlns:a16="http://schemas.microsoft.com/office/drawing/2014/main" id="{A4F5349A-E78F-8A49-BD45-94CAB9C85215}"/>
+              </a:ext>
+            </a:extLst>
+          </p:cNvPr>
+          <p:cNvSpPr>
+            <a:spLocks noGrp="1"/>
+          </p:cNvSpPr>
+          <p:nvPr>
+            <p:ph idx="1"/>
+          </p:nvPr>
+        </p:nvSpPr>
+        <p:spPr/>
+        <p:txBody>
+          <a:bodyPr/>
+          <a:lstStyle/>
+          <a:p>
+            <a:r>
               <a:rPr lang="en-US" i="1" dirty="0"/>
               <a:t>Free</a:t>
             </a:r>
@@ -40958,7 +41096,7 @@
 </p:sld>
 </file>
 
-<file path=ppt/slides/slide152.xml><?xml version="1.0" encoding="utf-8"?>
+<file path=ppt/slides/slide153.xml><?xml version="1.0" encoding="utf-8"?>
 <p:sld xmlns:a="http://schemas.openxmlformats.org/drawingml/2006/main" xmlns:r="http://schemas.openxmlformats.org/officeDocument/2006/relationships" xmlns:p="http://schemas.openxmlformats.org/presentationml/2006/main">
   <p:cSld>
     <p:spTree>
@@ -41097,7 +41235,7 @@
 </p:sld>
 </file>
 
-<file path=ppt/slides/slide153.xml><?xml version="1.0" encoding="utf-8"?>
+<file path=ppt/slides/slide154.xml><?xml version="1.0" encoding="utf-8"?>
 <p:sld xmlns:a="http://schemas.openxmlformats.org/drawingml/2006/main" xmlns:r="http://schemas.openxmlformats.org/officeDocument/2006/relationships" xmlns:p="http://schemas.openxmlformats.org/presentationml/2006/main">
   <p:cSld>
     <p:spTree>
@@ -51219,6 +51357,446 @@
           <p:cNvPr id="2" name="Title 1">
             <a:extLst>
               <a:ext uri="{FF2B5EF4-FFF2-40B4-BE49-F238E27FC236}">
+                <a16:creationId xmlns:a16="http://schemas.microsoft.com/office/drawing/2014/main" id="{42E6C4A5-9270-D545-8DA4-524042E4F88B}"/>
+              </a:ext>
+            </a:extLst>
+          </p:cNvPr>
+          <p:cNvSpPr>
+            <a:spLocks noGrp="1"/>
+          </p:cNvSpPr>
+          <p:nvPr>
+            <p:ph type="title"/>
+          </p:nvPr>
+        </p:nvSpPr>
+        <p:spPr/>
+        <p:txBody>
+          <a:bodyPr/>
+          <a:lstStyle/>
+          <a:p>
+            <a:endParaRPr lang="en-US"/>
+          </a:p>
+        </p:txBody>
+      </p:sp>
+      <p:sp>
+        <p:nvSpPr>
+          <p:cNvPr id="3" name="Content Placeholder 2">
+            <a:extLst>
+              <a:ext uri="{FF2B5EF4-FFF2-40B4-BE49-F238E27FC236}">
+                <a16:creationId xmlns:a16="http://schemas.microsoft.com/office/drawing/2014/main" id="{3206EB48-A1DD-2540-9FDE-2F500CBD2015}"/>
+              </a:ext>
+            </a:extLst>
+          </p:cNvPr>
+          <p:cNvSpPr>
+            <a:spLocks noGrp="1"/>
+          </p:cNvSpPr>
+          <p:nvPr>
+            <p:ph idx="1"/>
+          </p:nvPr>
+        </p:nvSpPr>
+        <p:spPr/>
+        <p:txBody>
+          <a:bodyPr/>
+          <a:lstStyle/>
+          <a:p>
+            <a:endParaRPr lang="en-US" dirty="0"/>
+          </a:p>
+        </p:txBody>
+      </p:sp>
+      <p:sp>
+        <p:nvSpPr>
+          <p:cNvPr id="4" name="Rectangle 3">
+            <a:extLst>
+              <a:ext uri="{FF2B5EF4-FFF2-40B4-BE49-F238E27FC236}">
+                <a16:creationId xmlns:a16="http://schemas.microsoft.com/office/drawing/2014/main" id="{9D43FDF8-CCE0-4649-8E0A-0E46817F602F}"/>
+              </a:ext>
+            </a:extLst>
+          </p:cNvPr>
+          <p:cNvSpPr/>
+          <p:nvPr/>
+        </p:nvSpPr>
+        <p:spPr>
+          <a:xfrm>
+            <a:off x="845211" y="1624811"/>
+            <a:ext cx="1031444" cy="991667"/>
+          </a:xfrm>
+          <a:prstGeom prst="rect">
+            <a:avLst/>
+          </a:prstGeom>
+        </p:spPr>
+        <p:style>
+          <a:lnRef idx="2">
+            <a:schemeClr val="accent1">
+              <a:shade val="50000"/>
+            </a:schemeClr>
+          </a:lnRef>
+          <a:fillRef idx="1">
+            <a:schemeClr val="accent1"/>
+          </a:fillRef>
+          <a:effectRef idx="0">
+            <a:schemeClr val="accent1"/>
+          </a:effectRef>
+          <a:fontRef idx="minor">
+            <a:schemeClr val="lt1"/>
+          </a:fontRef>
+        </p:style>
+        <p:txBody>
+          <a:bodyPr rtlCol="0" anchor="ctr"/>
+          <a:lstStyle/>
+          <a:p>
+            <a:pPr algn="ctr"/>
+            <a:r>
+              <a:rPr lang="en-US" dirty="0"/>
+              <a:t>0x100</a:t>
+            </a:r>
+          </a:p>
+        </p:txBody>
+      </p:sp>
+      <p:sp>
+        <p:nvSpPr>
+          <p:cNvPr id="6" name="Rectangle 5">
+            <a:extLst>
+              <a:ext uri="{FF2B5EF4-FFF2-40B4-BE49-F238E27FC236}">
+                <a16:creationId xmlns:a16="http://schemas.microsoft.com/office/drawing/2014/main" id="{FECA98ED-8ABF-7B4B-AF41-6B51FC04A672}"/>
+              </a:ext>
+            </a:extLst>
+          </p:cNvPr>
+          <p:cNvSpPr/>
+          <p:nvPr/>
+        </p:nvSpPr>
+        <p:spPr>
+          <a:xfrm>
+            <a:off x="2509112" y="1623208"/>
+            <a:ext cx="1031444" cy="991667"/>
+          </a:xfrm>
+          <a:prstGeom prst="rect">
+            <a:avLst/>
+          </a:prstGeom>
+        </p:spPr>
+        <p:style>
+          <a:lnRef idx="2">
+            <a:schemeClr val="accent1">
+              <a:shade val="50000"/>
+            </a:schemeClr>
+          </a:lnRef>
+          <a:fillRef idx="1">
+            <a:schemeClr val="accent1"/>
+          </a:fillRef>
+          <a:effectRef idx="0">
+            <a:schemeClr val="accent1"/>
+          </a:effectRef>
+          <a:fontRef idx="minor">
+            <a:schemeClr val="lt1"/>
+          </a:fontRef>
+        </p:style>
+        <p:txBody>
+          <a:bodyPr rtlCol="0" anchor="ctr"/>
+          <a:lstStyle/>
+          <a:p>
+            <a:pPr algn="ctr"/>
+            <a:r>
+              <a:rPr lang="en-US" dirty="0"/>
+              <a:t>0x100</a:t>
+            </a:r>
+          </a:p>
+        </p:txBody>
+      </p:sp>
+      <p:sp>
+        <p:nvSpPr>
+          <p:cNvPr id="8" name="Rectangle 7">
+            <a:extLst>
+              <a:ext uri="{FF2B5EF4-FFF2-40B4-BE49-F238E27FC236}">
+                <a16:creationId xmlns:a16="http://schemas.microsoft.com/office/drawing/2014/main" id="{DE28F3A8-1724-2746-9CBB-61305754DFC0}"/>
+              </a:ext>
+            </a:extLst>
+          </p:cNvPr>
+          <p:cNvSpPr/>
+          <p:nvPr/>
+        </p:nvSpPr>
+        <p:spPr>
+          <a:xfrm>
+            <a:off x="4885334" y="1580083"/>
+            <a:ext cx="1031444" cy="991667"/>
+          </a:xfrm>
+          <a:prstGeom prst="rect">
+            <a:avLst/>
+          </a:prstGeom>
+        </p:spPr>
+        <p:style>
+          <a:lnRef idx="2">
+            <a:schemeClr val="accent1">
+              <a:shade val="50000"/>
+            </a:schemeClr>
+          </a:lnRef>
+          <a:fillRef idx="1">
+            <a:schemeClr val="accent1"/>
+          </a:fillRef>
+          <a:effectRef idx="0">
+            <a:schemeClr val="accent1"/>
+          </a:effectRef>
+          <a:fontRef idx="minor">
+            <a:schemeClr val="lt1"/>
+          </a:fontRef>
+        </p:style>
+        <p:txBody>
+          <a:bodyPr rtlCol="0" anchor="ctr"/>
+          <a:lstStyle/>
+          <a:p>
+            <a:pPr algn="ctr"/>
+            <a:r>
+              <a:rPr lang="en-US" dirty="0"/>
+              <a:t>0x100</a:t>
+            </a:r>
+          </a:p>
+        </p:txBody>
+      </p:sp>
+      <p:sp>
+        <p:nvSpPr>
+          <p:cNvPr id="9" name="Rectangle 8">
+            <a:extLst>
+              <a:ext uri="{FF2B5EF4-FFF2-40B4-BE49-F238E27FC236}">
+                <a16:creationId xmlns:a16="http://schemas.microsoft.com/office/drawing/2014/main" id="{B5C511D7-ABD6-7842-8890-7368E0FE90CE}"/>
+              </a:ext>
+            </a:extLst>
+          </p:cNvPr>
+          <p:cNvSpPr/>
+          <p:nvPr/>
+        </p:nvSpPr>
+        <p:spPr>
+          <a:xfrm>
+            <a:off x="7064957" y="1580083"/>
+            <a:ext cx="1031444" cy="991667"/>
+          </a:xfrm>
+          <a:prstGeom prst="rect">
+            <a:avLst/>
+          </a:prstGeom>
+        </p:spPr>
+        <p:style>
+          <a:lnRef idx="2">
+            <a:schemeClr val="accent1">
+              <a:shade val="50000"/>
+            </a:schemeClr>
+          </a:lnRef>
+          <a:fillRef idx="1">
+            <a:schemeClr val="accent1"/>
+          </a:fillRef>
+          <a:effectRef idx="0">
+            <a:schemeClr val="accent1"/>
+          </a:effectRef>
+          <a:fontRef idx="minor">
+            <a:schemeClr val="lt1"/>
+          </a:fontRef>
+        </p:style>
+        <p:txBody>
+          <a:bodyPr rtlCol="0" anchor="ctr"/>
+          <a:lstStyle/>
+          <a:p>
+            <a:pPr algn="ctr"/>
+            <a:r>
+              <a:rPr lang="en-US" dirty="0"/>
+              <a:t>0x120</a:t>
+            </a:r>
+          </a:p>
+        </p:txBody>
+      </p:sp>
+      <p:cxnSp>
+        <p:nvCxnSpPr>
+          <p:cNvPr id="11" name="Straight Arrow Connector 10">
+            <a:extLst>
+              <a:ext uri="{FF2B5EF4-FFF2-40B4-BE49-F238E27FC236}">
+                <a16:creationId xmlns:a16="http://schemas.microsoft.com/office/drawing/2014/main" id="{7CA7636D-03F3-3345-A8F6-9FDC056493E2}"/>
+              </a:ext>
+            </a:extLst>
+          </p:cNvPr>
+          <p:cNvCxnSpPr>
+            <a:cxnSpLocks/>
+          </p:cNvCxnSpPr>
+          <p:nvPr/>
+        </p:nvCxnSpPr>
+        <p:spPr>
+          <a:xfrm>
+            <a:off x="1796188" y="2119041"/>
+            <a:ext cx="559306" cy="0"/>
+          </a:xfrm>
+          <a:prstGeom prst="straightConnector1">
+            <a:avLst/>
+          </a:prstGeom>
+          <a:ln>
+            <a:tailEnd type="triangle"/>
+          </a:ln>
+        </p:spPr>
+        <p:style>
+          <a:lnRef idx="1">
+            <a:schemeClr val="accent1"/>
+          </a:lnRef>
+          <a:fillRef idx="0">
+            <a:schemeClr val="accent1"/>
+          </a:fillRef>
+          <a:effectRef idx="0">
+            <a:schemeClr val="accent1"/>
+          </a:effectRef>
+          <a:fontRef idx="minor">
+            <a:schemeClr val="tx1"/>
+          </a:fontRef>
+        </p:style>
+      </p:cxnSp>
+      <p:cxnSp>
+        <p:nvCxnSpPr>
+          <p:cNvPr id="13" name="Straight Arrow Connector 12">
+            <a:extLst>
+              <a:ext uri="{FF2B5EF4-FFF2-40B4-BE49-F238E27FC236}">
+                <a16:creationId xmlns:a16="http://schemas.microsoft.com/office/drawing/2014/main" id="{0C544B26-8A93-2F45-BA83-504B64DA7A0A}"/>
+              </a:ext>
+            </a:extLst>
+          </p:cNvPr>
+          <p:cNvCxnSpPr>
+            <a:cxnSpLocks/>
+          </p:cNvCxnSpPr>
+          <p:nvPr/>
+        </p:nvCxnSpPr>
+        <p:spPr>
+          <a:xfrm>
+            <a:off x="3540556" y="2075916"/>
+            <a:ext cx="559306" cy="0"/>
+          </a:xfrm>
+          <a:prstGeom prst="straightConnector1">
+            <a:avLst/>
+          </a:prstGeom>
+          <a:ln>
+            <a:tailEnd type="triangle"/>
+          </a:ln>
+        </p:spPr>
+        <p:style>
+          <a:lnRef idx="1">
+            <a:schemeClr val="accent1"/>
+          </a:lnRef>
+          <a:fillRef idx="0">
+            <a:schemeClr val="accent1"/>
+          </a:fillRef>
+          <a:effectRef idx="0">
+            <a:schemeClr val="accent1"/>
+          </a:effectRef>
+          <a:fontRef idx="minor">
+            <a:schemeClr val="tx1"/>
+          </a:fontRef>
+        </p:style>
+      </p:cxnSp>
+      <p:cxnSp>
+        <p:nvCxnSpPr>
+          <p:cNvPr id="14" name="Straight Arrow Connector 13">
+            <a:extLst>
+              <a:ext uri="{FF2B5EF4-FFF2-40B4-BE49-F238E27FC236}">
+                <a16:creationId xmlns:a16="http://schemas.microsoft.com/office/drawing/2014/main" id="{0D1E3CF0-B575-9A44-A74D-C4E4FFD49BF1}"/>
+              </a:ext>
+            </a:extLst>
+          </p:cNvPr>
+          <p:cNvCxnSpPr>
+            <a:cxnSpLocks/>
+          </p:cNvCxnSpPr>
+          <p:nvPr/>
+        </p:nvCxnSpPr>
+        <p:spPr>
+          <a:xfrm>
+            <a:off x="5916778" y="2075916"/>
+            <a:ext cx="559306" cy="0"/>
+          </a:xfrm>
+          <a:prstGeom prst="straightConnector1">
+            <a:avLst/>
+          </a:prstGeom>
+          <a:ln>
+            <a:tailEnd type="triangle"/>
+          </a:ln>
+        </p:spPr>
+        <p:style>
+          <a:lnRef idx="1">
+            <a:schemeClr val="accent1"/>
+          </a:lnRef>
+          <a:fillRef idx="0">
+            <a:schemeClr val="accent1"/>
+          </a:fillRef>
+          <a:effectRef idx="0">
+            <a:schemeClr val="accent1"/>
+          </a:effectRef>
+          <a:fontRef idx="minor">
+            <a:schemeClr val="tx1"/>
+          </a:fontRef>
+        </p:style>
+      </p:cxnSp>
+      <p:cxnSp>
+        <p:nvCxnSpPr>
+          <p:cNvPr id="15" name="Straight Arrow Connector 14">
+            <a:extLst>
+              <a:ext uri="{FF2B5EF4-FFF2-40B4-BE49-F238E27FC236}">
+                <a16:creationId xmlns:a16="http://schemas.microsoft.com/office/drawing/2014/main" id="{A5917545-D379-0E45-822C-26CA471D3FA9}"/>
+              </a:ext>
+            </a:extLst>
+          </p:cNvPr>
+          <p:cNvCxnSpPr>
+            <a:cxnSpLocks/>
+          </p:cNvCxnSpPr>
+          <p:nvPr/>
+        </p:nvCxnSpPr>
+        <p:spPr>
+          <a:xfrm flipV="1">
+            <a:off x="1426464" y="2571750"/>
+            <a:ext cx="5638493" cy="43125"/>
+          </a:xfrm>
+          <a:prstGeom prst="straightConnector1">
+            <a:avLst/>
+          </a:prstGeom>
+          <a:ln>
+            <a:tailEnd type="triangle"/>
+          </a:ln>
+        </p:spPr>
+        <p:style>
+          <a:lnRef idx="1">
+            <a:schemeClr val="accent1"/>
+          </a:lnRef>
+          <a:fillRef idx="0">
+            <a:schemeClr val="accent1"/>
+          </a:fillRef>
+          <a:effectRef idx="0">
+            <a:schemeClr val="accent1"/>
+          </a:effectRef>
+          <a:fontRef idx="minor">
+            <a:schemeClr val="tx1"/>
+          </a:fontRef>
+        </p:style>
+      </p:cxnSp>
+    </p:spTree>
+    <p:extLst>
+      <p:ext uri="{BB962C8B-B14F-4D97-AF65-F5344CB8AC3E}">
+        <p14:creationId xmlns:p14="http://schemas.microsoft.com/office/powerpoint/2010/main" val="1239717817"/>
+      </p:ext>
+    </p:extLst>
+  </p:cSld>
+  <p:clrMapOvr>
+    <a:masterClrMapping/>
+  </p:clrMapOvr>
+</p:sld>
+</file>
+
+<file path=ppt/slides/slide61.xml><?xml version="1.0" encoding="utf-8"?>
+<p:sld xmlns:a="http://schemas.openxmlformats.org/drawingml/2006/main" xmlns:r="http://schemas.openxmlformats.org/officeDocument/2006/relationships" xmlns:p="http://schemas.openxmlformats.org/presentationml/2006/main">
+  <p:cSld>
+    <p:spTree>
+      <p:nvGrpSpPr>
+        <p:cNvPr id="1" name=""/>
+        <p:cNvGrpSpPr/>
+        <p:nvPr/>
+      </p:nvGrpSpPr>
+      <p:grpSpPr>
+        <a:xfrm>
+          <a:off x="0" y="0"/>
+          <a:ext cx="0" cy="0"/>
+          <a:chOff x="0" y="0"/>
+          <a:chExt cx="0" cy="0"/>
+        </a:xfrm>
+      </p:grpSpPr>
+      <p:sp>
+        <p:nvSpPr>
+          <p:cNvPr id="2" name="Title 1">
+            <a:extLst>
+              <a:ext uri="{FF2B5EF4-FFF2-40B4-BE49-F238E27FC236}">
                 <a16:creationId xmlns:a16="http://schemas.microsoft.com/office/drawing/2014/main" id="{3006E188-3B17-4F4F-B337-DC903C808C7D}"/>
               </a:ext>
             </a:extLst>
@@ -51283,7 +51861,7 @@
 </p:sld>
 </file>
 
-<file path=ppt/slides/slide61.xml><?xml version="1.0" encoding="utf-8"?>
+<file path=ppt/slides/slide62.xml><?xml version="1.0" encoding="utf-8"?>
 <p:sld xmlns:a="http://schemas.openxmlformats.org/drawingml/2006/main" xmlns:r="http://schemas.openxmlformats.org/officeDocument/2006/relationships" xmlns:p="http://schemas.openxmlformats.org/presentationml/2006/main">
   <p:cSld>
     <p:spTree>
@@ -51379,7 +51957,7 @@
 </p:sld>
 </file>
 
-<file path=ppt/slides/slide62.xml><?xml version="1.0" encoding="utf-8"?>
+<file path=ppt/slides/slide63.xml><?xml version="1.0" encoding="utf-8"?>
 <p:sld xmlns:a="http://schemas.openxmlformats.org/drawingml/2006/main" xmlns:r="http://schemas.openxmlformats.org/officeDocument/2006/relationships" xmlns:p="http://schemas.openxmlformats.org/presentationml/2006/main">
   <p:cSld>
     <p:spTree>
@@ -51471,7 +52049,7 @@
 </p:sld>
 </file>
 
-<file path=ppt/slides/slide63.xml><?xml version="1.0" encoding="utf-8"?>
+<file path=ppt/slides/slide64.xml><?xml version="1.0" encoding="utf-8"?>
 <p:sld xmlns:a="http://schemas.openxmlformats.org/drawingml/2006/main" xmlns:r="http://schemas.openxmlformats.org/officeDocument/2006/relationships" xmlns:p="http://schemas.openxmlformats.org/presentationml/2006/main">
   <p:cSld>
     <p:spTree>
@@ -51594,7 +52172,7 @@
 </p:sld>
 </file>
 
-<file path=ppt/slides/slide64.xml><?xml version="1.0" encoding="utf-8"?>
+<file path=ppt/slides/slide65.xml><?xml version="1.0" encoding="utf-8"?>
 <p:sld xmlns:a="http://schemas.openxmlformats.org/drawingml/2006/main" xmlns:r="http://schemas.openxmlformats.org/officeDocument/2006/relationships" xmlns:p="http://schemas.openxmlformats.org/presentationml/2006/main">
   <p:cSld>
     <p:spTree>
@@ -51724,7 +52302,7 @@
 </p:sld>
 </file>
 
-<file path=ppt/slides/slide65.xml><?xml version="1.0" encoding="utf-8"?>
+<file path=ppt/slides/slide66.xml><?xml version="1.0" encoding="utf-8"?>
 <p:sld xmlns:a="http://schemas.openxmlformats.org/drawingml/2006/main" xmlns:r="http://schemas.openxmlformats.org/officeDocument/2006/relationships" xmlns:p="http://schemas.openxmlformats.org/presentationml/2006/main">
   <p:cSld>
     <p:spTree>
@@ -51846,7 +52424,7 @@
 </p:sld>
 </file>
 
-<file path=ppt/slides/slide66.xml><?xml version="1.0" encoding="utf-8"?>
+<file path=ppt/slides/slide67.xml><?xml version="1.0" encoding="utf-8"?>
 <p:sld xmlns:a="http://schemas.openxmlformats.org/drawingml/2006/main" xmlns:r="http://schemas.openxmlformats.org/officeDocument/2006/relationships" xmlns:p="http://schemas.openxmlformats.org/presentationml/2006/main">
   <p:cSld>
     <p:spTree>
@@ -52143,7 +52721,7 @@
 </p:sld>
 </file>
 
-<file path=ppt/slides/slide67.xml><?xml version="1.0" encoding="utf-8"?>
+<file path=ppt/slides/slide68.xml><?xml version="1.0" encoding="utf-8"?>
 <p:sld xmlns:a="http://schemas.openxmlformats.org/drawingml/2006/main" xmlns:r="http://schemas.openxmlformats.org/officeDocument/2006/relationships" xmlns:p="http://schemas.openxmlformats.org/presentationml/2006/main">
   <p:cSld>
     <p:spTree>
@@ -52429,7 +53007,7 @@
 </p:sld>
 </file>
 
-<file path=ppt/slides/slide68.xml><?xml version="1.0" encoding="utf-8"?>
+<file path=ppt/slides/slide69.xml><?xml version="1.0" encoding="utf-8"?>
 <p:sld xmlns:a="http://schemas.openxmlformats.org/drawingml/2006/main" xmlns:r="http://schemas.openxmlformats.org/officeDocument/2006/relationships" xmlns:p="http://schemas.openxmlformats.org/presentationml/2006/main">
   <p:cSld>
     <p:spTree>
@@ -52555,96 +53133,6 @@
 </p:sld>
 </file>
 
-<file path=ppt/slides/slide69.xml><?xml version="1.0" encoding="utf-8"?>
-<p:sld xmlns:a="http://schemas.openxmlformats.org/drawingml/2006/main" xmlns:r="http://schemas.openxmlformats.org/officeDocument/2006/relationships" xmlns:p="http://schemas.openxmlformats.org/presentationml/2006/main">
-  <p:cSld>
-    <p:spTree>
-      <p:nvGrpSpPr>
-        <p:cNvPr id="1" name=""/>
-        <p:cNvGrpSpPr/>
-        <p:nvPr/>
-      </p:nvGrpSpPr>
-      <p:grpSpPr>
-        <a:xfrm>
-          <a:off x="0" y="0"/>
-          <a:ext cx="0" cy="0"/>
-          <a:chOff x="0" y="0"/>
-          <a:chExt cx="0" cy="0"/>
-        </a:xfrm>
-      </p:grpSpPr>
-      <p:sp>
-        <p:nvSpPr>
-          <p:cNvPr id="2" name="Title 1">
-            <a:extLst>
-              <a:ext uri="{FF2B5EF4-FFF2-40B4-BE49-F238E27FC236}">
-                <a16:creationId xmlns:a16="http://schemas.microsoft.com/office/drawing/2014/main" id="{AD561C0D-C129-6640-BBAB-898192E3D2E5}"/>
-              </a:ext>
-            </a:extLst>
-          </p:cNvPr>
-          <p:cNvSpPr>
-            <a:spLocks noGrp="1"/>
-          </p:cNvSpPr>
-          <p:nvPr>
-            <p:ph type="title"/>
-          </p:nvPr>
-        </p:nvSpPr>
-        <p:spPr/>
-        <p:txBody>
-          <a:bodyPr/>
-          <a:lstStyle/>
-          <a:p>
-            <a:r>
-              <a:rPr lang="en-US" dirty="0"/>
-              <a:t>Added Bins</a:t>
-            </a:r>
-          </a:p>
-        </p:txBody>
-      </p:sp>
-      <p:sp>
-        <p:nvSpPr>
-          <p:cNvPr id="3" name="Text Placeholder 2">
-            <a:extLst>
-              <a:ext uri="{FF2B5EF4-FFF2-40B4-BE49-F238E27FC236}">
-                <a16:creationId xmlns:a16="http://schemas.microsoft.com/office/drawing/2014/main" id="{D95D428C-5933-B642-9A8B-52A26DFB4771}"/>
-              </a:ext>
-            </a:extLst>
-          </p:cNvPr>
-          <p:cNvSpPr>
-            <a:spLocks noGrp="1"/>
-          </p:cNvSpPr>
-          <p:nvPr>
-            <p:ph type="body" idx="1"/>
-          </p:nvPr>
-        </p:nvSpPr>
-        <p:spPr/>
-        <p:txBody>
-          <a:bodyPr/>
-          <a:lstStyle/>
-          <a:p>
-            <a:r>
-              <a:rPr lang="en-US" dirty="0" err="1"/>
-              <a:t>Fastbin</a:t>
-            </a:r>
-            <a:r>
-              <a:rPr lang="en-US" dirty="0"/>
-              <a:t> &amp; TCache</a:t>
-            </a:r>
-          </a:p>
-        </p:txBody>
-      </p:sp>
-    </p:spTree>
-    <p:extLst>
-      <p:ext uri="{BB962C8B-B14F-4D97-AF65-F5344CB8AC3E}">
-        <p14:creationId xmlns:p14="http://schemas.microsoft.com/office/powerpoint/2010/main" val="422389142"/>
-      </p:ext>
-    </p:extLst>
-  </p:cSld>
-  <p:clrMapOvr>
-    <a:masterClrMapping/>
-  </p:clrMapOvr>
-</p:sld>
-</file>
-
 <file path=ppt/slides/slide7.xml><?xml version="1.0" encoding="utf-8"?>
 <p:sld xmlns:a="http://schemas.openxmlformats.org/drawingml/2006/main" xmlns:r="http://schemas.openxmlformats.org/officeDocument/2006/relationships" xmlns:p="http://schemas.openxmlformats.org/presentationml/2006/main">
   <p:cSld>
@@ -52811,7 +53299,7 @@
           <p:cNvPr id="2" name="Title 1">
             <a:extLst>
               <a:ext uri="{FF2B5EF4-FFF2-40B4-BE49-F238E27FC236}">
-                <a16:creationId xmlns:a16="http://schemas.microsoft.com/office/drawing/2014/main" id="{1CEAB62C-8C1B-844B-B902-FB93E02CDE00}"/>
+                <a16:creationId xmlns:a16="http://schemas.microsoft.com/office/drawing/2014/main" id="{AD561C0D-C129-6640-BBAB-898192E3D2E5}"/>
               </a:ext>
             </a:extLst>
           </p:cNvPr>
@@ -52828,22 +53316,18 @@
           <a:lstStyle/>
           <a:p>
             <a:r>
-              <a:rPr lang="en-US" dirty="0" err="1"/>
-              <a:t>Fastbins</a:t>
-            </a:r>
-            <a:r>
-              <a:rPr lang="en-US" dirty="0"/>
-              <a:t> -1 </a:t>
+              <a:rPr lang="en-US" dirty="0"/>
+              <a:t>Added Bins</a:t>
             </a:r>
           </a:p>
         </p:txBody>
       </p:sp>
       <p:sp>
         <p:nvSpPr>
-          <p:cNvPr id="3" name="Content Placeholder 2">
+          <p:cNvPr id="3" name="Text Placeholder 2">
             <a:extLst>
               <a:ext uri="{FF2B5EF4-FFF2-40B4-BE49-F238E27FC236}">
-                <a16:creationId xmlns:a16="http://schemas.microsoft.com/office/drawing/2014/main" id="{2C8EE8C5-72AC-F749-8AE3-91CFF31915E8}"/>
+                <a16:creationId xmlns:a16="http://schemas.microsoft.com/office/drawing/2014/main" id="{D95D428C-5933-B642-9A8B-52A26DFB4771}"/>
               </a:ext>
             </a:extLst>
           </p:cNvPr>
@@ -52851,110 +53335,29 @@
             <a:spLocks noGrp="1"/>
           </p:cNvSpPr>
           <p:nvPr>
-            <p:ph idx="1"/>
+            <p:ph type="body" idx="1"/>
           </p:nvPr>
         </p:nvSpPr>
-        <p:spPr>
-          <a:xfrm>
-            <a:off x="628650" y="1236541"/>
-            <a:ext cx="4893261" cy="3633112"/>
-          </a:xfrm>
-        </p:spPr>
+        <p:spPr/>
         <p:txBody>
-          <a:bodyPr>
-            <a:normAutofit/>
-          </a:bodyPr>
+          <a:bodyPr/>
           <a:lstStyle/>
           <a:p>
-            <a:r>
-              <a:rPr lang="en-US" dirty="0"/>
-              <a:t>Handles </a:t>
-            </a:r>
-            <a:r>
-              <a:rPr lang="en-US" i="1" dirty="0"/>
-              <a:t>very small</a:t>
-            </a:r>
-            <a:r>
-              <a:rPr lang="en-US" dirty="0"/>
-              <a:t> sizes (default is 0x70 and smaller)</a:t>
-            </a:r>
-          </a:p>
-          <a:p>
-            <a:r>
-              <a:rPr lang="en-US" dirty="0"/>
-              <a:t>7 </a:t>
-            </a:r>
             <a:r>
               <a:rPr lang="en-US" dirty="0" err="1"/>
               <a:t>Fastbin</a:t>
             </a:r>
             <a:r>
               <a:rPr lang="en-US" dirty="0"/>
-              <a:t> Sizes </a:t>
-            </a:r>
-          </a:p>
-          <a:p>
-            <a:pPr lvl="1"/>
-            <a:r>
-              <a:rPr lang="en-US" dirty="0"/>
-              <a:t>0x20-0x70 in 0x10 byte increments</a:t>
-            </a:r>
-          </a:p>
-          <a:p>
-            <a:r>
-              <a:rPr lang="en-US" dirty="0"/>
-              <a:t>Singly Linked List:</a:t>
-            </a:r>
-          </a:p>
-          <a:p>
-            <a:pPr lvl="1"/>
-            <a:r>
-              <a:rPr lang="en-US" dirty="0"/>
-              <a:t>Only uses FD (not bk) pointer</a:t>
-            </a:r>
-          </a:p>
-          <a:p>
-            <a:r>
-              <a:rPr lang="en-US" dirty="0"/>
-              <a:t>LIFO (Last In – First Out) </a:t>
+              <a:t> &amp; TCache</a:t>
             </a:r>
           </a:p>
         </p:txBody>
       </p:sp>
-      <p:pic>
-        <p:nvPicPr>
-          <p:cNvPr id="5" name="Picture 4" descr="Diagram&#10;&#10;Description automatically generated">
-            <a:extLst>
-              <a:ext uri="{FF2B5EF4-FFF2-40B4-BE49-F238E27FC236}">
-                <a16:creationId xmlns:a16="http://schemas.microsoft.com/office/drawing/2014/main" id="{05F80832-E7E2-6D44-B7DD-02425E1A02EE}"/>
-              </a:ext>
-            </a:extLst>
-          </p:cNvPr>
-          <p:cNvPicPr>
-            <a:picLocks noChangeAspect="1"/>
-          </p:cNvPicPr>
-          <p:nvPr/>
-        </p:nvPicPr>
-        <p:blipFill>
-          <a:blip r:embed="rId2"/>
-          <a:stretch>
-            <a:fillRect/>
-          </a:stretch>
-        </p:blipFill>
-        <p:spPr>
-          <a:xfrm>
-            <a:off x="6044348" y="617668"/>
-            <a:ext cx="1504118" cy="3008236"/>
-          </a:xfrm>
-          <a:prstGeom prst="rect">
-            <a:avLst/>
-          </a:prstGeom>
-        </p:spPr>
-      </p:pic>
     </p:spTree>
     <p:extLst>
       <p:ext uri="{BB962C8B-B14F-4D97-AF65-F5344CB8AC3E}">
-        <p14:creationId xmlns:p14="http://schemas.microsoft.com/office/powerpoint/2010/main" val="4094922842"/>
+        <p14:creationId xmlns:p14="http://schemas.microsoft.com/office/powerpoint/2010/main" val="422389142"/>
       </p:ext>
     </p:extLst>
   </p:cSld>
@@ -53008,6 +53411,181 @@
             </a:r>
             <a:r>
               <a:rPr lang="en-US" dirty="0"/>
+              <a:t> -1 </a:t>
+            </a:r>
+          </a:p>
+        </p:txBody>
+      </p:sp>
+      <p:sp>
+        <p:nvSpPr>
+          <p:cNvPr id="3" name="Content Placeholder 2">
+            <a:extLst>
+              <a:ext uri="{FF2B5EF4-FFF2-40B4-BE49-F238E27FC236}">
+                <a16:creationId xmlns:a16="http://schemas.microsoft.com/office/drawing/2014/main" id="{2C8EE8C5-72AC-F749-8AE3-91CFF31915E8}"/>
+              </a:ext>
+            </a:extLst>
+          </p:cNvPr>
+          <p:cNvSpPr>
+            <a:spLocks noGrp="1"/>
+          </p:cNvSpPr>
+          <p:nvPr>
+            <p:ph idx="1"/>
+          </p:nvPr>
+        </p:nvSpPr>
+        <p:spPr>
+          <a:xfrm>
+            <a:off x="628650" y="1236541"/>
+            <a:ext cx="4893261" cy="3633112"/>
+          </a:xfrm>
+        </p:spPr>
+        <p:txBody>
+          <a:bodyPr>
+            <a:normAutofit/>
+          </a:bodyPr>
+          <a:lstStyle/>
+          <a:p>
+            <a:r>
+              <a:rPr lang="en-US" dirty="0"/>
+              <a:t>Handles </a:t>
+            </a:r>
+            <a:r>
+              <a:rPr lang="en-US" i="1" dirty="0"/>
+              <a:t>very small</a:t>
+            </a:r>
+            <a:r>
+              <a:rPr lang="en-US" dirty="0"/>
+              <a:t> sizes (default is 0x70 and smaller)</a:t>
+            </a:r>
+          </a:p>
+          <a:p>
+            <a:r>
+              <a:rPr lang="en-US" dirty="0"/>
+              <a:t>7 </a:t>
+            </a:r>
+            <a:r>
+              <a:rPr lang="en-US" dirty="0" err="1"/>
+              <a:t>Fastbin</a:t>
+            </a:r>
+            <a:r>
+              <a:rPr lang="en-US" dirty="0"/>
+              <a:t> Sizes </a:t>
+            </a:r>
+          </a:p>
+          <a:p>
+            <a:pPr lvl="1"/>
+            <a:r>
+              <a:rPr lang="en-US" dirty="0"/>
+              <a:t>0x20-0x70 in 0x10 byte increments</a:t>
+            </a:r>
+          </a:p>
+          <a:p>
+            <a:r>
+              <a:rPr lang="en-US" dirty="0"/>
+              <a:t>Singly Linked List:</a:t>
+            </a:r>
+          </a:p>
+          <a:p>
+            <a:pPr lvl="1"/>
+            <a:r>
+              <a:rPr lang="en-US" dirty="0"/>
+              <a:t>Only uses FD (not bk) pointer</a:t>
+            </a:r>
+          </a:p>
+          <a:p>
+            <a:r>
+              <a:rPr lang="en-US" dirty="0"/>
+              <a:t>LIFO (Last In – First Out) </a:t>
+            </a:r>
+          </a:p>
+        </p:txBody>
+      </p:sp>
+      <p:pic>
+        <p:nvPicPr>
+          <p:cNvPr id="5" name="Picture 4" descr="Diagram&#10;&#10;Description automatically generated">
+            <a:extLst>
+              <a:ext uri="{FF2B5EF4-FFF2-40B4-BE49-F238E27FC236}">
+                <a16:creationId xmlns:a16="http://schemas.microsoft.com/office/drawing/2014/main" id="{05F80832-E7E2-6D44-B7DD-02425E1A02EE}"/>
+              </a:ext>
+            </a:extLst>
+          </p:cNvPr>
+          <p:cNvPicPr>
+            <a:picLocks noChangeAspect="1"/>
+          </p:cNvPicPr>
+          <p:nvPr/>
+        </p:nvPicPr>
+        <p:blipFill>
+          <a:blip r:embed="rId2"/>
+          <a:stretch>
+            <a:fillRect/>
+          </a:stretch>
+        </p:blipFill>
+        <p:spPr>
+          <a:xfrm>
+            <a:off x="6044348" y="617668"/>
+            <a:ext cx="1504118" cy="3008236"/>
+          </a:xfrm>
+          <a:prstGeom prst="rect">
+            <a:avLst/>
+          </a:prstGeom>
+        </p:spPr>
+      </p:pic>
+    </p:spTree>
+    <p:extLst>
+      <p:ext uri="{BB962C8B-B14F-4D97-AF65-F5344CB8AC3E}">
+        <p14:creationId xmlns:p14="http://schemas.microsoft.com/office/powerpoint/2010/main" val="4094922842"/>
+      </p:ext>
+    </p:extLst>
+  </p:cSld>
+  <p:clrMapOvr>
+    <a:masterClrMapping/>
+  </p:clrMapOvr>
+</p:sld>
+</file>
+
+<file path=ppt/slides/slide72.xml><?xml version="1.0" encoding="utf-8"?>
+<p:sld xmlns:a="http://schemas.openxmlformats.org/drawingml/2006/main" xmlns:r="http://schemas.openxmlformats.org/officeDocument/2006/relationships" xmlns:p="http://schemas.openxmlformats.org/presentationml/2006/main">
+  <p:cSld>
+    <p:spTree>
+      <p:nvGrpSpPr>
+        <p:cNvPr id="1" name=""/>
+        <p:cNvGrpSpPr/>
+        <p:nvPr/>
+      </p:nvGrpSpPr>
+      <p:grpSpPr>
+        <a:xfrm>
+          <a:off x="0" y="0"/>
+          <a:ext cx="0" cy="0"/>
+          <a:chOff x="0" y="0"/>
+          <a:chExt cx="0" cy="0"/>
+        </a:xfrm>
+      </p:grpSpPr>
+      <p:sp>
+        <p:nvSpPr>
+          <p:cNvPr id="2" name="Title 1">
+            <a:extLst>
+              <a:ext uri="{FF2B5EF4-FFF2-40B4-BE49-F238E27FC236}">
+                <a16:creationId xmlns:a16="http://schemas.microsoft.com/office/drawing/2014/main" id="{1CEAB62C-8C1B-844B-B902-FB93E02CDE00}"/>
+              </a:ext>
+            </a:extLst>
+          </p:cNvPr>
+          <p:cNvSpPr>
+            <a:spLocks noGrp="1"/>
+          </p:cNvSpPr>
+          <p:nvPr>
+            <p:ph type="title"/>
+          </p:nvPr>
+        </p:nvSpPr>
+        <p:spPr/>
+        <p:txBody>
+          <a:bodyPr/>
+          <a:lstStyle/>
+          <a:p>
+            <a:r>
+              <a:rPr lang="en-US" dirty="0" err="1"/>
+              <a:t>Fastbins</a:t>
+            </a:r>
+            <a:r>
+              <a:rPr lang="en-US" dirty="0"/>
               <a:t> - 2</a:t>
             </a:r>
           </a:p>
@@ -53132,7 +53710,7 @@
 </p:sld>
 </file>
 
-<file path=ppt/slides/slide72.xml><?xml version="1.0" encoding="utf-8"?>
+<file path=ppt/slides/slide73.xml><?xml version="1.0" encoding="utf-8"?>
 <p:sld xmlns:a="http://schemas.openxmlformats.org/drawingml/2006/main" xmlns:r="http://schemas.openxmlformats.org/officeDocument/2006/relationships" xmlns:p="http://schemas.openxmlformats.org/presentationml/2006/main" show="0">
   <p:cSld>
     <p:spTree>
@@ -53275,7 +53853,7 @@
 </p:sld>
 </file>
 
-<file path=ppt/slides/slide73.xml><?xml version="1.0" encoding="utf-8"?>
+<file path=ppt/slides/slide74.xml><?xml version="1.0" encoding="utf-8"?>
 <p:sld xmlns:a="http://schemas.openxmlformats.org/drawingml/2006/main" xmlns:r="http://schemas.openxmlformats.org/officeDocument/2006/relationships" xmlns:p="http://schemas.openxmlformats.org/presentationml/2006/main">
   <p:cSld>
     <p:spTree>
@@ -53430,7 +54008,7 @@
 </p:sld>
 </file>
 
-<file path=ppt/slides/slide74.xml><?xml version="1.0" encoding="utf-8"?>
+<file path=ppt/slides/slide75.xml><?xml version="1.0" encoding="utf-8"?>
 <p:sld xmlns:a="http://schemas.openxmlformats.org/drawingml/2006/main" xmlns:r="http://schemas.openxmlformats.org/officeDocument/2006/relationships" xmlns:p="http://schemas.openxmlformats.org/presentationml/2006/main">
   <p:cSld>
     <p:spTree>
@@ -53762,7 +54340,7 @@
 </p:sld>
 </file>
 
-<file path=ppt/slides/slide75.xml><?xml version="1.0" encoding="utf-8"?>
+<file path=ppt/slides/slide76.xml><?xml version="1.0" encoding="utf-8"?>
 <p:sld xmlns:a="http://schemas.openxmlformats.org/drawingml/2006/main" xmlns:r="http://schemas.openxmlformats.org/officeDocument/2006/relationships" xmlns:p="http://schemas.openxmlformats.org/presentationml/2006/main">
   <p:cSld>
     <p:spTree>
@@ -54033,7 +54611,7 @@
 </p:sld>
 </file>
 
-<file path=ppt/slides/slide76.xml><?xml version="1.0" encoding="utf-8"?>
+<file path=ppt/slides/slide77.xml><?xml version="1.0" encoding="utf-8"?>
 <p:sld xmlns:a="http://schemas.openxmlformats.org/drawingml/2006/main" xmlns:r="http://schemas.openxmlformats.org/officeDocument/2006/relationships" xmlns:p="http://schemas.openxmlformats.org/presentationml/2006/main">
   <p:cSld>
     <p:spTree>
@@ -54263,7 +54841,7 @@
 </p:sld>
 </file>
 
-<file path=ppt/slides/slide77.xml><?xml version="1.0" encoding="utf-8"?>
+<file path=ppt/slides/slide78.xml><?xml version="1.0" encoding="utf-8"?>
 <p:sld xmlns:a="http://schemas.openxmlformats.org/drawingml/2006/main" xmlns:r="http://schemas.openxmlformats.org/officeDocument/2006/relationships" xmlns:p="http://schemas.openxmlformats.org/presentationml/2006/main">
   <p:cSld>
     <p:spTree>
@@ -54389,7 +54967,7 @@
 </p:sld>
 </file>
 
-<file path=ppt/slides/slide78.xml><?xml version="1.0" encoding="utf-8"?>
+<file path=ppt/slides/slide79.xml><?xml version="1.0" encoding="utf-8"?>
 <p:sld xmlns:a="http://schemas.openxmlformats.org/drawingml/2006/main" xmlns:r="http://schemas.openxmlformats.org/officeDocument/2006/relationships" xmlns:p="http://schemas.openxmlformats.org/presentationml/2006/main">
   <p:cSld>
     <p:spTree>
@@ -54506,92 +55084,6 @@
     <p:extLst>
       <p:ext uri="{BB962C8B-B14F-4D97-AF65-F5344CB8AC3E}">
         <p14:creationId xmlns:p14="http://schemas.microsoft.com/office/powerpoint/2010/main" val="3196738057"/>
-      </p:ext>
-    </p:extLst>
-  </p:cSld>
-  <p:clrMapOvr>
-    <a:masterClrMapping/>
-  </p:clrMapOvr>
-</p:sld>
-</file>
-
-<file path=ppt/slides/slide79.xml><?xml version="1.0" encoding="utf-8"?>
-<p:sld xmlns:a="http://schemas.openxmlformats.org/drawingml/2006/main" xmlns:r="http://schemas.openxmlformats.org/officeDocument/2006/relationships" xmlns:p="http://schemas.openxmlformats.org/presentationml/2006/main">
-  <p:cSld>
-    <p:spTree>
-      <p:nvGrpSpPr>
-        <p:cNvPr id="1" name=""/>
-        <p:cNvGrpSpPr/>
-        <p:nvPr/>
-      </p:nvGrpSpPr>
-      <p:grpSpPr>
-        <a:xfrm>
-          <a:off x="0" y="0"/>
-          <a:ext cx="0" cy="0"/>
-          <a:chOff x="0" y="0"/>
-          <a:chExt cx="0" cy="0"/>
-        </a:xfrm>
-      </p:grpSpPr>
-      <p:sp>
-        <p:nvSpPr>
-          <p:cNvPr id="2" name="Title 1">
-            <a:extLst>
-              <a:ext uri="{FF2B5EF4-FFF2-40B4-BE49-F238E27FC236}">
-                <a16:creationId xmlns:a16="http://schemas.microsoft.com/office/drawing/2014/main" id="{09331B32-B1D6-A74F-9F8B-61E1CF887D00}"/>
-              </a:ext>
-            </a:extLst>
-          </p:cNvPr>
-          <p:cNvSpPr>
-            <a:spLocks noGrp="1"/>
-          </p:cNvSpPr>
-          <p:nvPr>
-            <p:ph type="title"/>
-          </p:nvPr>
-        </p:nvSpPr>
-        <p:spPr/>
-        <p:txBody>
-          <a:bodyPr/>
-          <a:lstStyle/>
-          <a:p>
-            <a:r>
-              <a:rPr lang="en-US" dirty="0"/>
-              <a:t>Arenas</a:t>
-            </a:r>
-          </a:p>
-        </p:txBody>
-      </p:sp>
-      <p:sp>
-        <p:nvSpPr>
-          <p:cNvPr id="3" name="Text Placeholder 2">
-            <a:extLst>
-              <a:ext uri="{FF2B5EF4-FFF2-40B4-BE49-F238E27FC236}">
-                <a16:creationId xmlns:a16="http://schemas.microsoft.com/office/drawing/2014/main" id="{A7FC4FD2-AA57-EE48-A4B6-778C9F30F7B4}"/>
-              </a:ext>
-            </a:extLst>
-          </p:cNvPr>
-          <p:cNvSpPr>
-            <a:spLocks noGrp="1"/>
-          </p:cNvSpPr>
-          <p:nvPr>
-            <p:ph type="body" idx="1"/>
-          </p:nvPr>
-        </p:nvSpPr>
-        <p:spPr/>
-        <p:txBody>
-          <a:bodyPr/>
-          <a:lstStyle/>
-          <a:p>
-            <a:r>
-              <a:rPr lang="en-US" dirty="0"/>
-              <a:t>A short start – Work on These</a:t>
-            </a:r>
-          </a:p>
-        </p:txBody>
-      </p:sp>
-    </p:spTree>
-    <p:extLst>
-      <p:ext uri="{BB962C8B-B14F-4D97-AF65-F5344CB8AC3E}">
-        <p14:creationId xmlns:p14="http://schemas.microsoft.com/office/powerpoint/2010/main" val="3992070690"/>
       </p:ext>
     </p:extLst>
   </p:cSld>
@@ -54827,6 +55319,92 @@
           <p:cNvPr id="2" name="Title 1">
             <a:extLst>
               <a:ext uri="{FF2B5EF4-FFF2-40B4-BE49-F238E27FC236}">
+                <a16:creationId xmlns:a16="http://schemas.microsoft.com/office/drawing/2014/main" id="{09331B32-B1D6-A74F-9F8B-61E1CF887D00}"/>
+              </a:ext>
+            </a:extLst>
+          </p:cNvPr>
+          <p:cNvSpPr>
+            <a:spLocks noGrp="1"/>
+          </p:cNvSpPr>
+          <p:nvPr>
+            <p:ph type="title"/>
+          </p:nvPr>
+        </p:nvSpPr>
+        <p:spPr/>
+        <p:txBody>
+          <a:bodyPr/>
+          <a:lstStyle/>
+          <a:p>
+            <a:r>
+              <a:rPr lang="en-US" dirty="0"/>
+              <a:t>Arenas</a:t>
+            </a:r>
+          </a:p>
+        </p:txBody>
+      </p:sp>
+      <p:sp>
+        <p:nvSpPr>
+          <p:cNvPr id="3" name="Text Placeholder 2">
+            <a:extLst>
+              <a:ext uri="{FF2B5EF4-FFF2-40B4-BE49-F238E27FC236}">
+                <a16:creationId xmlns:a16="http://schemas.microsoft.com/office/drawing/2014/main" id="{A7FC4FD2-AA57-EE48-A4B6-778C9F30F7B4}"/>
+              </a:ext>
+            </a:extLst>
+          </p:cNvPr>
+          <p:cNvSpPr>
+            <a:spLocks noGrp="1"/>
+          </p:cNvSpPr>
+          <p:nvPr>
+            <p:ph type="body" idx="1"/>
+          </p:nvPr>
+        </p:nvSpPr>
+        <p:spPr/>
+        <p:txBody>
+          <a:bodyPr/>
+          <a:lstStyle/>
+          <a:p>
+            <a:r>
+              <a:rPr lang="en-US" dirty="0"/>
+              <a:t>A short start – Work on These</a:t>
+            </a:r>
+          </a:p>
+        </p:txBody>
+      </p:sp>
+    </p:spTree>
+    <p:extLst>
+      <p:ext uri="{BB962C8B-B14F-4D97-AF65-F5344CB8AC3E}">
+        <p14:creationId xmlns:p14="http://schemas.microsoft.com/office/powerpoint/2010/main" val="3992070690"/>
+      </p:ext>
+    </p:extLst>
+  </p:cSld>
+  <p:clrMapOvr>
+    <a:masterClrMapping/>
+  </p:clrMapOvr>
+</p:sld>
+</file>
+
+<file path=ppt/slides/slide81.xml><?xml version="1.0" encoding="utf-8"?>
+<p:sld xmlns:a="http://schemas.openxmlformats.org/drawingml/2006/main" xmlns:r="http://schemas.openxmlformats.org/officeDocument/2006/relationships" xmlns:p="http://schemas.openxmlformats.org/presentationml/2006/main">
+  <p:cSld>
+    <p:spTree>
+      <p:nvGrpSpPr>
+        <p:cNvPr id="1" name=""/>
+        <p:cNvGrpSpPr/>
+        <p:nvPr/>
+      </p:nvGrpSpPr>
+      <p:grpSpPr>
+        <a:xfrm>
+          <a:off x="0" y="0"/>
+          <a:ext cx="0" cy="0"/>
+          <a:chOff x="0" y="0"/>
+          <a:chExt cx="0" cy="0"/>
+        </a:xfrm>
+      </p:grpSpPr>
+      <p:sp>
+        <p:nvSpPr>
+          <p:cNvPr id="2" name="Title 1">
+            <a:extLst>
+              <a:ext uri="{FF2B5EF4-FFF2-40B4-BE49-F238E27FC236}">
                 <a16:creationId xmlns:a16="http://schemas.microsoft.com/office/drawing/2014/main" id="{2DE8421E-C0D5-684E-9538-7D77ADC62B39}"/>
               </a:ext>
             </a:extLst>
@@ -54983,7 +55561,7 @@
 </p:sld>
 </file>
 
-<file path=ppt/slides/slide81.xml><?xml version="1.0" encoding="utf-8"?>
+<file path=ppt/slides/slide82.xml><?xml version="1.0" encoding="utf-8"?>
 <p:sld xmlns:a="http://schemas.openxmlformats.org/drawingml/2006/main" xmlns:r="http://schemas.openxmlformats.org/officeDocument/2006/relationships" xmlns:p="http://schemas.openxmlformats.org/presentationml/2006/main">
   <p:cSld>
     <p:spTree>
@@ -55540,7 +56118,7 @@
 </p:sld>
 </file>
 
-<file path=ppt/slides/slide82.xml><?xml version="1.0" encoding="utf-8"?>
+<file path=ppt/slides/slide83.xml><?xml version="1.0" encoding="utf-8"?>
 <p:sld xmlns:a="http://schemas.openxmlformats.org/drawingml/2006/main" xmlns:r="http://schemas.openxmlformats.org/officeDocument/2006/relationships" xmlns:p="http://schemas.openxmlformats.org/presentationml/2006/main">
   <p:cSld>
     <p:spTree>
@@ -55732,7 +56310,7 @@
 </p:sld>
 </file>
 
-<file path=ppt/slides/slide83.xml><?xml version="1.0" encoding="utf-8"?>
+<file path=ppt/slides/slide84.xml><?xml version="1.0" encoding="utf-8"?>
 <p:sld xmlns:a="http://schemas.openxmlformats.org/drawingml/2006/main" xmlns:r="http://schemas.openxmlformats.org/officeDocument/2006/relationships" xmlns:p="http://schemas.openxmlformats.org/presentationml/2006/main">
   <p:cSld>
     <p:spTree>
@@ -55818,7 +56396,7 @@
 </p:sld>
 </file>
 
-<file path=ppt/slides/slide84.xml><?xml version="1.0" encoding="utf-8"?>
+<file path=ppt/slides/slide85.xml><?xml version="1.0" encoding="utf-8"?>
 <p:sld xmlns:a="http://schemas.openxmlformats.org/drawingml/2006/main" xmlns:r="http://schemas.openxmlformats.org/officeDocument/2006/relationships" xmlns:p="http://schemas.openxmlformats.org/presentationml/2006/main">
   <p:cSld>
     <p:spTree>
@@ -55896,10 +56474,9 @@
               <a:buAutoNum type="arabicPeriod"/>
             </a:pPr>
             <a:r>
-              <a:rPr lang="en-US" dirty="0" err="1"/>
-              <a:t>Tcache</a:t>
-            </a:r>
-            <a:endParaRPr lang="en-US" dirty="0"/>
+              <a:rPr lang="en-US" dirty="0"/>
+              <a:t>TCache</a:t>
+            </a:r>
           </a:p>
           <a:p>
             <a:pPr marL="385763" indent="-385763">
@@ -56271,128 +56848,6 @@
 </p:sld>
 </file>
 
-<file path=ppt/slides/slide85.xml><?xml version="1.0" encoding="utf-8"?>
-<p:sld xmlns:a="http://schemas.openxmlformats.org/drawingml/2006/main" xmlns:r="http://schemas.openxmlformats.org/officeDocument/2006/relationships" xmlns:p="http://schemas.openxmlformats.org/presentationml/2006/main">
-  <p:cSld>
-    <p:spTree>
-      <p:nvGrpSpPr>
-        <p:cNvPr id="1" name=""/>
-        <p:cNvGrpSpPr/>
-        <p:nvPr/>
-      </p:nvGrpSpPr>
-      <p:grpSpPr>
-        <a:xfrm>
-          <a:off x="0" y="0"/>
-          <a:ext cx="0" cy="0"/>
-          <a:chOff x="0" y="0"/>
-          <a:chExt cx="0" cy="0"/>
-        </a:xfrm>
-      </p:grpSpPr>
-      <p:sp>
-        <p:nvSpPr>
-          <p:cNvPr id="2" name="Title 1">
-            <a:extLst>
-              <a:ext uri="{FF2B5EF4-FFF2-40B4-BE49-F238E27FC236}">
-                <a16:creationId xmlns:a16="http://schemas.microsoft.com/office/drawing/2014/main" id="{8883068F-0677-48E4-BF80-0476F4A15D31}"/>
-              </a:ext>
-            </a:extLst>
-          </p:cNvPr>
-          <p:cNvSpPr>
-            <a:spLocks noGrp="1"/>
-          </p:cNvSpPr>
-          <p:nvPr>
-            <p:ph type="title"/>
-          </p:nvPr>
-        </p:nvSpPr>
-        <p:spPr/>
-        <p:txBody>
-          <a:bodyPr/>
-          <a:lstStyle/>
-          <a:p>
-            <a:r>
-              <a:rPr lang="en-US" dirty="0"/>
-              <a:t>Ordering – Malloc 1 Bins </a:t>
-            </a:r>
-          </a:p>
-        </p:txBody>
-      </p:sp>
-      <p:sp>
-        <p:nvSpPr>
-          <p:cNvPr id="3" name="Content Placeholder 2">
-            <a:extLst>
-              <a:ext uri="{FF2B5EF4-FFF2-40B4-BE49-F238E27FC236}">
-                <a16:creationId xmlns:a16="http://schemas.microsoft.com/office/drawing/2014/main" id="{438A7C42-47CD-4BBC-A2C2-A9EE5148E9A5}"/>
-              </a:ext>
-            </a:extLst>
-          </p:cNvPr>
-          <p:cNvSpPr>
-            <a:spLocks noGrp="1"/>
-          </p:cNvSpPr>
-          <p:nvPr>
-            <p:ph idx="1"/>
-          </p:nvPr>
-        </p:nvSpPr>
-        <p:spPr>
-          <a:xfrm>
-            <a:off x="628650" y="1508760"/>
-            <a:ext cx="3472833" cy="3549015"/>
-          </a:xfrm>
-        </p:spPr>
-        <p:txBody>
-          <a:bodyPr>
-            <a:normAutofit/>
-          </a:bodyPr>
-          <a:lstStyle/>
-          <a:p>
-            <a:pPr marL="385763" indent="-385763">
-              <a:buFont typeface="+mj-lt"/>
-              <a:buAutoNum type="arabicPeriod"/>
-            </a:pPr>
-            <a:r>
-              <a:rPr lang="en-US" sz="4000" dirty="0" err="1"/>
-              <a:t>Tcache</a:t>
-            </a:r>
-            <a:endParaRPr lang="en-US" sz="4000" dirty="0"/>
-          </a:p>
-          <a:p>
-            <a:pPr marL="385763" indent="-385763">
-              <a:buFont typeface="+mj-lt"/>
-              <a:buAutoNum type="arabicPeriod"/>
-            </a:pPr>
-            <a:r>
-              <a:rPr lang="en-US" sz="4000" dirty="0" err="1"/>
-              <a:t>Fastbin</a:t>
-            </a:r>
-            <a:r>
-              <a:rPr lang="en-US" sz="4000" dirty="0"/>
-              <a:t> </a:t>
-            </a:r>
-          </a:p>
-          <a:p>
-            <a:pPr marL="385763" indent="-385763">
-              <a:buFont typeface="+mj-lt"/>
-              <a:buAutoNum type="arabicPeriod"/>
-            </a:pPr>
-            <a:r>
-              <a:rPr lang="en-US" sz="4000" dirty="0"/>
-              <a:t>Small Bin </a:t>
-            </a:r>
-          </a:p>
-        </p:txBody>
-      </p:sp>
-    </p:spTree>
-    <p:extLst>
-      <p:ext uri="{BB962C8B-B14F-4D97-AF65-F5344CB8AC3E}">
-        <p14:creationId xmlns:p14="http://schemas.microsoft.com/office/powerpoint/2010/main" val="1933236515"/>
-      </p:ext>
-    </p:extLst>
-  </p:cSld>
-  <p:clrMapOvr>
-    <a:masterClrMapping/>
-  </p:clrMapOvr>
-</p:sld>
-</file>
-
 <file path=ppt/slides/slide86.xml><?xml version="1.0" encoding="utf-8"?>
 <p:sld xmlns:a="http://schemas.openxmlformats.org/drawingml/2006/main" xmlns:r="http://schemas.openxmlformats.org/officeDocument/2006/relationships" xmlns:p="http://schemas.openxmlformats.org/presentationml/2006/main">
   <p:cSld>
@@ -56433,6 +56888,127 @@
           <a:p>
             <a:r>
               <a:rPr lang="en-US" dirty="0"/>
+              <a:t>Ordering – Malloc 1 Bins </a:t>
+            </a:r>
+          </a:p>
+        </p:txBody>
+      </p:sp>
+      <p:sp>
+        <p:nvSpPr>
+          <p:cNvPr id="3" name="Content Placeholder 2">
+            <a:extLst>
+              <a:ext uri="{FF2B5EF4-FFF2-40B4-BE49-F238E27FC236}">
+                <a16:creationId xmlns:a16="http://schemas.microsoft.com/office/drawing/2014/main" id="{438A7C42-47CD-4BBC-A2C2-A9EE5148E9A5}"/>
+              </a:ext>
+            </a:extLst>
+          </p:cNvPr>
+          <p:cNvSpPr>
+            <a:spLocks noGrp="1"/>
+          </p:cNvSpPr>
+          <p:nvPr>
+            <p:ph idx="1"/>
+          </p:nvPr>
+        </p:nvSpPr>
+        <p:spPr>
+          <a:xfrm>
+            <a:off x="628650" y="1508760"/>
+            <a:ext cx="3472833" cy="3549015"/>
+          </a:xfrm>
+        </p:spPr>
+        <p:txBody>
+          <a:bodyPr>
+            <a:normAutofit/>
+          </a:bodyPr>
+          <a:lstStyle/>
+          <a:p>
+            <a:pPr marL="385763" indent="-385763">
+              <a:buFont typeface="+mj-lt"/>
+              <a:buAutoNum type="arabicPeriod"/>
+            </a:pPr>
+            <a:r>
+              <a:rPr lang="en-US" sz="4000" dirty="0"/>
+              <a:t>TCache</a:t>
+            </a:r>
+          </a:p>
+          <a:p>
+            <a:pPr marL="385763" indent="-385763">
+              <a:buFont typeface="+mj-lt"/>
+              <a:buAutoNum type="arabicPeriod"/>
+            </a:pPr>
+            <a:r>
+              <a:rPr lang="en-US" sz="4000" dirty="0" err="1"/>
+              <a:t>Fastbin</a:t>
+            </a:r>
+            <a:r>
+              <a:rPr lang="en-US" sz="4000" dirty="0"/>
+              <a:t> </a:t>
+            </a:r>
+          </a:p>
+          <a:p>
+            <a:pPr marL="385763" indent="-385763">
+              <a:buFont typeface="+mj-lt"/>
+              <a:buAutoNum type="arabicPeriod"/>
+            </a:pPr>
+            <a:r>
+              <a:rPr lang="en-US" sz="4000" dirty="0"/>
+              <a:t>Small Bin </a:t>
+            </a:r>
+          </a:p>
+        </p:txBody>
+      </p:sp>
+    </p:spTree>
+    <p:extLst>
+      <p:ext uri="{BB962C8B-B14F-4D97-AF65-F5344CB8AC3E}">
+        <p14:creationId xmlns:p14="http://schemas.microsoft.com/office/powerpoint/2010/main" val="1933236515"/>
+      </p:ext>
+    </p:extLst>
+  </p:cSld>
+  <p:clrMapOvr>
+    <a:masterClrMapping/>
+  </p:clrMapOvr>
+</p:sld>
+</file>
+
+<file path=ppt/slides/slide87.xml><?xml version="1.0" encoding="utf-8"?>
+<p:sld xmlns:a="http://schemas.openxmlformats.org/drawingml/2006/main" xmlns:r="http://schemas.openxmlformats.org/officeDocument/2006/relationships" xmlns:p="http://schemas.openxmlformats.org/presentationml/2006/main">
+  <p:cSld>
+    <p:spTree>
+      <p:nvGrpSpPr>
+        <p:cNvPr id="1" name=""/>
+        <p:cNvGrpSpPr/>
+        <p:nvPr/>
+      </p:nvGrpSpPr>
+      <p:grpSpPr>
+        <a:xfrm>
+          <a:off x="0" y="0"/>
+          <a:ext cx="0" cy="0"/>
+          <a:chOff x="0" y="0"/>
+          <a:chExt cx="0" cy="0"/>
+        </a:xfrm>
+      </p:grpSpPr>
+      <p:sp>
+        <p:nvSpPr>
+          <p:cNvPr id="2" name="Title 1">
+            <a:extLst>
+              <a:ext uri="{FF2B5EF4-FFF2-40B4-BE49-F238E27FC236}">
+                <a16:creationId xmlns:a16="http://schemas.microsoft.com/office/drawing/2014/main" id="{8883068F-0677-48E4-BF80-0476F4A15D31}"/>
+              </a:ext>
+            </a:extLst>
+          </p:cNvPr>
+          <p:cNvSpPr>
+            <a:spLocks noGrp="1"/>
+          </p:cNvSpPr>
+          <p:nvPr>
+            <p:ph type="title"/>
+          </p:nvPr>
+        </p:nvSpPr>
+        <p:spPr/>
+        <p:txBody>
+          <a:bodyPr/>
+          <a:lstStyle/>
+          <a:p>
+            <a:r>
+              <a:rPr lang="en-US" dirty="0"/>
               <a:t>Ordering – Malloc 2 Bins </a:t>
             </a:r>
           </a:p>
@@ -56538,7 +57114,7 @@
 </p:sld>
 </file>
 
-<file path=ppt/slides/slide87.xml><?xml version="1.0" encoding="utf-8"?>
+<file path=ppt/slides/slide88.xml><?xml version="1.0" encoding="utf-8"?>
 <p:sld xmlns:a="http://schemas.openxmlformats.org/drawingml/2006/main" xmlns:r="http://schemas.openxmlformats.org/officeDocument/2006/relationships" xmlns:p="http://schemas.openxmlformats.org/presentationml/2006/main">
   <p:cSld>
     <p:spTree>
@@ -57056,7 +57632,7 @@
 </p:sld>
 </file>
 
-<file path=ppt/slides/slide88.xml><?xml version="1.0" encoding="utf-8"?>
+<file path=ppt/slides/slide89.xml><?xml version="1.0" encoding="utf-8"?>
 <p:sld xmlns:a="http://schemas.openxmlformats.org/drawingml/2006/main" xmlns:r="http://schemas.openxmlformats.org/officeDocument/2006/relationships" xmlns:p="http://schemas.openxmlformats.org/presentationml/2006/main">
   <p:cSld>
     <p:spTree>
@@ -57636,132 +58212,6 @@
 </p:sld>
 </file>
 
-<file path=ppt/slides/slide89.xml><?xml version="1.0" encoding="utf-8"?>
-<p:sld xmlns:a="http://schemas.openxmlformats.org/drawingml/2006/main" xmlns:r="http://schemas.openxmlformats.org/officeDocument/2006/relationships" xmlns:p="http://schemas.openxmlformats.org/presentationml/2006/main">
-  <p:cSld>
-    <p:spTree>
-      <p:nvGrpSpPr>
-        <p:cNvPr id="1" name=""/>
-        <p:cNvGrpSpPr/>
-        <p:nvPr/>
-      </p:nvGrpSpPr>
-      <p:grpSpPr>
-        <a:xfrm>
-          <a:off x="0" y="0"/>
-          <a:ext cx="0" cy="0"/>
-          <a:chOff x="0" y="0"/>
-          <a:chExt cx="0" cy="0"/>
-        </a:xfrm>
-      </p:grpSpPr>
-      <p:sp>
-        <p:nvSpPr>
-          <p:cNvPr id="2" name="Title 1">
-            <a:extLst>
-              <a:ext uri="{FF2B5EF4-FFF2-40B4-BE49-F238E27FC236}">
-                <a16:creationId xmlns:a16="http://schemas.microsoft.com/office/drawing/2014/main" id="{4E5FCDBF-74D5-2348-8180-88DCDD2EF977}"/>
-              </a:ext>
-            </a:extLst>
-          </p:cNvPr>
-          <p:cNvSpPr>
-            <a:spLocks noGrp="1"/>
-          </p:cNvSpPr>
-          <p:nvPr>
-            <p:ph type="title"/>
-          </p:nvPr>
-        </p:nvSpPr>
-        <p:spPr>
-          <a:xfrm>
-            <a:off x="629841" y="342900"/>
-            <a:ext cx="2949178" cy="1200150"/>
-          </a:xfrm>
-        </p:spPr>
-        <p:txBody>
-          <a:bodyPr anchor="b">
-            <a:normAutofit/>
-          </a:bodyPr>
-          <a:lstStyle/>
-          <a:p>
-            <a:r>
-              <a:rPr lang="en-US" dirty="0"/>
-              <a:t>Factoids – Malloc</a:t>
-            </a:r>
-          </a:p>
-        </p:txBody>
-      </p:sp>
-      <p:sp>
-        <p:nvSpPr>
-          <p:cNvPr id="9" name="Text Placeholder 3">
-            <a:extLst>
-              <a:ext uri="{FF2B5EF4-FFF2-40B4-BE49-F238E27FC236}">
-                <a16:creationId xmlns:a16="http://schemas.microsoft.com/office/drawing/2014/main" id="{FAB1D28F-01A1-42E2-B8AE-73C6C6A29514}"/>
-              </a:ext>
-            </a:extLst>
-          </p:cNvPr>
-          <p:cNvSpPr>
-            <a:spLocks noGrp="1"/>
-          </p:cNvSpPr>
-          <p:nvPr>
-            <p:ph type="body" sz="half" idx="2"/>
-          </p:nvPr>
-        </p:nvSpPr>
-        <p:spPr>
-          <a:xfrm>
-            <a:off x="629841" y="1543052"/>
-            <a:ext cx="2949178" cy="2858691"/>
-          </a:xfrm>
-        </p:spPr>
-        <p:txBody>
-          <a:bodyPr/>
-          <a:lstStyle/>
-          <a:p>
-            <a:endParaRPr lang="en-US"/>
-          </a:p>
-        </p:txBody>
-      </p:sp>
-      <p:graphicFrame>
-        <p:nvGraphicFramePr>
-          <p:cNvPr id="5" name="Content Placeholder 2">
-            <a:extLst>
-              <a:ext uri="{FF2B5EF4-FFF2-40B4-BE49-F238E27FC236}">
-                <a16:creationId xmlns:a16="http://schemas.microsoft.com/office/drawing/2014/main" id="{F0E25F2A-1493-40C1-AA84-97958EEE33BC}"/>
-              </a:ext>
-            </a:extLst>
-          </p:cNvPr>
-          <p:cNvGraphicFramePr>
-            <a:graphicFrameLocks noGrp="1"/>
-          </p:cNvGraphicFramePr>
-          <p:nvPr>
-            <p:ph idx="1"/>
-            <p:extLst>
-              <p:ext uri="{D42A27DB-BD31-4B8C-83A1-F6EECF244321}">
-                <p14:modId xmlns:p14="http://schemas.microsoft.com/office/powerpoint/2010/main" val="1051794754"/>
-              </p:ext>
-            </p:extLst>
-          </p:nvPr>
-        </p:nvGraphicFramePr>
-        <p:xfrm>
-          <a:off x="3887391" y="740572"/>
-          <a:ext cx="4629150" cy="3655219"/>
-        </p:xfrm>
-        <a:graphic>
-          <a:graphicData uri="http://schemas.openxmlformats.org/drawingml/2006/diagram">
-            <dgm:relIds xmlns:dgm="http://schemas.openxmlformats.org/drawingml/2006/diagram" xmlns:r="http://schemas.openxmlformats.org/officeDocument/2006/relationships" r:dm="rId2" r:lo="rId3" r:qs="rId4" r:cs="rId5"/>
-          </a:graphicData>
-        </a:graphic>
-      </p:graphicFrame>
-    </p:spTree>
-    <p:extLst>
-      <p:ext uri="{BB962C8B-B14F-4D97-AF65-F5344CB8AC3E}">
-        <p14:creationId xmlns:p14="http://schemas.microsoft.com/office/powerpoint/2010/main" val="1495620260"/>
-      </p:ext>
-    </p:extLst>
-  </p:cSld>
-  <p:clrMapOvr>
-    <a:masterClrMapping/>
-  </p:clrMapOvr>
-</p:sld>
-</file>
-
 <file path=ppt/slides/slide9.xml><?xml version="1.0" encoding="utf-8"?>
 <p:sld xmlns:a="http://schemas.openxmlformats.org/drawingml/2006/main" xmlns:r="http://schemas.openxmlformats.org/officeDocument/2006/relationships" xmlns:p="http://schemas.openxmlformats.org/presentationml/2006/main">
   <p:cSld>
@@ -57893,6 +58343,132 @@
 </file>
 
 <file path=ppt/slides/slide90.xml><?xml version="1.0" encoding="utf-8"?>
+<p:sld xmlns:a="http://schemas.openxmlformats.org/drawingml/2006/main" xmlns:r="http://schemas.openxmlformats.org/officeDocument/2006/relationships" xmlns:p="http://schemas.openxmlformats.org/presentationml/2006/main">
+  <p:cSld>
+    <p:spTree>
+      <p:nvGrpSpPr>
+        <p:cNvPr id="1" name=""/>
+        <p:cNvGrpSpPr/>
+        <p:nvPr/>
+      </p:nvGrpSpPr>
+      <p:grpSpPr>
+        <a:xfrm>
+          <a:off x="0" y="0"/>
+          <a:ext cx="0" cy="0"/>
+          <a:chOff x="0" y="0"/>
+          <a:chExt cx="0" cy="0"/>
+        </a:xfrm>
+      </p:grpSpPr>
+      <p:sp>
+        <p:nvSpPr>
+          <p:cNvPr id="2" name="Title 1">
+            <a:extLst>
+              <a:ext uri="{FF2B5EF4-FFF2-40B4-BE49-F238E27FC236}">
+                <a16:creationId xmlns:a16="http://schemas.microsoft.com/office/drawing/2014/main" id="{4E5FCDBF-74D5-2348-8180-88DCDD2EF977}"/>
+              </a:ext>
+            </a:extLst>
+          </p:cNvPr>
+          <p:cNvSpPr>
+            <a:spLocks noGrp="1"/>
+          </p:cNvSpPr>
+          <p:nvPr>
+            <p:ph type="title"/>
+          </p:nvPr>
+        </p:nvSpPr>
+        <p:spPr>
+          <a:xfrm>
+            <a:off x="629841" y="342900"/>
+            <a:ext cx="2949178" cy="1200150"/>
+          </a:xfrm>
+        </p:spPr>
+        <p:txBody>
+          <a:bodyPr anchor="b">
+            <a:normAutofit/>
+          </a:bodyPr>
+          <a:lstStyle/>
+          <a:p>
+            <a:r>
+              <a:rPr lang="en-US" dirty="0"/>
+              <a:t>Factoids – Malloc</a:t>
+            </a:r>
+          </a:p>
+        </p:txBody>
+      </p:sp>
+      <p:sp>
+        <p:nvSpPr>
+          <p:cNvPr id="9" name="Text Placeholder 3">
+            <a:extLst>
+              <a:ext uri="{FF2B5EF4-FFF2-40B4-BE49-F238E27FC236}">
+                <a16:creationId xmlns:a16="http://schemas.microsoft.com/office/drawing/2014/main" id="{FAB1D28F-01A1-42E2-B8AE-73C6C6A29514}"/>
+              </a:ext>
+            </a:extLst>
+          </p:cNvPr>
+          <p:cNvSpPr>
+            <a:spLocks noGrp="1"/>
+          </p:cNvSpPr>
+          <p:nvPr>
+            <p:ph type="body" sz="half" idx="2"/>
+          </p:nvPr>
+        </p:nvSpPr>
+        <p:spPr>
+          <a:xfrm>
+            <a:off x="629841" y="1543052"/>
+            <a:ext cx="2949178" cy="2858691"/>
+          </a:xfrm>
+        </p:spPr>
+        <p:txBody>
+          <a:bodyPr/>
+          <a:lstStyle/>
+          <a:p>
+            <a:endParaRPr lang="en-US"/>
+          </a:p>
+        </p:txBody>
+      </p:sp>
+      <p:graphicFrame>
+        <p:nvGraphicFramePr>
+          <p:cNvPr id="5" name="Content Placeholder 2">
+            <a:extLst>
+              <a:ext uri="{FF2B5EF4-FFF2-40B4-BE49-F238E27FC236}">
+                <a16:creationId xmlns:a16="http://schemas.microsoft.com/office/drawing/2014/main" id="{F0E25F2A-1493-40C1-AA84-97958EEE33BC}"/>
+              </a:ext>
+            </a:extLst>
+          </p:cNvPr>
+          <p:cNvGraphicFramePr>
+            <a:graphicFrameLocks noGrp="1"/>
+          </p:cNvGraphicFramePr>
+          <p:nvPr>
+            <p:ph idx="1"/>
+            <p:extLst>
+              <p:ext uri="{D42A27DB-BD31-4B8C-83A1-F6EECF244321}">
+                <p14:modId xmlns:p14="http://schemas.microsoft.com/office/powerpoint/2010/main" val="1051794754"/>
+              </p:ext>
+            </p:extLst>
+          </p:nvPr>
+        </p:nvGraphicFramePr>
+        <p:xfrm>
+          <a:off x="3887391" y="740572"/>
+          <a:ext cx="4629150" cy="3655219"/>
+        </p:xfrm>
+        <a:graphic>
+          <a:graphicData uri="http://schemas.openxmlformats.org/drawingml/2006/diagram">
+            <dgm:relIds xmlns:dgm="http://schemas.openxmlformats.org/drawingml/2006/diagram" xmlns:r="http://schemas.openxmlformats.org/officeDocument/2006/relationships" r:dm="rId2" r:lo="rId3" r:qs="rId4" r:cs="rId5"/>
+          </a:graphicData>
+        </a:graphic>
+      </p:graphicFrame>
+    </p:spTree>
+    <p:extLst>
+      <p:ext uri="{BB962C8B-B14F-4D97-AF65-F5344CB8AC3E}">
+        <p14:creationId xmlns:p14="http://schemas.microsoft.com/office/powerpoint/2010/main" val="1495620260"/>
+      </p:ext>
+    </p:extLst>
+  </p:cSld>
+  <p:clrMapOvr>
+    <a:masterClrMapping/>
+  </p:clrMapOvr>
+</p:sld>
+</file>
+
+<file path=ppt/slides/slide91.xml><?xml version="1.0" encoding="utf-8"?>
 <p:sld xmlns:a="http://schemas.openxmlformats.org/drawingml/2006/main" xmlns:r="http://schemas.openxmlformats.org/officeDocument/2006/relationships" xmlns:p="http://schemas.openxmlformats.org/presentationml/2006/main">
   <p:cSld>
     <p:spTree>
@@ -58509,7 +59085,7 @@
 </p:sld>
 </file>
 
-<file path=ppt/slides/slide91.xml><?xml version="1.0" encoding="utf-8"?>
+<file path=ppt/slides/slide92.xml><?xml version="1.0" encoding="utf-8"?>
 <p:sld xmlns:a="http://schemas.openxmlformats.org/drawingml/2006/main" xmlns:r="http://schemas.openxmlformats.org/officeDocument/2006/relationships" xmlns:p="http://schemas.openxmlformats.org/presentationml/2006/main">
   <p:cSld>
     <p:spTree>
@@ -58834,7 +59410,7 @@
 </p:sld>
 </file>
 
-<file path=ppt/slides/slide92.xml><?xml version="1.0" encoding="utf-8"?>
+<file path=ppt/slides/slide93.xml><?xml version="1.0" encoding="utf-8"?>
 <p:sld xmlns:a="http://schemas.openxmlformats.org/drawingml/2006/main" xmlns:r="http://schemas.openxmlformats.org/officeDocument/2006/relationships" xmlns:p="http://schemas.openxmlformats.org/presentationml/2006/main">
   <p:cSld>
     <p:spTree>
@@ -59179,7 +59755,7 @@
 </p:sld>
 </file>
 
-<file path=ppt/slides/slide93.xml><?xml version="1.0" encoding="utf-8"?>
+<file path=ppt/slides/slide94.xml><?xml version="1.0" encoding="utf-8"?>
 <p:sld xmlns:a="http://schemas.openxmlformats.org/drawingml/2006/main" xmlns:r="http://schemas.openxmlformats.org/officeDocument/2006/relationships" xmlns:p="http://schemas.openxmlformats.org/presentationml/2006/main">
   <p:cSld>
     <p:spTree>
@@ -59623,7 +60199,7 @@
 </p:sld>
 </file>
 
-<file path=ppt/slides/slide94.xml><?xml version="1.0" encoding="utf-8"?>
+<file path=ppt/slides/slide95.xml><?xml version="1.0" encoding="utf-8"?>
 <p:sld xmlns:a="http://schemas.openxmlformats.org/drawingml/2006/main" xmlns:r="http://schemas.openxmlformats.org/officeDocument/2006/relationships" xmlns:p="http://schemas.openxmlformats.org/presentationml/2006/main">
   <p:cSld>
     <p:spTree>
@@ -59793,7 +60369,7 @@
 </p:sld>
 </file>
 
-<file path=ppt/slides/slide95.xml><?xml version="1.0" encoding="utf-8"?>
+<file path=ppt/slides/slide96.xml><?xml version="1.0" encoding="utf-8"?>
 <p:sld xmlns:a="http://schemas.openxmlformats.org/drawingml/2006/main" xmlns:r="http://schemas.openxmlformats.org/officeDocument/2006/relationships" xmlns:p="http://schemas.openxmlformats.org/presentationml/2006/main">
   <p:cSld>
     <p:spTree>
@@ -60078,7 +60654,7 @@
 </p:sld>
 </file>
 
-<file path=ppt/slides/slide96.xml><?xml version="1.0" encoding="utf-8"?>
+<file path=ppt/slides/slide97.xml><?xml version="1.0" encoding="utf-8"?>
 <p:sld xmlns:a="http://schemas.openxmlformats.org/drawingml/2006/main" xmlns:r="http://schemas.openxmlformats.org/officeDocument/2006/relationships" xmlns:p="http://schemas.openxmlformats.org/presentationml/2006/main">
   <p:cSld>
     <p:spTree>
@@ -60144,7 +60720,7 @@
             <p:ph idx="1"/>
             <p:extLst>
               <p:ext uri="{D42A27DB-BD31-4B8C-83A1-F6EECF244321}">
-                <p14:modId xmlns:p14="http://schemas.microsoft.com/office/powerpoint/2010/main" val="2595150025"/>
+                <p14:modId xmlns:p14="http://schemas.microsoft.com/office/powerpoint/2010/main" val="2819263581"/>
               </p:ext>
             </p:extLst>
           </p:nvPr>
@@ -60172,7 +60748,7 @@
 </p:sld>
 </file>
 
-<file path=ppt/slides/slide97.xml><?xml version="1.0" encoding="utf-8"?>
+<file path=ppt/slides/slide98.xml><?xml version="1.0" encoding="utf-8"?>
 <p:sld xmlns:a="http://schemas.openxmlformats.org/drawingml/2006/main" xmlns:r="http://schemas.openxmlformats.org/officeDocument/2006/relationships" xmlns:p="http://schemas.openxmlformats.org/presentationml/2006/main">
   <p:cSld>
     <p:spTree>
@@ -60293,7 +60869,7 @@
 </p:sld>
 </file>
 
-<file path=ppt/slides/slide98.xml><?xml version="1.0" encoding="utf-8"?>
+<file path=ppt/slides/slide99.xml><?xml version="1.0" encoding="utf-8"?>
 <p:sld xmlns:a="http://schemas.openxmlformats.org/drawingml/2006/main" xmlns:r="http://schemas.openxmlformats.org/officeDocument/2006/relationships" xmlns:p="http://schemas.openxmlformats.org/presentationml/2006/main">
   <p:cSld>
     <p:spTree>
@@ -60419,137 +60995,6 @@
     <p:extLst>
       <p:ext uri="{BB962C8B-B14F-4D97-AF65-F5344CB8AC3E}">
         <p14:creationId xmlns:p14="http://schemas.microsoft.com/office/powerpoint/2010/main" val="2414688114"/>
-      </p:ext>
-    </p:extLst>
-  </p:cSld>
-  <p:clrMapOvr>
-    <a:masterClrMapping/>
-  </p:clrMapOvr>
-</p:sld>
-</file>
-
-<file path=ppt/slides/slide99.xml><?xml version="1.0" encoding="utf-8"?>
-<p:sld xmlns:a="http://schemas.openxmlformats.org/drawingml/2006/main" xmlns:r="http://schemas.openxmlformats.org/officeDocument/2006/relationships" xmlns:p="http://schemas.openxmlformats.org/presentationml/2006/main">
-  <p:cSld>
-    <p:spTree>
-      <p:nvGrpSpPr>
-        <p:cNvPr id="1" name=""/>
-        <p:cNvGrpSpPr/>
-        <p:nvPr/>
-      </p:nvGrpSpPr>
-      <p:grpSpPr>
-        <a:xfrm>
-          <a:off x="0" y="0"/>
-          <a:ext cx="0" cy="0"/>
-          <a:chOff x="0" y="0"/>
-          <a:chExt cx="0" cy="0"/>
-        </a:xfrm>
-      </p:grpSpPr>
-      <p:sp>
-        <p:nvSpPr>
-          <p:cNvPr id="2" name="Title 1">
-            <a:extLst>
-              <a:ext uri="{FF2B5EF4-FFF2-40B4-BE49-F238E27FC236}">
-                <a16:creationId xmlns:a16="http://schemas.microsoft.com/office/drawing/2014/main" id="{52E159E9-B416-5F44-A885-2918707F2982}"/>
-              </a:ext>
-            </a:extLst>
-          </p:cNvPr>
-          <p:cNvSpPr>
-            <a:spLocks noGrp="1"/>
-          </p:cNvSpPr>
-          <p:nvPr>
-            <p:ph type="title"/>
-          </p:nvPr>
-        </p:nvSpPr>
-        <p:spPr/>
-        <p:txBody>
-          <a:bodyPr/>
-          <a:lstStyle/>
-          <a:p>
-            <a:r>
-              <a:rPr lang="en-US" dirty="0"/>
-              <a:t>Golf 2 – Diagram 1 (FIFO) </a:t>
-            </a:r>
-          </a:p>
-        </p:txBody>
-      </p:sp>
-      <p:pic>
-        <p:nvPicPr>
-          <p:cNvPr id="7" name="Picture 6" descr="Starting point">
-            <a:extLst>
-              <a:ext uri="{FF2B5EF4-FFF2-40B4-BE49-F238E27FC236}">
-                <a16:creationId xmlns:a16="http://schemas.microsoft.com/office/drawing/2014/main" id="{FD939AF8-EA75-B14B-8568-254B79DE2784}"/>
-              </a:ext>
-            </a:extLst>
-          </p:cNvPr>
-          <p:cNvPicPr>
-            <a:picLocks noChangeAspect="1"/>
-          </p:cNvPicPr>
-          <p:nvPr/>
-        </p:nvPicPr>
-        <p:blipFill>
-          <a:blip r:embed="rId2"/>
-          <a:stretch>
-            <a:fillRect/>
-          </a:stretch>
-        </p:blipFill>
-        <p:spPr>
-          <a:xfrm>
-            <a:off x="628649" y="1127550"/>
-            <a:ext cx="7007061" cy="3560498"/>
-          </a:xfrm>
-          <a:prstGeom prst="rect">
-            <a:avLst/>
-          </a:prstGeom>
-        </p:spPr>
-      </p:pic>
-      <p:cxnSp>
-        <p:nvCxnSpPr>
-          <p:cNvPr id="8" name="Straight Connector 7">
-            <a:extLst>
-              <a:ext uri="{FF2B5EF4-FFF2-40B4-BE49-F238E27FC236}">
-                <a16:creationId xmlns:a16="http://schemas.microsoft.com/office/drawing/2014/main" id="{55DD45D6-A323-A44E-9F6A-44D05D99F738}"/>
-              </a:ext>
-            </a:extLst>
-          </p:cNvPr>
-          <p:cNvCxnSpPr>
-            <a:cxnSpLocks/>
-          </p:cNvCxnSpPr>
-          <p:nvPr/>
-        </p:nvCxnSpPr>
-        <p:spPr>
-          <a:xfrm>
-            <a:off x="1451784" y="1886427"/>
-            <a:ext cx="3421874" cy="0"/>
-          </a:xfrm>
-          <a:prstGeom prst="line">
-            <a:avLst/>
-          </a:prstGeom>
-          <a:ln w="47625">
-            <a:solidFill>
-              <a:srgbClr val="FF0000"/>
-            </a:solidFill>
-          </a:ln>
-        </p:spPr>
-        <p:style>
-          <a:lnRef idx="1">
-            <a:schemeClr val="accent1"/>
-          </a:lnRef>
-          <a:fillRef idx="0">
-            <a:schemeClr val="accent1"/>
-          </a:fillRef>
-          <a:effectRef idx="0">
-            <a:schemeClr val="accent1"/>
-          </a:effectRef>
-          <a:fontRef idx="minor">
-            <a:schemeClr val="tx1"/>
-          </a:fontRef>
-        </p:style>
-      </p:cxnSp>
-    </p:spTree>
-    <p:extLst>
-      <p:ext uri="{BB962C8B-B14F-4D97-AF65-F5344CB8AC3E}">
-        <p14:creationId xmlns:p14="http://schemas.microsoft.com/office/powerpoint/2010/main" val="3057834466"/>
       </p:ext>
     </p:extLst>
   </p:cSld>

--- a/challenges/intro_to_malloc/GLibCMalloc.pptx
+++ b/challenges/intro_to_malloc/GLibCMalloc.pptx
@@ -27786,7 +27786,7 @@
           <a:p>
             <a:fld id="{2DA23E8D-1792-1541-9147-970A8DD8A355}" type="datetimeFigureOut">
               <a:rPr lang="en-US" smtClean="0"/>
-              <a:t>2/15/21</a:t>
+              <a:t>3/20/21</a:t>
             </a:fld>
             <a:endParaRPr lang="en-US" dirty="0"/>
           </a:p>
@@ -28340,7 +28340,7 @@
                 <a:latin typeface="Calibri"/>
               </a:rPr>
               <a:pPr/>
-              <a:t>2/15/21</a:t>
+              <a:t>3/20/21</a:t>
             </a:fld>
             <a:endParaRPr lang="en-US" dirty="0">
               <a:solidFill>
@@ -28593,7 +28593,7 @@
                 <a:latin typeface="Calibri"/>
               </a:rPr>
               <a:pPr/>
-              <a:t>2/15/21</a:t>
+              <a:t>3/20/21</a:t>
             </a:fld>
             <a:endParaRPr lang="en-US" dirty="0">
               <a:solidFill>
@@ -28808,7 +28808,7 @@
                 <a:latin typeface="Calibri"/>
               </a:rPr>
               <a:pPr/>
-              <a:t>2/15/21</a:t>
+              <a:t>3/20/21</a:t>
             </a:fld>
             <a:endParaRPr lang="en-US" dirty="0">
               <a:solidFill>
@@ -29092,7 +29092,7 @@
                 <a:latin typeface="Calibri"/>
               </a:rPr>
               <a:pPr/>
-              <a:t>2/15/21</a:t>
+              <a:t>3/20/21</a:t>
             </a:fld>
             <a:endParaRPr lang="en-US" dirty="0">
               <a:solidFill>
@@ -29434,7 +29434,7 @@
                 <a:latin typeface="Calibri"/>
               </a:rPr>
               <a:pPr/>
-              <a:t>2/15/21</a:t>
+              <a:t>3/20/21</a:t>
             </a:fld>
             <a:endParaRPr lang="en-US" dirty="0">
               <a:solidFill>
@@ -29762,7 +29762,7 @@
                 <a:latin typeface="Calibri"/>
               </a:rPr>
               <a:pPr/>
-              <a:t>2/15/21</a:t>
+              <a:t>3/20/21</a:t>
             </a:fld>
             <a:endParaRPr lang="en-US" dirty="0">
               <a:solidFill>
@@ -30251,7 +30251,7 @@
                 <a:latin typeface="Calibri"/>
               </a:rPr>
               <a:pPr/>
-              <a:t>2/15/21</a:t>
+              <a:t>3/20/21</a:t>
             </a:fld>
             <a:endParaRPr lang="en-US" dirty="0">
               <a:solidFill>
@@ -30434,7 +30434,7 @@
                 <a:latin typeface="Calibri"/>
               </a:rPr>
               <a:pPr/>
-              <a:t>2/15/21</a:t>
+              <a:t>3/20/21</a:t>
             </a:fld>
             <a:endParaRPr lang="en-US" dirty="0">
               <a:solidFill>
@@ -30680,7 +30680,7 @@
                 <a:latin typeface="Calibri"/>
               </a:rPr>
               <a:pPr/>
-              <a:t>2/15/21</a:t>
+              <a:t>3/20/21</a:t>
             </a:fld>
             <a:endParaRPr lang="en-US" dirty="0">
               <a:solidFill>
@@ -31022,7 +31022,7 @@
                 <a:latin typeface="Calibri"/>
               </a:rPr>
               <a:pPr/>
-              <a:t>2/15/21</a:t>
+              <a:t>3/20/21</a:t>
             </a:fld>
             <a:endParaRPr lang="en-US" dirty="0">
               <a:solidFill>
@@ -31314,7 +31314,7 @@
                 <a:latin typeface="Calibri"/>
               </a:rPr>
               <a:pPr/>
-              <a:t>2/15/21</a:t>
+              <a:t>3/20/21</a:t>
             </a:fld>
             <a:endParaRPr lang="en-US" dirty="0">
               <a:solidFill>
@@ -31564,7 +31564,7 @@
                 <a:latin typeface="Calibri"/>
               </a:rPr>
               <a:pPr defTabSz="914400"/>
-              <a:t>2/15/21</a:t>
+              <a:t>3/20/21</a:t>
             </a:fld>
             <a:endParaRPr lang="en-US" dirty="0">
               <a:solidFill>
